--- a/Dossier Co-FR/La boite à épice - interrogation.pptx
+++ b/Dossier Co-FR/La boite à épice - interrogation.pptx
@@ -5,14 +5,16 @@
     <p:sldMasterId id="2147483660" r:id="rId1"/>
   </p:sldMasterIdLst>
   <p:notesMasterIdLst>
-    <p:notesMasterId r:id="rId4"/>
+    <p:notesMasterId r:id="rId6"/>
   </p:notesMasterIdLst>
   <p:handoutMasterIdLst>
-    <p:handoutMasterId r:id="rId5"/>
+    <p:handoutMasterId r:id="rId7"/>
   </p:handoutMasterIdLst>
   <p:sldIdLst>
     <p:sldId id="334" r:id="rId2"/>
     <p:sldId id="335" r:id="rId3"/>
+    <p:sldId id="336" r:id="rId4"/>
+    <p:sldId id="337" r:id="rId5"/>
   </p:sldIdLst>
   <p:sldSz cx="15119350" cy="10799763"/>
   <p:notesSz cx="6797675" cy="9926638"/>
@@ -204,7 +206,7 @@
           <a:p>
             <a:fld id="{175ECC00-C06A-4323-852F-768318D8586A}" type="datetimeFigureOut">
               <a:rPr lang="fr-FR" smtClean="0"/>
-              <a:t>16/03/2025</a:t>
+              <a:t>24/03/2025</a:t>
             </a:fld>
             <a:endParaRPr lang="fr-FR"/>
           </a:p>
@@ -369,7 +371,7 @@
           <a:p>
             <a:fld id="{AE8DAB01-C85E-4F33-91A5-B6D112914A5D}" type="datetimeFigureOut">
               <a:rPr lang="fr-FR" smtClean="0"/>
-              <a:t>16/03/2025</a:t>
+              <a:t>24/03/2025</a:t>
             </a:fld>
             <a:endParaRPr lang="fr-FR"/>
           </a:p>
@@ -768,7 +770,7 @@
           <a:p>
             <a:fld id="{A69F3118-5675-4AEB-B17B-1E109ACFC119}" type="datetimeFigureOut">
               <a:rPr lang="fr-FR" smtClean="0"/>
-              <a:t>16/03/2025</a:t>
+              <a:t>24/03/2025</a:t>
             </a:fld>
             <a:endParaRPr lang="fr-FR"/>
           </a:p>
@@ -938,7 +940,7 @@
           <a:p>
             <a:fld id="{A69F3118-5675-4AEB-B17B-1E109ACFC119}" type="datetimeFigureOut">
               <a:rPr lang="fr-FR" smtClean="0"/>
-              <a:t>16/03/2025</a:t>
+              <a:t>24/03/2025</a:t>
             </a:fld>
             <a:endParaRPr lang="fr-FR"/>
           </a:p>
@@ -1118,7 +1120,7 @@
           <a:p>
             <a:fld id="{A69F3118-5675-4AEB-B17B-1E109ACFC119}" type="datetimeFigureOut">
               <a:rPr lang="fr-FR" smtClean="0"/>
-              <a:t>16/03/2025</a:t>
+              <a:t>24/03/2025</a:t>
             </a:fld>
             <a:endParaRPr lang="fr-FR"/>
           </a:p>
@@ -1288,7 +1290,7 @@
           <a:p>
             <a:fld id="{A69F3118-5675-4AEB-B17B-1E109ACFC119}" type="datetimeFigureOut">
               <a:rPr lang="fr-FR" smtClean="0"/>
-              <a:t>16/03/2025</a:t>
+              <a:t>24/03/2025</a:t>
             </a:fld>
             <a:endParaRPr lang="fr-FR"/>
           </a:p>
@@ -1532,7 +1534,7 @@
           <a:p>
             <a:fld id="{A69F3118-5675-4AEB-B17B-1E109ACFC119}" type="datetimeFigureOut">
               <a:rPr lang="fr-FR" smtClean="0"/>
-              <a:t>16/03/2025</a:t>
+              <a:t>24/03/2025</a:t>
             </a:fld>
             <a:endParaRPr lang="fr-FR"/>
           </a:p>
@@ -1764,7 +1766,7 @@
           <a:p>
             <a:fld id="{A69F3118-5675-4AEB-B17B-1E109ACFC119}" type="datetimeFigureOut">
               <a:rPr lang="fr-FR" smtClean="0"/>
-              <a:t>16/03/2025</a:t>
+              <a:t>24/03/2025</a:t>
             </a:fld>
             <a:endParaRPr lang="fr-FR"/>
           </a:p>
@@ -2131,7 +2133,7 @@
           <a:p>
             <a:fld id="{A69F3118-5675-4AEB-B17B-1E109ACFC119}" type="datetimeFigureOut">
               <a:rPr lang="fr-FR" smtClean="0"/>
-              <a:t>16/03/2025</a:t>
+              <a:t>24/03/2025</a:t>
             </a:fld>
             <a:endParaRPr lang="fr-FR"/>
           </a:p>
@@ -2249,7 +2251,7 @@
           <a:p>
             <a:fld id="{A69F3118-5675-4AEB-B17B-1E109ACFC119}" type="datetimeFigureOut">
               <a:rPr lang="fr-FR" smtClean="0"/>
-              <a:t>16/03/2025</a:t>
+              <a:t>24/03/2025</a:t>
             </a:fld>
             <a:endParaRPr lang="fr-FR"/>
           </a:p>
@@ -2344,7 +2346,7 @@
           <a:p>
             <a:fld id="{A69F3118-5675-4AEB-B17B-1E109ACFC119}" type="datetimeFigureOut">
               <a:rPr lang="fr-FR" smtClean="0"/>
-              <a:t>16/03/2025</a:t>
+              <a:t>24/03/2025</a:t>
             </a:fld>
             <a:endParaRPr lang="fr-FR"/>
           </a:p>
@@ -2621,7 +2623,7 @@
           <a:p>
             <a:fld id="{A69F3118-5675-4AEB-B17B-1E109ACFC119}" type="datetimeFigureOut">
               <a:rPr lang="fr-FR" smtClean="0"/>
-              <a:t>16/03/2025</a:t>
+              <a:t>24/03/2025</a:t>
             </a:fld>
             <a:endParaRPr lang="fr-FR"/>
           </a:p>
@@ -2878,7 +2880,7 @@
           <a:p>
             <a:fld id="{A69F3118-5675-4AEB-B17B-1E109ACFC119}" type="datetimeFigureOut">
               <a:rPr lang="fr-FR" smtClean="0"/>
-              <a:t>16/03/2025</a:t>
+              <a:t>24/03/2025</a:t>
             </a:fld>
             <a:endParaRPr lang="fr-FR"/>
           </a:p>
@@ -3091,7 +3093,7 @@
           <a:p>
             <a:fld id="{A69F3118-5675-4AEB-B17B-1E109ACFC119}" type="datetimeFigureOut">
               <a:rPr lang="fr-FR" smtClean="0"/>
-              <a:t>16/03/2025</a:t>
+              <a:t>24/03/2025</a:t>
             </a:fld>
             <a:endParaRPr lang="fr-FR"/>
           </a:p>
@@ -3504,8 +3506,8 @@
         </p:nvSpPr>
         <p:spPr>
           <a:xfrm>
-            <a:off x="4039557" y="179881"/>
-            <a:ext cx="7040235" cy="10440000"/>
+            <a:off x="142517" y="1388533"/>
+            <a:ext cx="14797158" cy="9231348"/>
           </a:xfrm>
           <a:prstGeom prst="rect">
             <a:avLst/>
@@ -3538,6 +3540,21 @@
           <a:p>
             <a:pPr marL="72000"/>
             <a:r>
+              <a:rPr lang="fr-FR" b="1" dirty="0">
+                <a:cs typeface="Arial" panose="020B0604020202020204" pitchFamily="34" charset="0"/>
+              </a:rPr>
+              <a:t>Question de compréhension</a:t>
+            </a:r>
+          </a:p>
+          <a:p>
+            <a:pPr marL="72000"/>
+            <a:endParaRPr lang="fr-FR" dirty="0">
+              <a:cs typeface="Arial" panose="020B0604020202020204" pitchFamily="34" charset="0"/>
+            </a:endParaRPr>
+          </a:p>
+          <a:p>
+            <a:pPr marL="72000"/>
+            <a:r>
               <a:rPr lang="fr-FR" dirty="0">
                 <a:cs typeface="Arial" panose="020B0604020202020204" pitchFamily="34" charset="0"/>
               </a:rPr>
@@ -3646,6 +3663,32 @@
                 <a:cs typeface="Arial" panose="020B0604020202020204" pitchFamily="34" charset="0"/>
               </a:rPr>
               <a:t>Dans le texte paragraphe 4 que signifie « à titre indicatif » ?</a:t>
+            </a:r>
+          </a:p>
+          <a:p>
+            <a:pPr marL="72000">
+              <a:lnSpc>
+                <a:spcPct val="150000"/>
+              </a:lnSpc>
+            </a:pPr>
+            <a:r>
+              <a:rPr lang="fr-FR" dirty="0">
+                <a:cs typeface="Arial" panose="020B0604020202020204" pitchFamily="34" charset="0"/>
+              </a:rPr>
+              <a:t>…………………………………………………………………………………………………………………..</a:t>
+            </a:r>
+          </a:p>
+          <a:p>
+            <a:pPr marL="72000">
+              <a:lnSpc>
+                <a:spcPct val="150000"/>
+              </a:lnSpc>
+            </a:pPr>
+            <a:r>
+              <a:rPr lang="fr-FR" dirty="0">
+                <a:cs typeface="Arial" panose="020B0604020202020204" pitchFamily="34" charset="0"/>
+              </a:rPr>
+              <a:t>Dans le texte paragraphe 1 que signifie « avoir sous la main » dans la phrase : « C était ce que j’avais sous la main »</a:t>
             </a:r>
           </a:p>
           <a:p>
@@ -3677,9 +3720,12 @@
                 <a:spcPct val="150000"/>
               </a:lnSpc>
             </a:pPr>
-            <a:endParaRPr lang="fr-FR" dirty="0">
-              <a:cs typeface="Arial" panose="020B0604020202020204" pitchFamily="34" charset="0"/>
-            </a:endParaRPr>
+            <a:r>
+              <a:rPr lang="fr-FR" b="1" dirty="0">
+                <a:cs typeface="Arial" panose="020B0604020202020204" pitchFamily="34" charset="0"/>
+              </a:rPr>
+              <a:t>Analyse du texte</a:t>
+            </a:r>
           </a:p>
           <a:p>
             <a:pPr marL="72000">
@@ -3692,157 +3738,121 @@
             </a:endParaRPr>
           </a:p>
           <a:p>
-            <a:pPr marL="72000"/>
+            <a:pPr marL="357750" indent="-285750">
+              <a:lnSpc>
+                <a:spcPct val="150000"/>
+              </a:lnSpc>
+              <a:buFont typeface="Arial" panose="020B0604020202020204" pitchFamily="34" charset="0"/>
+              <a:buChar char="•"/>
+            </a:pPr>
+            <a:r>
+              <a:rPr lang="fr-FR" dirty="0">
+                <a:cs typeface="Arial" panose="020B0604020202020204" pitchFamily="34" charset="0"/>
+              </a:rPr>
+              <a:t>Dans le texte paragraphe 3 souligner les verbes à l’impératif</a:t>
+            </a:r>
+          </a:p>
+          <a:p>
+            <a:pPr marL="357750" indent="-285750">
+              <a:lnSpc>
+                <a:spcPct val="150000"/>
+              </a:lnSpc>
+              <a:buFont typeface="Arial" panose="020B0604020202020204" pitchFamily="34" charset="0"/>
+              <a:buChar char="•"/>
+            </a:pPr>
             <a:endParaRPr lang="fr-FR" dirty="0">
               <a:cs typeface="Arial" panose="020B0604020202020204" pitchFamily="34" charset="0"/>
             </a:endParaRPr>
           </a:p>
-        </p:txBody>
-      </p:sp>
-      <p:sp>
-        <p:nvSpPr>
-          <p:cNvPr id="18" name="Rectangle 17"/>
-          <p:cNvSpPr/>
-          <p:nvPr/>
-        </p:nvSpPr>
-        <p:spPr>
-          <a:xfrm>
-            <a:off x="142517" y="1390649"/>
-            <a:ext cx="3763202" cy="9229231"/>
-          </a:xfrm>
-          <a:prstGeom prst="rect">
-            <a:avLst/>
-          </a:prstGeom>
-          <a:ln w="57150"/>
-        </p:spPr>
-        <p:style>
-          <a:lnRef idx="2">
-            <a:schemeClr val="dk1"/>
-          </a:lnRef>
-          <a:fillRef idx="1">
-            <a:schemeClr val="lt1"/>
-          </a:fillRef>
-          <a:effectRef idx="0">
-            <a:schemeClr val="dk1"/>
-          </a:effectRef>
-          <a:fontRef idx="minor">
-            <a:schemeClr val="dk1"/>
-          </a:fontRef>
-        </p:style>
-        <p:txBody>
-          <a:bodyPr rtlCol="0" anchor="ctr"/>
-          <a:lstStyle/>
-          <a:p>
-            <a:pPr marL="72000"/>
-            <a:endParaRPr lang="fr-FR" sz="1600" dirty="0">
+          <a:p>
+            <a:pPr marL="357750" indent="-285750">
+              <a:lnSpc>
+                <a:spcPct val="150000"/>
+              </a:lnSpc>
+              <a:buFont typeface="Arial" panose="020B0604020202020204" pitchFamily="34" charset="0"/>
+              <a:buChar char="•"/>
+            </a:pPr>
+            <a:r>
+              <a:rPr lang="fr-FR" dirty="0">
+                <a:cs typeface="Arial" panose="020B0604020202020204" pitchFamily="34" charset="0"/>
+              </a:rPr>
+              <a:t>Dans le texte paragraphe 4 souligner les verbes à l’infinitif</a:t>
+            </a:r>
+          </a:p>
+          <a:p>
+            <a:pPr marL="72000">
+              <a:lnSpc>
+                <a:spcPct val="150000"/>
+              </a:lnSpc>
+            </a:pPr>
+            <a:endParaRPr lang="fr-FR" dirty="0">
               <a:cs typeface="Arial" panose="020B0604020202020204" pitchFamily="34" charset="0"/>
             </a:endParaRPr>
           </a:p>
-        </p:txBody>
-      </p:sp>
-      <p:sp>
-        <p:nvSpPr>
-          <p:cNvPr id="19" name="Rectangle 18"/>
-          <p:cNvSpPr/>
-          <p:nvPr/>
-        </p:nvSpPr>
-        <p:spPr>
-          <a:xfrm>
-            <a:off x="11213630" y="1390649"/>
-            <a:ext cx="3726044" cy="9229231"/>
-          </a:xfrm>
-          <a:prstGeom prst="rect">
-            <a:avLst/>
-          </a:prstGeom>
-          <a:ln w="57150"/>
-        </p:spPr>
-        <p:style>
-          <a:lnRef idx="2">
-            <a:schemeClr val="dk1"/>
-          </a:lnRef>
-          <a:fillRef idx="1">
-            <a:schemeClr val="lt1"/>
-          </a:fillRef>
-          <a:effectRef idx="0">
-            <a:schemeClr val="dk1"/>
-          </a:effectRef>
-          <a:fontRef idx="minor">
-            <a:schemeClr val="dk1"/>
-          </a:fontRef>
-        </p:style>
-        <p:txBody>
-          <a:bodyPr rtlCol="0" anchor="b"/>
-          <a:lstStyle/>
-          <a:p>
-            <a:pPr marL="72000" algn="ctr">
+          <a:p>
+            <a:pPr marL="72000">
               <a:lnSpc>
-                <a:spcPct val="120000"/>
+                <a:spcPct val="150000"/>
               </a:lnSpc>
             </a:pPr>
-            <a:endParaRPr lang="fr-FR" sz="1400" spc="300" dirty="0">
-              <a:latin typeface="Comic Sans MS" panose="030F0702030302020204" pitchFamily="66" charset="0"/>
-              <a:ea typeface="JetBrains Mono" panose="02000009000000000000" pitchFamily="49" charset="0"/>
-              <a:cs typeface="JetBrains Mono" panose="02000009000000000000" pitchFamily="49" charset="0"/>
+            <a:endParaRPr lang="fr-FR" dirty="0">
+              <a:cs typeface="Arial" panose="020B0604020202020204" pitchFamily="34" charset="0"/>
             </a:endParaRPr>
           </a:p>
           <a:p>
-            <a:pPr marL="72000" algn="ctr">
+            <a:pPr marL="72000">
               <a:lnSpc>
-                <a:spcPct val="120000"/>
+                <a:spcPct val="150000"/>
               </a:lnSpc>
             </a:pPr>
-            <a:endParaRPr lang="fr-FR" sz="1400" spc="300" dirty="0">
-              <a:latin typeface="Comic Sans MS" panose="030F0702030302020204" pitchFamily="66" charset="0"/>
-              <a:ea typeface="JetBrains Mono" panose="02000009000000000000" pitchFamily="49" charset="0"/>
-              <a:cs typeface="JetBrains Mono" panose="02000009000000000000" pitchFamily="49" charset="0"/>
+            <a:endParaRPr lang="fr-FR" dirty="0">
+              <a:cs typeface="Arial" panose="020B0604020202020204" pitchFamily="34" charset="0"/>
             </a:endParaRPr>
           </a:p>
           <a:p>
-            <a:pPr marL="72000" algn="ctr">
+            <a:pPr marL="72000">
               <a:lnSpc>
-                <a:spcPct val="120000"/>
+                <a:spcPct val="150000"/>
               </a:lnSpc>
             </a:pPr>
-            <a:endParaRPr lang="fr-FR" sz="1400" spc="300" dirty="0">
-              <a:latin typeface="Comic Sans MS" panose="030F0702030302020204" pitchFamily="66" charset="0"/>
-              <a:ea typeface="JetBrains Mono" panose="02000009000000000000" pitchFamily="49" charset="0"/>
-              <a:cs typeface="JetBrains Mono" panose="02000009000000000000" pitchFamily="49" charset="0"/>
+            <a:endParaRPr lang="fr-FR" dirty="0">
+              <a:cs typeface="Arial" panose="020B0604020202020204" pitchFamily="34" charset="0"/>
             </a:endParaRPr>
           </a:p>
           <a:p>
-            <a:pPr marL="72000" algn="ctr">
+            <a:pPr marL="72000">
               <a:lnSpc>
-                <a:spcPct val="120000"/>
+                <a:spcPct val="150000"/>
               </a:lnSpc>
             </a:pPr>
-            <a:endParaRPr lang="fr-FR" sz="1400" spc="300" dirty="0">
-              <a:latin typeface="Comic Sans MS" panose="030F0702030302020204" pitchFamily="66" charset="0"/>
-              <a:ea typeface="JetBrains Mono" panose="02000009000000000000" pitchFamily="49" charset="0"/>
-              <a:cs typeface="JetBrains Mono" panose="02000009000000000000" pitchFamily="49" charset="0"/>
+            <a:endParaRPr lang="fr-FR" dirty="0">
+              <a:cs typeface="Arial" panose="020B0604020202020204" pitchFamily="34" charset="0"/>
             </a:endParaRPr>
           </a:p>
           <a:p>
-            <a:pPr marL="72000" algn="ctr">
+            <a:pPr marL="72000">
               <a:lnSpc>
-                <a:spcPct val="120000"/>
+                <a:spcPct val="150000"/>
               </a:lnSpc>
             </a:pPr>
-            <a:endParaRPr lang="fr-FR" sz="1600" spc="300" dirty="0">
-              <a:latin typeface="Comic Sans MS" panose="030F0702030302020204" pitchFamily="66" charset="0"/>
-              <a:ea typeface="JetBrains Mono" panose="02000009000000000000" pitchFamily="49" charset="0"/>
-              <a:cs typeface="JetBrains Mono" panose="02000009000000000000" pitchFamily="49" charset="0"/>
+            <a:endParaRPr lang="fr-FR" dirty="0">
+              <a:cs typeface="Arial" panose="020B0604020202020204" pitchFamily="34" charset="0"/>
             </a:endParaRPr>
           </a:p>
           <a:p>
-            <a:pPr marL="72000" algn="ctr">
+            <a:pPr marL="72000">
               <a:lnSpc>
-                <a:spcPct val="120000"/>
+                <a:spcPct val="150000"/>
               </a:lnSpc>
             </a:pPr>
-            <a:endParaRPr lang="fr-FR" spc="300" dirty="0">
-              <a:latin typeface="Comic Sans MS" panose="030F0702030302020204" pitchFamily="66" charset="0"/>
-              <a:ea typeface="JetBrains Mono" panose="02000009000000000000" pitchFamily="49" charset="0"/>
-              <a:cs typeface="JetBrains Mono" panose="02000009000000000000" pitchFamily="49" charset="0"/>
+            <a:endParaRPr lang="fr-FR" dirty="0">
+              <a:cs typeface="Arial" panose="020B0604020202020204" pitchFamily="34" charset="0"/>
+            </a:endParaRPr>
+          </a:p>
+          <a:p>
+            <a:pPr marL="72000"/>
+            <a:endParaRPr lang="fr-FR" dirty="0">
+              <a:cs typeface="Arial" panose="020B0604020202020204" pitchFamily="34" charset="0"/>
             </a:endParaRPr>
           </a:p>
         </p:txBody>
@@ -3957,6 +3967,164 @@
                 <a:cs typeface="JetBrains Mono" panose="02000009000000000000" pitchFamily="49" charset="0"/>
               </a:rPr>
               <a:t>Evaluation : La boite à épice</a:t>
+            </a:r>
+          </a:p>
+        </p:txBody>
+      </p:sp>
+      <p:sp>
+        <p:nvSpPr>
+          <p:cNvPr id="8" name="Rectangle 7">
+            <a:extLst>
+              <a:ext uri="{FF2B5EF4-FFF2-40B4-BE49-F238E27FC236}">
+                <a16:creationId xmlns:a16="http://schemas.microsoft.com/office/drawing/2014/main" id="{BD59B1C0-F3ED-4AC4-8452-B2B14361ECC9}"/>
+              </a:ext>
+            </a:extLst>
+          </p:cNvPr>
+          <p:cNvSpPr/>
+          <p:nvPr/>
+        </p:nvSpPr>
+        <p:spPr>
+          <a:xfrm>
+            <a:off x="4037183" y="179881"/>
+            <a:ext cx="7054150" cy="1067028"/>
+          </a:xfrm>
+          <a:prstGeom prst="rect">
+            <a:avLst/>
+          </a:prstGeom>
+          <a:ln w="57150"/>
+        </p:spPr>
+        <p:style>
+          <a:lnRef idx="2">
+            <a:schemeClr val="dk1"/>
+          </a:lnRef>
+          <a:fillRef idx="1">
+            <a:schemeClr val="lt1"/>
+          </a:fillRef>
+          <a:effectRef idx="0">
+            <a:schemeClr val="dk1"/>
+          </a:effectRef>
+          <a:fontRef idx="minor">
+            <a:schemeClr val="dk1"/>
+          </a:fontRef>
+        </p:style>
+        <p:txBody>
+          <a:bodyPr rtlCol="0" anchor="ctr"/>
+          <a:lstStyle/>
+          <a:p>
+            <a:pPr algn="ctr"/>
+            <a:r>
+              <a:rPr lang="fr-FR" b="1" dirty="0">
+                <a:latin typeface="Comic Sans MS" panose="030F0702030302020204" pitchFamily="66" charset="0"/>
+                <a:ea typeface="JetBrains Mono" panose="02000009000000000000" pitchFamily="49" charset="0"/>
+                <a:cs typeface="JetBrains Mono" panose="02000009000000000000" pitchFamily="49" charset="0"/>
+              </a:rPr>
+              <a:t>Questions</a:t>
+            </a:r>
+          </a:p>
+        </p:txBody>
+      </p:sp>
+      <p:sp>
+        <p:nvSpPr>
+          <p:cNvPr id="9" name="Rectangle 8">
+            <a:extLst>
+              <a:ext uri="{FF2B5EF4-FFF2-40B4-BE49-F238E27FC236}">
+                <a16:creationId xmlns:a16="http://schemas.microsoft.com/office/drawing/2014/main" id="{1F561DA7-44E1-43D2-BBBF-157D41E90530}"/>
+              </a:ext>
+            </a:extLst>
+          </p:cNvPr>
+          <p:cNvSpPr/>
+          <p:nvPr/>
+        </p:nvSpPr>
+        <p:spPr>
+          <a:xfrm>
+            <a:off x="11176474" y="7989596"/>
+            <a:ext cx="3763201" cy="2630285"/>
+          </a:xfrm>
+          <a:prstGeom prst="rect">
+            <a:avLst/>
+          </a:prstGeom>
+          <a:solidFill>
+            <a:schemeClr val="bg1"/>
+          </a:solidFill>
+          <a:ln w="57150" cap="flat" cmpd="sng" algn="ctr">
+            <a:solidFill>
+              <a:schemeClr val="tx1"/>
+            </a:solidFill>
+            <a:prstDash val="solid"/>
+            <a:round/>
+            <a:headEnd type="none" w="med" len="med"/>
+            <a:tailEnd type="none" w="med" len="med"/>
+          </a:ln>
+        </p:spPr>
+        <p:style>
+          <a:lnRef idx="0">
+            <a:scrgbClr r="0" g="0" b="0"/>
+          </a:lnRef>
+          <a:fillRef idx="0">
+            <a:scrgbClr r="0" g="0" b="0"/>
+          </a:fillRef>
+          <a:effectRef idx="0">
+            <a:scrgbClr r="0" g="0" b="0"/>
+          </a:effectRef>
+          <a:fontRef idx="minor">
+            <a:schemeClr val="dk1"/>
+          </a:fontRef>
+        </p:style>
+        <p:txBody>
+          <a:bodyPr rtlCol="0" anchor="ctr"/>
+          <a:lstStyle/>
+          <a:p>
+            <a:pPr marL="72000"/>
+            <a:r>
+              <a:rPr lang="fr-FR" dirty="0">
+                <a:cs typeface="Arial" panose="020B0604020202020204" pitchFamily="34" charset="0"/>
+              </a:rPr>
+              <a:t>Nom : 		……………………… </a:t>
+            </a:r>
+          </a:p>
+          <a:p>
+            <a:pPr marL="72000"/>
+            <a:endParaRPr lang="fr-FR" dirty="0">
+              <a:cs typeface="Arial" panose="020B0604020202020204" pitchFamily="34" charset="0"/>
+            </a:endParaRPr>
+          </a:p>
+          <a:p>
+            <a:pPr marL="72000"/>
+            <a:r>
+              <a:rPr lang="fr-FR" dirty="0">
+                <a:cs typeface="Arial" panose="020B0604020202020204" pitchFamily="34" charset="0"/>
+              </a:rPr>
+              <a:t>Prénom : 	………………………</a:t>
+            </a:r>
+          </a:p>
+          <a:p>
+            <a:pPr marL="72000"/>
+            <a:endParaRPr lang="fr-FR" dirty="0">
+              <a:cs typeface="Arial" panose="020B0604020202020204" pitchFamily="34" charset="0"/>
+            </a:endParaRPr>
+          </a:p>
+          <a:p>
+            <a:pPr marL="72000"/>
+            <a:r>
+              <a:rPr lang="fr-FR" dirty="0">
+                <a:cs typeface="Arial" panose="020B0604020202020204" pitchFamily="34" charset="0"/>
+              </a:rPr>
+              <a:t>Classe : 	………………………</a:t>
+            </a:r>
+          </a:p>
+          <a:p>
+            <a:pPr marL="72000"/>
+            <a:endParaRPr lang="fr-FR" dirty="0">
+              <a:cs typeface="Arial" panose="020B0604020202020204" pitchFamily="34" charset="0"/>
+            </a:endParaRPr>
+          </a:p>
+          <a:p>
+            <a:pPr marL="72000"/>
+            <a:r>
+              <a:rPr lang="fr-FR" dirty="0">
+                <a:cs typeface="Arial" panose="020B0604020202020204" pitchFamily="34" charset="0"/>
+              </a:rPr>
+              <a:t>Note : 		…………………../20</a:t>
             </a:r>
           </a:p>
         </p:txBody>
@@ -4154,60 +4322,6 @@
                 <a:cs typeface="JetBrains Mono" panose="02000009000000000000" pitchFamily="49" charset="0"/>
               </a:rPr>
               <a:t>Evaluation : La boite à épice</a:t>
-            </a:r>
-          </a:p>
-        </p:txBody>
-      </p:sp>
-      <p:sp>
-        <p:nvSpPr>
-          <p:cNvPr id="20" name="Rounded Rectangle 19"/>
-          <p:cNvSpPr/>
-          <p:nvPr/>
-        </p:nvSpPr>
-        <p:spPr>
-          <a:xfrm>
-            <a:off x="14127675" y="10044399"/>
-            <a:ext cx="895962" cy="685971"/>
-          </a:xfrm>
-          <a:prstGeom prst="roundRect">
-            <a:avLst/>
-          </a:prstGeom>
-          <a:ln w="57150">
-            <a:solidFill>
-              <a:schemeClr val="tx1">
-                <a:lumMod val="50000"/>
-                <a:lumOff val="50000"/>
-              </a:schemeClr>
-            </a:solidFill>
-          </a:ln>
-        </p:spPr>
-        <p:style>
-          <a:lnRef idx="2">
-            <a:schemeClr val="dk1"/>
-          </a:lnRef>
-          <a:fillRef idx="1">
-            <a:schemeClr val="lt1"/>
-          </a:fillRef>
-          <a:effectRef idx="0">
-            <a:schemeClr val="dk1"/>
-          </a:effectRef>
-          <a:fontRef idx="minor">
-            <a:schemeClr val="dk1"/>
-          </a:fontRef>
-        </p:style>
-        <p:txBody>
-          <a:bodyPr rtlCol="0" anchor="ctr"/>
-          <a:lstStyle/>
-          <a:p>
-            <a:pPr algn="ctr"/>
-            <a:r>
-              <a:rPr lang="fr-FR" sz="2000" dirty="0">
-                <a:solidFill>
-                  <a:schemeClr val="tx1"/>
-                </a:solidFill>
-                <a:latin typeface="Comic Sans MS" panose="030F0702030302020204" pitchFamily="66" charset="0"/>
-              </a:rPr>
-              <a:t>1/4</a:t>
             </a:r>
           </a:p>
         </p:txBody>
@@ -4489,7 +4603,7 @@
         </p:nvCxnSpPr>
         <p:spPr>
           <a:xfrm>
-            <a:off x="10423309" y="1782945"/>
+            <a:off x="10423309" y="1991005"/>
             <a:ext cx="0" cy="8009467"/>
           </a:xfrm>
           <a:prstGeom prst="line">
@@ -4612,6 +4726,1227 @@
     <p:extLst>
       <p:ext uri="{BB962C8B-B14F-4D97-AF65-F5344CB8AC3E}">
         <p14:creationId xmlns:p14="http://schemas.microsoft.com/office/powerpoint/2010/main" val="4020604657"/>
+      </p:ext>
+    </p:extLst>
+  </p:cSld>
+  <p:clrMapOvr>
+    <a:masterClrMapping/>
+  </p:clrMapOvr>
+</p:sld>
+</file>
+
+<file path=ppt/slides/slide3.xml><?xml version="1.0" encoding="utf-8"?>
+<p:sld xmlns:a="http://schemas.openxmlformats.org/drawingml/2006/main" xmlns:r="http://schemas.openxmlformats.org/officeDocument/2006/relationships" xmlns:p="http://schemas.openxmlformats.org/presentationml/2006/main">
+  <p:cSld>
+    <p:spTree>
+      <p:nvGrpSpPr>
+        <p:cNvPr id="1" name=""/>
+        <p:cNvGrpSpPr/>
+        <p:nvPr/>
+      </p:nvGrpSpPr>
+      <p:grpSpPr>
+        <a:xfrm>
+          <a:off x="0" y="0"/>
+          <a:ext cx="0" cy="0"/>
+          <a:chOff x="0" y="0"/>
+          <a:chExt cx="0" cy="0"/>
+        </a:xfrm>
+      </p:grpSpPr>
+      <p:sp>
+        <p:nvSpPr>
+          <p:cNvPr id="17" name="Rectangle 16"/>
+          <p:cNvSpPr/>
+          <p:nvPr/>
+        </p:nvSpPr>
+        <p:spPr>
+          <a:xfrm>
+            <a:off x="4039557" y="179880"/>
+            <a:ext cx="7040235" cy="10440000"/>
+          </a:xfrm>
+          <a:prstGeom prst="rect">
+            <a:avLst/>
+          </a:prstGeom>
+          <a:ln w="57150"/>
+        </p:spPr>
+        <p:style>
+          <a:lnRef idx="2">
+            <a:schemeClr val="dk1"/>
+          </a:lnRef>
+          <a:fillRef idx="1">
+            <a:schemeClr val="lt1"/>
+          </a:fillRef>
+          <a:effectRef idx="0">
+            <a:schemeClr val="dk1"/>
+          </a:effectRef>
+          <a:fontRef idx="minor">
+            <a:schemeClr val="dk1"/>
+          </a:fontRef>
+        </p:style>
+        <p:txBody>
+          <a:bodyPr rtlCol="0" anchor="ctr"/>
+          <a:lstStyle/>
+          <a:p>
+            <a:pPr marL="72000"/>
+            <a:endParaRPr lang="fr-FR" dirty="0"/>
+          </a:p>
+          <a:p>
+            <a:pPr marL="72000"/>
+            <a:r>
+              <a:rPr lang="fr-FR" dirty="0"/>
+              <a:t>La vitesse de coupe est un paramètre essentiel en menuiserie et en usinage du bois. Elle influence la qualité de finition, la sécurité et la durabilité des outils. Une vitesse bien réglée permet une coupe nette et limite l’usure prématurée des fers ou des fraises.</a:t>
+            </a:r>
+          </a:p>
+          <a:p>
+            <a:pPr marL="72000"/>
+            <a:endParaRPr lang="fr-FR" dirty="0"/>
+          </a:p>
+          <a:p>
+            <a:pPr marL="72000"/>
+            <a:r>
+              <a:rPr lang="fr-FR" dirty="0"/>
+              <a:t>Calculer la vitesse de coupe pour un outils de 0,160 m et une vitesse de coupe de 4200 tours minute</a:t>
+            </a:r>
+          </a:p>
+          <a:p>
+            <a:pPr marL="72000"/>
+            <a:endParaRPr lang="fr-FR" dirty="0"/>
+          </a:p>
+          <a:p>
+            <a:pPr marL="72000"/>
+            <a:r>
+              <a:rPr lang="fr-FR" dirty="0">
+                <a:cs typeface="Arial" panose="020B0604020202020204" pitchFamily="34" charset="0"/>
+              </a:rPr>
+              <a:t>…………………………………………………………………………………………………………………..</a:t>
+            </a:r>
+          </a:p>
+          <a:p>
+            <a:pPr marL="72000"/>
+            <a:r>
+              <a:rPr lang="fr-FR" dirty="0">
+                <a:cs typeface="Arial" panose="020B0604020202020204" pitchFamily="34" charset="0"/>
+              </a:rPr>
+              <a:t>…………………………………………………………………………………………………………………..</a:t>
+            </a:r>
+          </a:p>
+          <a:p>
+            <a:pPr marL="72000"/>
+            <a:r>
+              <a:rPr lang="fr-FR" dirty="0">
+                <a:cs typeface="Arial" panose="020B0604020202020204" pitchFamily="34" charset="0"/>
+              </a:rPr>
+              <a:t>…………………………………………………………………………………………………………………..</a:t>
+            </a:r>
+          </a:p>
+          <a:p>
+            <a:pPr marL="72000"/>
+            <a:r>
+              <a:rPr lang="fr-FR" dirty="0">
+                <a:cs typeface="Arial" panose="020B0604020202020204" pitchFamily="34" charset="0"/>
+              </a:rPr>
+              <a:t>…………………………………………………………………………………………………………………..</a:t>
+            </a:r>
+          </a:p>
+          <a:p>
+            <a:pPr marL="72000"/>
+            <a:endParaRPr lang="fr-FR" dirty="0"/>
+          </a:p>
+          <a:p>
+            <a:pPr marL="72000"/>
+            <a:r>
+              <a:rPr lang="fr-FR" dirty="0"/>
+              <a:t>Calculer la vitesse de coupe pour un outils de 140 mm et une vitesse de coupe de 4500 tour minute</a:t>
+            </a:r>
+          </a:p>
+          <a:p>
+            <a:pPr marL="72000"/>
+            <a:endParaRPr lang="fr-FR" dirty="0"/>
+          </a:p>
+          <a:p>
+            <a:pPr marL="72000"/>
+            <a:r>
+              <a:rPr lang="fr-FR" dirty="0">
+                <a:cs typeface="Arial" panose="020B0604020202020204" pitchFamily="34" charset="0"/>
+              </a:rPr>
+              <a:t>…………………………………………………………………………………………………………………..</a:t>
+            </a:r>
+          </a:p>
+          <a:p>
+            <a:pPr marL="72000"/>
+            <a:r>
+              <a:rPr lang="fr-FR" dirty="0">
+                <a:cs typeface="Arial" panose="020B0604020202020204" pitchFamily="34" charset="0"/>
+              </a:rPr>
+              <a:t>…………………………………………………………………………………………………………………..</a:t>
+            </a:r>
+          </a:p>
+          <a:p>
+            <a:pPr marL="72000"/>
+            <a:r>
+              <a:rPr lang="fr-FR" dirty="0">
+                <a:cs typeface="Arial" panose="020B0604020202020204" pitchFamily="34" charset="0"/>
+              </a:rPr>
+              <a:t>…………………………………………………………………………………………………………………..</a:t>
+            </a:r>
+          </a:p>
+          <a:p>
+            <a:pPr marL="72000"/>
+            <a:r>
+              <a:rPr lang="fr-FR" dirty="0">
+                <a:cs typeface="Arial" panose="020B0604020202020204" pitchFamily="34" charset="0"/>
+              </a:rPr>
+              <a:t>…………………………………………………………………………………………………………………..</a:t>
+            </a:r>
+          </a:p>
+          <a:p>
+            <a:pPr marL="72000"/>
+            <a:endParaRPr lang="fr-FR" dirty="0"/>
+          </a:p>
+          <a:p>
+            <a:pPr marL="72000"/>
+            <a:r>
+              <a:rPr lang="fr-FR" dirty="0"/>
+              <a:t>Calculer la vitesse de coupe pour un outils de 145 mm et une vitesse de coupe de 4500 tour minute et convertissez la en kilomètre heure (</a:t>
+            </a:r>
+            <a:r>
+              <a:rPr lang="pt-BR" dirty="0"/>
+              <a:t>1 m/s = </a:t>
+            </a:r>
+            <a:r>
+              <a:rPr lang="pt-BR" b="1" dirty="0"/>
+              <a:t>3,6 km/h)</a:t>
+            </a:r>
+            <a:endParaRPr lang="fr-FR" dirty="0"/>
+          </a:p>
+          <a:p>
+            <a:pPr marL="72000"/>
+            <a:endParaRPr lang="fr-FR" dirty="0"/>
+          </a:p>
+          <a:p>
+            <a:pPr marL="72000"/>
+            <a:r>
+              <a:rPr lang="fr-FR" dirty="0">
+                <a:cs typeface="Arial" panose="020B0604020202020204" pitchFamily="34" charset="0"/>
+              </a:rPr>
+              <a:t>…………………………………………………………………………………………………………………..</a:t>
+            </a:r>
+          </a:p>
+          <a:p>
+            <a:pPr marL="72000"/>
+            <a:r>
+              <a:rPr lang="fr-FR" dirty="0">
+                <a:cs typeface="Arial" panose="020B0604020202020204" pitchFamily="34" charset="0"/>
+              </a:rPr>
+              <a:t>…………………………………………………………………………………………………………………..</a:t>
+            </a:r>
+          </a:p>
+          <a:p>
+            <a:pPr marL="72000"/>
+            <a:r>
+              <a:rPr lang="fr-FR" dirty="0">
+                <a:cs typeface="Arial" panose="020B0604020202020204" pitchFamily="34" charset="0"/>
+              </a:rPr>
+              <a:t>…………………………………………………………………………………………………………………..</a:t>
+            </a:r>
+          </a:p>
+          <a:p>
+            <a:pPr marL="72000"/>
+            <a:r>
+              <a:rPr lang="fr-FR" dirty="0">
+                <a:cs typeface="Arial" panose="020B0604020202020204" pitchFamily="34" charset="0"/>
+              </a:rPr>
+              <a:t>…………………………………………………………………………………………………………………..</a:t>
+            </a:r>
+          </a:p>
+          <a:p>
+            <a:pPr marL="72000"/>
+            <a:endParaRPr lang="fr-FR" dirty="0"/>
+          </a:p>
+        </p:txBody>
+      </p:sp>
+      <p:sp>
+        <p:nvSpPr>
+          <p:cNvPr id="18" name="Rectangle 17"/>
+          <p:cNvSpPr/>
+          <p:nvPr/>
+        </p:nvSpPr>
+        <p:spPr>
+          <a:xfrm>
+            <a:off x="142517" y="1390649"/>
+            <a:ext cx="3763202" cy="9229231"/>
+          </a:xfrm>
+          <a:prstGeom prst="rect">
+            <a:avLst/>
+          </a:prstGeom>
+          <a:ln w="57150"/>
+        </p:spPr>
+        <p:style>
+          <a:lnRef idx="2">
+            <a:schemeClr val="dk1"/>
+          </a:lnRef>
+          <a:fillRef idx="1">
+            <a:schemeClr val="lt1"/>
+          </a:fillRef>
+          <a:effectRef idx="0">
+            <a:schemeClr val="dk1"/>
+          </a:effectRef>
+          <a:fontRef idx="minor">
+            <a:schemeClr val="dk1"/>
+          </a:fontRef>
+        </p:style>
+        <p:txBody>
+          <a:bodyPr rtlCol="0" anchor="t"/>
+          <a:lstStyle/>
+          <a:p>
+            <a:pPr marL="72000"/>
+            <a:endParaRPr lang="fr-FR" sz="1600" dirty="0">
+              <a:cs typeface="Arial" panose="020B0604020202020204" pitchFamily="34" charset="0"/>
+            </a:endParaRPr>
+          </a:p>
+          <a:p>
+            <a:pPr marL="72000"/>
+            <a:r>
+              <a:rPr lang="fr-FR" sz="1600" b="1" dirty="0">
+                <a:cs typeface="Arial" panose="020B0604020202020204" pitchFamily="34" charset="0"/>
+              </a:rPr>
+              <a:t>La formule :</a:t>
+            </a:r>
+          </a:p>
+          <a:p>
+            <a:pPr marL="72000"/>
+            <a:endParaRPr lang="fr-FR" sz="1600" dirty="0">
+              <a:cs typeface="Arial" panose="020B0604020202020204" pitchFamily="34" charset="0"/>
+            </a:endParaRPr>
+          </a:p>
+          <a:p>
+            <a:pPr marL="72000"/>
+            <a:endParaRPr lang="fr-FR" sz="1600" dirty="0">
+              <a:cs typeface="Arial" panose="020B0604020202020204" pitchFamily="34" charset="0"/>
+            </a:endParaRPr>
+          </a:p>
+          <a:p>
+            <a:pPr marL="72000"/>
+            <a:endParaRPr lang="fr-FR" sz="1600" dirty="0">
+              <a:cs typeface="Arial" panose="020B0604020202020204" pitchFamily="34" charset="0"/>
+            </a:endParaRPr>
+          </a:p>
+          <a:p>
+            <a:pPr marL="72000"/>
+            <a:endParaRPr lang="fr-FR" sz="1600" dirty="0">
+              <a:cs typeface="Arial" panose="020B0604020202020204" pitchFamily="34" charset="0"/>
+            </a:endParaRPr>
+          </a:p>
+          <a:p>
+            <a:pPr marL="72000"/>
+            <a:endParaRPr lang="fr-FR" sz="1600" dirty="0">
+              <a:cs typeface="Arial" panose="020B0604020202020204" pitchFamily="34" charset="0"/>
+            </a:endParaRPr>
+          </a:p>
+          <a:p>
+            <a:pPr marL="72000"/>
+            <a:r>
+              <a:rPr lang="fr-FR" sz="1600" b="1" dirty="0"/>
+              <a:t>V</a:t>
+            </a:r>
+            <a:r>
+              <a:rPr lang="fr-FR" sz="1600" dirty="0"/>
+              <a:t> : vitesse de coupe (ou vitesse linéaire) en mètres par seconde (</a:t>
+            </a:r>
+            <a:r>
+              <a:rPr lang="fr-FR" sz="1600" b="1" dirty="0"/>
+              <a:t>m/s</a:t>
+            </a:r>
+            <a:r>
+              <a:rPr lang="fr-FR" sz="1600" dirty="0"/>
+              <a:t>)</a:t>
+            </a:r>
+          </a:p>
+          <a:p>
+            <a:pPr marL="72000"/>
+            <a:r>
+              <a:rPr lang="fr-FR" sz="1600" b="1" dirty="0"/>
+              <a:t>π</a:t>
+            </a:r>
+            <a:r>
+              <a:rPr lang="fr-FR" sz="1600" dirty="0"/>
+              <a:t> : constante mathématique (</a:t>
+            </a:r>
+            <a:r>
+              <a:rPr lang="fr-FR" sz="1600" b="1" dirty="0"/>
+              <a:t>3,14</a:t>
+            </a:r>
+            <a:r>
+              <a:rPr lang="fr-FR" sz="1600" dirty="0"/>
+              <a:t>)</a:t>
+            </a:r>
+          </a:p>
+          <a:p>
+            <a:pPr marL="72000"/>
+            <a:r>
+              <a:rPr lang="fr-FR" sz="1600" b="1" dirty="0"/>
+              <a:t>D</a:t>
+            </a:r>
+            <a:r>
+              <a:rPr lang="fr-FR" sz="1600" dirty="0"/>
+              <a:t> : diamètre de l’outil en mètres (</a:t>
+            </a:r>
+            <a:r>
+              <a:rPr lang="fr-FR" sz="1600" b="1" dirty="0"/>
+              <a:t>m</a:t>
+            </a:r>
+            <a:r>
+              <a:rPr lang="fr-FR" sz="1600" dirty="0"/>
+              <a:t>)</a:t>
+            </a:r>
+          </a:p>
+          <a:p>
+            <a:pPr marL="72000"/>
+            <a:r>
+              <a:rPr lang="fr-FR" sz="1600" b="1" dirty="0"/>
+              <a:t>S</a:t>
+            </a:r>
+            <a:r>
+              <a:rPr lang="fr-FR" sz="1600" dirty="0"/>
+              <a:t> : fréquence de rotation en tours par minute (</a:t>
+            </a:r>
+            <a:r>
+              <a:rPr lang="fr-FR" sz="1600" b="1" dirty="0"/>
+              <a:t>tr/min</a:t>
+            </a:r>
+            <a:r>
+              <a:rPr lang="fr-FR" sz="1600" dirty="0"/>
+              <a:t>)</a:t>
+            </a:r>
+          </a:p>
+          <a:p>
+            <a:pPr marL="72000"/>
+            <a:r>
+              <a:rPr lang="fr-FR" sz="1600" b="1" dirty="0"/>
+              <a:t>60</a:t>
+            </a:r>
+            <a:r>
+              <a:rPr lang="fr-FR" sz="1600" dirty="0"/>
+              <a:t> : conversion des minutes en secondes</a:t>
+            </a:r>
+          </a:p>
+          <a:p>
+            <a:pPr marL="72000"/>
+            <a:endParaRPr lang="fr-FR" sz="1600" dirty="0"/>
+          </a:p>
+          <a:p>
+            <a:pPr marL="72000"/>
+            <a:r>
+              <a:rPr lang="fr-FR" sz="1600" dirty="0"/>
+              <a:t>La vitesse de coupe V correspond à la vitesse à laquelle le tranchant de l’outil se déplace à la périphérie du diamètre.</a:t>
+            </a:r>
+          </a:p>
+          <a:p>
+            <a:pPr marL="72000"/>
+            <a:endParaRPr lang="fr-FR" sz="1600" dirty="0"/>
+          </a:p>
+          <a:p>
+            <a:pPr marL="72000"/>
+            <a:r>
+              <a:rPr lang="fr-FR" sz="1600" b="1" dirty="0"/>
+              <a:t>Explication : </a:t>
+            </a:r>
+          </a:p>
+          <a:p>
+            <a:pPr marL="72000"/>
+            <a:endParaRPr lang="fr-FR" sz="1600" b="1" dirty="0"/>
+          </a:p>
+          <a:p>
+            <a:pPr marL="72000"/>
+            <a:r>
+              <a:rPr lang="fr-FR" sz="1600" b="1" dirty="0"/>
+              <a:t>Le produit π×D </a:t>
+            </a:r>
+            <a:r>
+              <a:rPr lang="fr-FR" sz="1600" dirty="0"/>
+              <a:t>donne la circonférence de l’outil, c’est-à-dire la distance parcourue par un point situé sur le bord de l’outil en un tour.</a:t>
+            </a:r>
+          </a:p>
+          <a:p>
+            <a:pPr marL="72000"/>
+            <a:r>
+              <a:rPr lang="fr-FR" sz="1600" b="1" dirty="0"/>
+              <a:t>En multipliant cette circonférence par la fréquence de rotation S</a:t>
+            </a:r>
+            <a:r>
+              <a:rPr lang="fr-FR" sz="1600" dirty="0"/>
+              <a:t>, on obtient la distance parcourue par le tranchant en une minute.</a:t>
+            </a:r>
+          </a:p>
+          <a:p>
+            <a:pPr marL="72000"/>
+            <a:r>
+              <a:rPr lang="fr-FR" sz="1600" b="1" dirty="0"/>
+              <a:t>Enfin, la division par 60</a:t>
+            </a:r>
+            <a:r>
+              <a:rPr lang="fr-FR" sz="1600" dirty="0"/>
+              <a:t> permet d’obtenir cette valeur en mètres par seconde (</a:t>
+            </a:r>
+            <a:r>
+              <a:rPr lang="fr-FR" sz="1600" b="1" dirty="0"/>
+              <a:t>m/s</a:t>
+            </a:r>
+            <a:r>
+              <a:rPr lang="fr-FR" sz="1600" dirty="0"/>
+              <a:t>), qui est l’unité standard pour la vitesse de coupe.</a:t>
+            </a:r>
+          </a:p>
+          <a:p>
+            <a:pPr marL="72000"/>
+            <a:endParaRPr lang="fr-FR" sz="1600" dirty="0"/>
+          </a:p>
+          <a:p>
+            <a:pPr marL="72000"/>
+            <a:endParaRPr lang="fr-FR" sz="1600" dirty="0">
+              <a:cs typeface="Arial" panose="020B0604020202020204" pitchFamily="34" charset="0"/>
+            </a:endParaRPr>
+          </a:p>
+          <a:p>
+            <a:pPr marL="72000"/>
+            <a:endParaRPr lang="fr-FR" sz="1600" dirty="0">
+              <a:cs typeface="Arial" panose="020B0604020202020204" pitchFamily="34" charset="0"/>
+            </a:endParaRPr>
+          </a:p>
+          <a:p>
+            <a:pPr marL="72000"/>
+            <a:endParaRPr lang="fr-FR" sz="1600" dirty="0">
+              <a:cs typeface="Arial" panose="020B0604020202020204" pitchFamily="34" charset="0"/>
+            </a:endParaRPr>
+          </a:p>
+        </p:txBody>
+      </p:sp>
+      <p:sp>
+        <p:nvSpPr>
+          <p:cNvPr id="19" name="Rectangle 18"/>
+          <p:cNvSpPr/>
+          <p:nvPr/>
+        </p:nvSpPr>
+        <p:spPr>
+          <a:xfrm>
+            <a:off x="11213630" y="1390649"/>
+            <a:ext cx="3726044" cy="9229231"/>
+          </a:xfrm>
+          <a:prstGeom prst="rect">
+            <a:avLst/>
+          </a:prstGeom>
+          <a:ln w="57150"/>
+        </p:spPr>
+        <p:style>
+          <a:lnRef idx="2">
+            <a:schemeClr val="dk1"/>
+          </a:lnRef>
+          <a:fillRef idx="1">
+            <a:schemeClr val="lt1"/>
+          </a:fillRef>
+          <a:effectRef idx="0">
+            <a:schemeClr val="dk1"/>
+          </a:effectRef>
+          <a:fontRef idx="minor">
+            <a:schemeClr val="dk1"/>
+          </a:fontRef>
+        </p:style>
+        <p:txBody>
+          <a:bodyPr rtlCol="0" anchor="b"/>
+          <a:lstStyle/>
+          <a:p>
+            <a:endParaRPr lang="fr-FR" sz="1400" dirty="0"/>
+          </a:p>
+        </p:txBody>
+      </p:sp>
+      <p:sp>
+        <p:nvSpPr>
+          <p:cNvPr id="24" name="Rectangle 23"/>
+          <p:cNvSpPr/>
+          <p:nvPr/>
+        </p:nvSpPr>
+        <p:spPr>
+          <a:xfrm>
+            <a:off x="11213630" y="179881"/>
+            <a:ext cx="3726045" cy="1067028"/>
+          </a:xfrm>
+          <a:prstGeom prst="rect">
+            <a:avLst/>
+          </a:prstGeom>
+          <a:ln w="57150"/>
+        </p:spPr>
+        <p:style>
+          <a:lnRef idx="2">
+            <a:schemeClr val="dk1"/>
+          </a:lnRef>
+          <a:fillRef idx="1">
+            <a:schemeClr val="lt1"/>
+          </a:fillRef>
+          <a:effectRef idx="0">
+            <a:schemeClr val="dk1"/>
+          </a:effectRef>
+          <a:fontRef idx="minor">
+            <a:schemeClr val="dk1"/>
+          </a:fontRef>
+        </p:style>
+        <p:txBody>
+          <a:bodyPr rtlCol="0" anchor="ctr"/>
+          <a:lstStyle/>
+          <a:p>
+            <a:pPr algn="ctr"/>
+            <a:r>
+              <a:rPr lang="fr-FR" b="1" spc="300" dirty="0">
+                <a:latin typeface="Comic Sans MS" panose="030F0702030302020204" pitchFamily="66" charset="0"/>
+                <a:ea typeface="JetBrains Mono" panose="02000009000000000000" pitchFamily="49" charset="0"/>
+                <a:cs typeface="JetBrains Mono" panose="02000009000000000000" pitchFamily="49" charset="0"/>
+              </a:rPr>
+              <a:t>M. Du Chevreuil</a:t>
+            </a:r>
+          </a:p>
+          <a:p>
+            <a:pPr algn="ctr"/>
+            <a:r>
+              <a:rPr lang="fr-FR" sz="1600" spc="300" dirty="0">
+                <a:latin typeface="Comic Sans MS" panose="030F0702030302020204" pitchFamily="66" charset="0"/>
+                <a:ea typeface="JetBrains Mono" panose="02000009000000000000" pitchFamily="49" charset="0"/>
+                <a:cs typeface="JetBrains Mono" panose="02000009000000000000" pitchFamily="49" charset="0"/>
+              </a:rPr>
+              <a:t>Professeur en génie </a:t>
+            </a:r>
+          </a:p>
+          <a:p>
+            <a:pPr algn="ctr"/>
+            <a:r>
+              <a:rPr lang="fr-FR" sz="1600" spc="300" dirty="0">
+                <a:latin typeface="Comic Sans MS" panose="030F0702030302020204" pitchFamily="66" charset="0"/>
+                <a:ea typeface="JetBrains Mono" panose="02000009000000000000" pitchFamily="49" charset="0"/>
+                <a:cs typeface="JetBrains Mono" panose="02000009000000000000" pitchFamily="49" charset="0"/>
+              </a:rPr>
+              <a:t>industriel bois</a:t>
+            </a:r>
+          </a:p>
+        </p:txBody>
+      </p:sp>
+      <p:sp>
+        <p:nvSpPr>
+          <p:cNvPr id="25" name="Rectangle 24"/>
+          <p:cNvSpPr/>
+          <p:nvPr/>
+        </p:nvSpPr>
+        <p:spPr>
+          <a:xfrm>
+            <a:off x="142517" y="179881"/>
+            <a:ext cx="3763201" cy="1067028"/>
+          </a:xfrm>
+          <a:prstGeom prst="rect">
+            <a:avLst/>
+          </a:prstGeom>
+          <a:ln w="57150"/>
+        </p:spPr>
+        <p:style>
+          <a:lnRef idx="2">
+            <a:schemeClr val="dk1"/>
+          </a:lnRef>
+          <a:fillRef idx="1">
+            <a:schemeClr val="lt1"/>
+          </a:fillRef>
+          <a:effectRef idx="0">
+            <a:schemeClr val="dk1"/>
+          </a:effectRef>
+          <a:fontRef idx="minor">
+            <a:schemeClr val="dk1"/>
+          </a:fontRef>
+        </p:style>
+        <p:txBody>
+          <a:bodyPr rtlCol="0" anchor="ctr"/>
+          <a:lstStyle/>
+          <a:p>
+            <a:pPr algn="ctr"/>
+            <a:r>
+              <a:rPr lang="fr-FR" b="1" dirty="0">
+                <a:latin typeface="Comic Sans MS" panose="030F0702030302020204" pitchFamily="66" charset="0"/>
+                <a:ea typeface="JetBrains Mono" panose="02000009000000000000" pitchFamily="49" charset="0"/>
+                <a:cs typeface="JetBrains Mono" panose="02000009000000000000" pitchFamily="49" charset="0"/>
+              </a:rPr>
+              <a:t>Sujet : La vitesse de coupe</a:t>
+            </a:r>
+          </a:p>
+        </p:txBody>
+      </p:sp>
+      <p:pic>
+        <p:nvPicPr>
+          <p:cNvPr id="2" name="Picture 1">
+            <a:extLst>
+              <a:ext uri="{FF2B5EF4-FFF2-40B4-BE49-F238E27FC236}">
+                <a16:creationId xmlns:a16="http://schemas.microsoft.com/office/drawing/2014/main" id="{EFC5D97B-D204-4C78-B6EA-507468CFBBC6}"/>
+              </a:ext>
+            </a:extLst>
+          </p:cNvPr>
+          <p:cNvPicPr>
+            <a:picLocks noChangeAspect="1"/>
+          </p:cNvPicPr>
+          <p:nvPr/>
+        </p:nvPicPr>
+        <p:blipFill>
+          <a:blip r:embed="rId2"/>
+          <a:stretch>
+            <a:fillRect/>
+          </a:stretch>
+        </p:blipFill>
+        <p:spPr>
+          <a:xfrm>
+            <a:off x="729648" y="1938010"/>
+            <a:ext cx="2585866" cy="1279323"/>
+          </a:xfrm>
+          <a:prstGeom prst="rect">
+            <a:avLst/>
+          </a:prstGeom>
+        </p:spPr>
+      </p:pic>
+    </p:spTree>
+    <p:extLst>
+      <p:ext uri="{BB962C8B-B14F-4D97-AF65-F5344CB8AC3E}">
+        <p14:creationId xmlns:p14="http://schemas.microsoft.com/office/powerpoint/2010/main" val="258839940"/>
+      </p:ext>
+    </p:extLst>
+  </p:cSld>
+  <p:clrMapOvr>
+    <a:masterClrMapping/>
+  </p:clrMapOvr>
+</p:sld>
+</file>
+
+<file path=ppt/slides/slide4.xml><?xml version="1.0" encoding="utf-8"?>
+<p:sld xmlns:a="http://schemas.openxmlformats.org/drawingml/2006/main" xmlns:r="http://schemas.openxmlformats.org/officeDocument/2006/relationships" xmlns:p="http://schemas.openxmlformats.org/presentationml/2006/main">
+  <p:cSld>
+    <p:spTree>
+      <p:nvGrpSpPr>
+        <p:cNvPr id="1" name=""/>
+        <p:cNvGrpSpPr/>
+        <p:nvPr/>
+      </p:nvGrpSpPr>
+      <p:grpSpPr>
+        <a:xfrm>
+          <a:off x="0" y="0"/>
+          <a:ext cx="0" cy="0"/>
+          <a:chOff x="0" y="0"/>
+          <a:chExt cx="0" cy="0"/>
+        </a:xfrm>
+      </p:grpSpPr>
+      <p:sp>
+        <p:nvSpPr>
+          <p:cNvPr id="17" name="Rectangle 16"/>
+          <p:cNvSpPr/>
+          <p:nvPr/>
+        </p:nvSpPr>
+        <p:spPr>
+          <a:xfrm>
+            <a:off x="4039557" y="179880"/>
+            <a:ext cx="7040235" cy="10440000"/>
+          </a:xfrm>
+          <a:prstGeom prst="rect">
+            <a:avLst/>
+          </a:prstGeom>
+          <a:ln w="57150"/>
+        </p:spPr>
+        <p:style>
+          <a:lnRef idx="2">
+            <a:schemeClr val="dk1"/>
+          </a:lnRef>
+          <a:fillRef idx="1">
+            <a:schemeClr val="lt1"/>
+          </a:fillRef>
+          <a:effectRef idx="0">
+            <a:schemeClr val="dk1"/>
+          </a:effectRef>
+          <a:fontRef idx="minor">
+            <a:schemeClr val="dk1"/>
+          </a:fontRef>
+        </p:style>
+        <p:txBody>
+          <a:bodyPr rtlCol="0" anchor="ctr"/>
+          <a:lstStyle/>
+          <a:p>
+            <a:pPr marL="72000"/>
+            <a:endParaRPr lang="fr-FR" dirty="0"/>
+          </a:p>
+          <a:p>
+            <a:pPr marL="72000"/>
+            <a:endParaRPr lang="fr-FR" dirty="0"/>
+          </a:p>
+        </p:txBody>
+      </p:sp>
+      <p:sp>
+        <p:nvSpPr>
+          <p:cNvPr id="18" name="Rectangle 17"/>
+          <p:cNvSpPr/>
+          <p:nvPr/>
+        </p:nvSpPr>
+        <p:spPr>
+          <a:xfrm>
+            <a:off x="142517" y="1390649"/>
+            <a:ext cx="3763202" cy="9229231"/>
+          </a:xfrm>
+          <a:prstGeom prst="rect">
+            <a:avLst/>
+          </a:prstGeom>
+          <a:ln w="57150"/>
+        </p:spPr>
+        <p:style>
+          <a:lnRef idx="2">
+            <a:schemeClr val="dk1"/>
+          </a:lnRef>
+          <a:fillRef idx="1">
+            <a:schemeClr val="lt1"/>
+          </a:fillRef>
+          <a:effectRef idx="0">
+            <a:schemeClr val="dk1"/>
+          </a:effectRef>
+          <a:fontRef idx="minor">
+            <a:schemeClr val="dk1"/>
+          </a:fontRef>
+        </p:style>
+        <p:txBody>
+          <a:bodyPr rtlCol="0" anchor="t"/>
+          <a:lstStyle/>
+          <a:p>
+            <a:pPr marL="72000"/>
+            <a:endParaRPr lang="fr-FR" sz="1600" dirty="0">
+              <a:cs typeface="Arial" panose="020B0604020202020204" pitchFamily="34" charset="0"/>
+            </a:endParaRPr>
+          </a:p>
+          <a:p>
+            <a:pPr marL="72000"/>
+            <a:r>
+              <a:rPr lang="fr-FR" sz="1600" b="1" dirty="0">
+                <a:cs typeface="Arial" panose="020B0604020202020204" pitchFamily="34" charset="0"/>
+              </a:rPr>
+              <a:t>La formule :</a:t>
+            </a:r>
+          </a:p>
+          <a:p>
+            <a:pPr marL="72000"/>
+            <a:endParaRPr lang="fr-FR" sz="1600" dirty="0">
+              <a:cs typeface="Arial" panose="020B0604020202020204" pitchFamily="34" charset="0"/>
+            </a:endParaRPr>
+          </a:p>
+          <a:p>
+            <a:pPr marL="72000"/>
+            <a:endParaRPr lang="fr-FR" sz="1600" dirty="0">
+              <a:cs typeface="Arial" panose="020B0604020202020204" pitchFamily="34" charset="0"/>
+            </a:endParaRPr>
+          </a:p>
+          <a:p>
+            <a:pPr marL="72000"/>
+            <a:endParaRPr lang="fr-FR" sz="1600" dirty="0">
+              <a:cs typeface="Arial" panose="020B0604020202020204" pitchFamily="34" charset="0"/>
+            </a:endParaRPr>
+          </a:p>
+          <a:p>
+            <a:pPr marL="72000"/>
+            <a:endParaRPr lang="fr-FR" sz="1600" dirty="0">
+              <a:cs typeface="Arial" panose="020B0604020202020204" pitchFamily="34" charset="0"/>
+            </a:endParaRPr>
+          </a:p>
+          <a:p>
+            <a:pPr marL="72000"/>
+            <a:endParaRPr lang="fr-FR" sz="1600" dirty="0">
+              <a:cs typeface="Arial" panose="020B0604020202020204" pitchFamily="34" charset="0"/>
+            </a:endParaRPr>
+          </a:p>
+          <a:p>
+            <a:pPr marL="72000"/>
+            <a:r>
+              <a:rPr lang="fr-FR" sz="1600" b="1" dirty="0"/>
+              <a:t>V</a:t>
+            </a:r>
+            <a:r>
+              <a:rPr lang="fr-FR" sz="1600" dirty="0"/>
+              <a:t> : vitesse de coupe (ou vitesse linéaire) en mètres par seconde (</a:t>
+            </a:r>
+            <a:r>
+              <a:rPr lang="fr-FR" sz="1600" b="1" dirty="0"/>
+              <a:t>m/s</a:t>
+            </a:r>
+            <a:r>
+              <a:rPr lang="fr-FR" sz="1600" dirty="0"/>
+              <a:t>)</a:t>
+            </a:r>
+          </a:p>
+          <a:p>
+            <a:pPr marL="72000"/>
+            <a:r>
+              <a:rPr lang="fr-FR" sz="1600" b="1" dirty="0"/>
+              <a:t>π</a:t>
+            </a:r>
+            <a:r>
+              <a:rPr lang="fr-FR" sz="1600" dirty="0"/>
+              <a:t> : constante mathématique (</a:t>
+            </a:r>
+            <a:r>
+              <a:rPr lang="fr-FR" sz="1600" b="1" dirty="0"/>
+              <a:t>3,14</a:t>
+            </a:r>
+            <a:r>
+              <a:rPr lang="fr-FR" sz="1600" dirty="0"/>
+              <a:t>)</a:t>
+            </a:r>
+          </a:p>
+          <a:p>
+            <a:pPr marL="72000"/>
+            <a:r>
+              <a:rPr lang="fr-FR" sz="1600" b="1" dirty="0"/>
+              <a:t>D</a:t>
+            </a:r>
+            <a:r>
+              <a:rPr lang="fr-FR" sz="1600" dirty="0"/>
+              <a:t> : diamètre de l’outil en mètres (</a:t>
+            </a:r>
+            <a:r>
+              <a:rPr lang="fr-FR" sz="1600" b="1" dirty="0"/>
+              <a:t>m</a:t>
+            </a:r>
+            <a:r>
+              <a:rPr lang="fr-FR" sz="1600" dirty="0"/>
+              <a:t>)</a:t>
+            </a:r>
+          </a:p>
+          <a:p>
+            <a:pPr marL="72000"/>
+            <a:r>
+              <a:rPr lang="fr-FR" sz="1600" b="1" dirty="0"/>
+              <a:t>S</a:t>
+            </a:r>
+            <a:r>
+              <a:rPr lang="fr-FR" sz="1600" dirty="0"/>
+              <a:t> : fréquence de rotation en tours par minute (</a:t>
+            </a:r>
+            <a:r>
+              <a:rPr lang="fr-FR" sz="1600" b="1" dirty="0"/>
+              <a:t>tr/min</a:t>
+            </a:r>
+            <a:r>
+              <a:rPr lang="fr-FR" sz="1600" dirty="0"/>
+              <a:t>)</a:t>
+            </a:r>
+          </a:p>
+          <a:p>
+            <a:pPr marL="72000"/>
+            <a:r>
+              <a:rPr lang="fr-FR" sz="1600" b="1" dirty="0"/>
+              <a:t>60</a:t>
+            </a:r>
+            <a:r>
+              <a:rPr lang="fr-FR" sz="1600" dirty="0"/>
+              <a:t> : conversion des minutes en secondes</a:t>
+            </a:r>
+          </a:p>
+          <a:p>
+            <a:pPr marL="72000"/>
+            <a:endParaRPr lang="fr-FR" sz="1600" dirty="0"/>
+          </a:p>
+          <a:p>
+            <a:pPr marL="72000"/>
+            <a:r>
+              <a:rPr lang="fr-FR" sz="1600" dirty="0"/>
+              <a:t>La vitesse de coupe V correspond à la vitesse à laquelle le tranchant de l’outil se déplace à la périphérie du diamètre.</a:t>
+            </a:r>
+          </a:p>
+          <a:p>
+            <a:pPr marL="72000"/>
+            <a:endParaRPr lang="fr-FR" sz="1600" dirty="0"/>
+          </a:p>
+          <a:p>
+            <a:pPr marL="72000"/>
+            <a:r>
+              <a:rPr lang="fr-FR" sz="1600" b="1" dirty="0"/>
+              <a:t>Explication : </a:t>
+            </a:r>
+          </a:p>
+          <a:p>
+            <a:pPr marL="72000"/>
+            <a:endParaRPr lang="fr-FR" sz="1600" b="1" dirty="0"/>
+          </a:p>
+          <a:p>
+            <a:pPr marL="72000"/>
+            <a:r>
+              <a:rPr lang="fr-FR" sz="1600" b="1" dirty="0"/>
+              <a:t>Le produit π×D </a:t>
+            </a:r>
+            <a:r>
+              <a:rPr lang="fr-FR" sz="1600" dirty="0"/>
+              <a:t>donne la circonférence de l’outil, c’est-à-dire la distance parcourue par un point situé sur le bord de l’outil en un tour.</a:t>
+            </a:r>
+          </a:p>
+          <a:p>
+            <a:pPr marL="72000"/>
+            <a:r>
+              <a:rPr lang="fr-FR" sz="1600" b="1" dirty="0"/>
+              <a:t>En multipliant cette circonférence par la fréquence de rotation S</a:t>
+            </a:r>
+            <a:r>
+              <a:rPr lang="fr-FR" sz="1600" dirty="0"/>
+              <a:t>, on obtient la distance parcourue par le tranchant en une minute.</a:t>
+            </a:r>
+          </a:p>
+          <a:p>
+            <a:pPr marL="72000"/>
+            <a:r>
+              <a:rPr lang="fr-FR" sz="1600" b="1" dirty="0"/>
+              <a:t>Enfin, la division par 60</a:t>
+            </a:r>
+            <a:r>
+              <a:rPr lang="fr-FR" sz="1600" dirty="0"/>
+              <a:t> permet d’obtenir cette valeur en mètres par seconde (</a:t>
+            </a:r>
+            <a:r>
+              <a:rPr lang="fr-FR" sz="1600" b="1" dirty="0"/>
+              <a:t>m/s</a:t>
+            </a:r>
+            <a:r>
+              <a:rPr lang="fr-FR" sz="1600" dirty="0"/>
+              <a:t>), qui est l’unité standard pour la vitesse de coupe.</a:t>
+            </a:r>
+          </a:p>
+          <a:p>
+            <a:pPr marL="72000"/>
+            <a:endParaRPr lang="fr-FR" sz="1600" dirty="0"/>
+          </a:p>
+          <a:p>
+            <a:pPr marL="72000"/>
+            <a:endParaRPr lang="fr-FR" sz="1600" dirty="0">
+              <a:cs typeface="Arial" panose="020B0604020202020204" pitchFamily="34" charset="0"/>
+            </a:endParaRPr>
+          </a:p>
+          <a:p>
+            <a:pPr marL="72000"/>
+            <a:endParaRPr lang="fr-FR" sz="1600" dirty="0">
+              <a:cs typeface="Arial" panose="020B0604020202020204" pitchFamily="34" charset="0"/>
+            </a:endParaRPr>
+          </a:p>
+          <a:p>
+            <a:pPr marL="72000"/>
+            <a:endParaRPr lang="fr-FR" sz="1600" dirty="0">
+              <a:cs typeface="Arial" panose="020B0604020202020204" pitchFamily="34" charset="0"/>
+            </a:endParaRPr>
+          </a:p>
+        </p:txBody>
+      </p:sp>
+      <p:sp>
+        <p:nvSpPr>
+          <p:cNvPr id="19" name="Rectangle 18"/>
+          <p:cNvSpPr/>
+          <p:nvPr/>
+        </p:nvSpPr>
+        <p:spPr>
+          <a:xfrm>
+            <a:off x="11213630" y="1390649"/>
+            <a:ext cx="3726044" cy="9229231"/>
+          </a:xfrm>
+          <a:prstGeom prst="rect">
+            <a:avLst/>
+          </a:prstGeom>
+          <a:ln w="57150"/>
+        </p:spPr>
+        <p:style>
+          <a:lnRef idx="2">
+            <a:schemeClr val="dk1"/>
+          </a:lnRef>
+          <a:fillRef idx="1">
+            <a:schemeClr val="lt1"/>
+          </a:fillRef>
+          <a:effectRef idx="0">
+            <a:schemeClr val="dk1"/>
+          </a:effectRef>
+          <a:fontRef idx="minor">
+            <a:schemeClr val="dk1"/>
+          </a:fontRef>
+        </p:style>
+        <p:txBody>
+          <a:bodyPr rtlCol="0" anchor="b"/>
+          <a:lstStyle/>
+          <a:p>
+            <a:endParaRPr lang="fr-FR" sz="1400" dirty="0"/>
+          </a:p>
+        </p:txBody>
+      </p:sp>
+      <p:sp>
+        <p:nvSpPr>
+          <p:cNvPr id="24" name="Rectangle 23"/>
+          <p:cNvSpPr/>
+          <p:nvPr/>
+        </p:nvSpPr>
+        <p:spPr>
+          <a:xfrm>
+            <a:off x="11213630" y="179881"/>
+            <a:ext cx="3726045" cy="1067028"/>
+          </a:xfrm>
+          <a:prstGeom prst="rect">
+            <a:avLst/>
+          </a:prstGeom>
+          <a:ln w="57150"/>
+        </p:spPr>
+        <p:style>
+          <a:lnRef idx="2">
+            <a:schemeClr val="dk1"/>
+          </a:lnRef>
+          <a:fillRef idx="1">
+            <a:schemeClr val="lt1"/>
+          </a:fillRef>
+          <a:effectRef idx="0">
+            <a:schemeClr val="dk1"/>
+          </a:effectRef>
+          <a:fontRef idx="minor">
+            <a:schemeClr val="dk1"/>
+          </a:fontRef>
+        </p:style>
+        <p:txBody>
+          <a:bodyPr rtlCol="0" anchor="ctr"/>
+          <a:lstStyle/>
+          <a:p>
+            <a:pPr algn="ctr"/>
+            <a:r>
+              <a:rPr lang="fr-FR" b="1" spc="300" dirty="0">
+                <a:latin typeface="Comic Sans MS" panose="030F0702030302020204" pitchFamily="66" charset="0"/>
+                <a:ea typeface="JetBrains Mono" panose="02000009000000000000" pitchFamily="49" charset="0"/>
+                <a:cs typeface="JetBrains Mono" panose="02000009000000000000" pitchFamily="49" charset="0"/>
+              </a:rPr>
+              <a:t>M. Du Chevreuil</a:t>
+            </a:r>
+          </a:p>
+          <a:p>
+            <a:pPr algn="ctr"/>
+            <a:r>
+              <a:rPr lang="fr-FR" sz="1600" spc="300" dirty="0">
+                <a:latin typeface="Comic Sans MS" panose="030F0702030302020204" pitchFamily="66" charset="0"/>
+                <a:ea typeface="JetBrains Mono" panose="02000009000000000000" pitchFamily="49" charset="0"/>
+                <a:cs typeface="JetBrains Mono" panose="02000009000000000000" pitchFamily="49" charset="0"/>
+              </a:rPr>
+              <a:t>Professeur en génie </a:t>
+            </a:r>
+          </a:p>
+          <a:p>
+            <a:pPr algn="ctr"/>
+            <a:r>
+              <a:rPr lang="fr-FR" sz="1600" spc="300" dirty="0">
+                <a:latin typeface="Comic Sans MS" panose="030F0702030302020204" pitchFamily="66" charset="0"/>
+                <a:ea typeface="JetBrains Mono" panose="02000009000000000000" pitchFamily="49" charset="0"/>
+                <a:cs typeface="JetBrains Mono" panose="02000009000000000000" pitchFamily="49" charset="0"/>
+              </a:rPr>
+              <a:t>industriel bois</a:t>
+            </a:r>
+          </a:p>
+        </p:txBody>
+      </p:sp>
+      <p:sp>
+        <p:nvSpPr>
+          <p:cNvPr id="25" name="Rectangle 24"/>
+          <p:cNvSpPr/>
+          <p:nvPr/>
+        </p:nvSpPr>
+        <p:spPr>
+          <a:xfrm>
+            <a:off x="142517" y="179881"/>
+            <a:ext cx="3763201" cy="1067028"/>
+          </a:xfrm>
+          <a:prstGeom prst="rect">
+            <a:avLst/>
+          </a:prstGeom>
+          <a:ln w="57150"/>
+        </p:spPr>
+        <p:style>
+          <a:lnRef idx="2">
+            <a:schemeClr val="dk1"/>
+          </a:lnRef>
+          <a:fillRef idx="1">
+            <a:schemeClr val="lt1"/>
+          </a:fillRef>
+          <a:effectRef idx="0">
+            <a:schemeClr val="dk1"/>
+          </a:effectRef>
+          <a:fontRef idx="minor">
+            <a:schemeClr val="dk1"/>
+          </a:fontRef>
+        </p:style>
+        <p:txBody>
+          <a:bodyPr rtlCol="0" anchor="ctr"/>
+          <a:lstStyle/>
+          <a:p>
+            <a:pPr algn="ctr"/>
+            <a:r>
+              <a:rPr lang="fr-FR" b="1" dirty="0">
+                <a:latin typeface="Comic Sans MS" panose="030F0702030302020204" pitchFamily="66" charset="0"/>
+                <a:ea typeface="JetBrains Mono" panose="02000009000000000000" pitchFamily="49" charset="0"/>
+                <a:cs typeface="JetBrains Mono" panose="02000009000000000000" pitchFamily="49" charset="0"/>
+              </a:rPr>
+              <a:t>Correction</a:t>
+            </a:r>
+          </a:p>
+        </p:txBody>
+      </p:sp>
+      <p:pic>
+        <p:nvPicPr>
+          <p:cNvPr id="2" name="Picture 1">
+            <a:extLst>
+              <a:ext uri="{FF2B5EF4-FFF2-40B4-BE49-F238E27FC236}">
+                <a16:creationId xmlns:a16="http://schemas.microsoft.com/office/drawing/2014/main" id="{EFC5D97B-D204-4C78-B6EA-507468CFBBC6}"/>
+              </a:ext>
+            </a:extLst>
+          </p:cNvPr>
+          <p:cNvPicPr>
+            <a:picLocks noChangeAspect="1"/>
+          </p:cNvPicPr>
+          <p:nvPr/>
+        </p:nvPicPr>
+        <p:blipFill>
+          <a:blip r:embed="rId2"/>
+          <a:stretch>
+            <a:fillRect/>
+          </a:stretch>
+        </p:blipFill>
+        <p:spPr>
+          <a:xfrm>
+            <a:off x="729648" y="1938010"/>
+            <a:ext cx="2585866" cy="1279323"/>
+          </a:xfrm>
+          <a:prstGeom prst="rect">
+            <a:avLst/>
+          </a:prstGeom>
+        </p:spPr>
+      </p:pic>
+      <p:pic>
+        <p:nvPicPr>
+          <p:cNvPr id="3" name="Picture 2">
+            <a:extLst>
+              <a:ext uri="{FF2B5EF4-FFF2-40B4-BE49-F238E27FC236}">
+                <a16:creationId xmlns:a16="http://schemas.microsoft.com/office/drawing/2014/main" id="{238B08E4-D7A0-4152-BBCA-C475E1A0AFBD}"/>
+              </a:ext>
+            </a:extLst>
+          </p:cNvPr>
+          <p:cNvPicPr>
+            <a:picLocks noChangeAspect="1"/>
+          </p:cNvPicPr>
+          <p:nvPr/>
+        </p:nvPicPr>
+        <p:blipFill>
+          <a:blip r:embed="rId3"/>
+          <a:stretch>
+            <a:fillRect/>
+          </a:stretch>
+        </p:blipFill>
+        <p:spPr>
+          <a:xfrm>
+            <a:off x="4296938" y="731222"/>
+            <a:ext cx="6525471" cy="3692897"/>
+          </a:xfrm>
+          <a:prstGeom prst="rect">
+            <a:avLst/>
+          </a:prstGeom>
+        </p:spPr>
+      </p:pic>
+    </p:spTree>
+    <p:extLst>
+      <p:ext uri="{BB962C8B-B14F-4D97-AF65-F5344CB8AC3E}">
+        <p14:creationId xmlns:p14="http://schemas.microsoft.com/office/powerpoint/2010/main" val="2358302310"/>
       </p:ext>
     </p:extLst>
   </p:cSld>

--- a/Dossier Co-FR/La boite à épice - interrogation.pptx
+++ b/Dossier Co-FR/La boite à épice - interrogation.pptx
@@ -206,7 +206,7 @@
           <a:p>
             <a:fld id="{175ECC00-C06A-4323-852F-768318D8586A}" type="datetimeFigureOut">
               <a:rPr lang="fr-FR" smtClean="0"/>
-              <a:t>24/03/2025</a:t>
+              <a:t>26/03/2025</a:t>
             </a:fld>
             <a:endParaRPr lang="fr-FR"/>
           </a:p>
@@ -371,7 +371,7 @@
           <a:p>
             <a:fld id="{AE8DAB01-C85E-4F33-91A5-B6D112914A5D}" type="datetimeFigureOut">
               <a:rPr lang="fr-FR" smtClean="0"/>
-              <a:t>24/03/2025</a:t>
+              <a:t>26/03/2025</a:t>
             </a:fld>
             <a:endParaRPr lang="fr-FR"/>
           </a:p>
@@ -770,7 +770,7 @@
           <a:p>
             <a:fld id="{A69F3118-5675-4AEB-B17B-1E109ACFC119}" type="datetimeFigureOut">
               <a:rPr lang="fr-FR" smtClean="0"/>
-              <a:t>24/03/2025</a:t>
+              <a:t>26/03/2025</a:t>
             </a:fld>
             <a:endParaRPr lang="fr-FR"/>
           </a:p>
@@ -940,7 +940,7 @@
           <a:p>
             <a:fld id="{A69F3118-5675-4AEB-B17B-1E109ACFC119}" type="datetimeFigureOut">
               <a:rPr lang="fr-FR" smtClean="0"/>
-              <a:t>24/03/2025</a:t>
+              <a:t>26/03/2025</a:t>
             </a:fld>
             <a:endParaRPr lang="fr-FR"/>
           </a:p>
@@ -1120,7 +1120,7 @@
           <a:p>
             <a:fld id="{A69F3118-5675-4AEB-B17B-1E109ACFC119}" type="datetimeFigureOut">
               <a:rPr lang="fr-FR" smtClean="0"/>
-              <a:t>24/03/2025</a:t>
+              <a:t>26/03/2025</a:t>
             </a:fld>
             <a:endParaRPr lang="fr-FR"/>
           </a:p>
@@ -1290,7 +1290,7 @@
           <a:p>
             <a:fld id="{A69F3118-5675-4AEB-B17B-1E109ACFC119}" type="datetimeFigureOut">
               <a:rPr lang="fr-FR" smtClean="0"/>
-              <a:t>24/03/2025</a:t>
+              <a:t>26/03/2025</a:t>
             </a:fld>
             <a:endParaRPr lang="fr-FR"/>
           </a:p>
@@ -1534,7 +1534,7 @@
           <a:p>
             <a:fld id="{A69F3118-5675-4AEB-B17B-1E109ACFC119}" type="datetimeFigureOut">
               <a:rPr lang="fr-FR" smtClean="0"/>
-              <a:t>24/03/2025</a:t>
+              <a:t>26/03/2025</a:t>
             </a:fld>
             <a:endParaRPr lang="fr-FR"/>
           </a:p>
@@ -1766,7 +1766,7 @@
           <a:p>
             <a:fld id="{A69F3118-5675-4AEB-B17B-1E109ACFC119}" type="datetimeFigureOut">
               <a:rPr lang="fr-FR" smtClean="0"/>
-              <a:t>24/03/2025</a:t>
+              <a:t>26/03/2025</a:t>
             </a:fld>
             <a:endParaRPr lang="fr-FR"/>
           </a:p>
@@ -2133,7 +2133,7 @@
           <a:p>
             <a:fld id="{A69F3118-5675-4AEB-B17B-1E109ACFC119}" type="datetimeFigureOut">
               <a:rPr lang="fr-FR" smtClean="0"/>
-              <a:t>24/03/2025</a:t>
+              <a:t>26/03/2025</a:t>
             </a:fld>
             <a:endParaRPr lang="fr-FR"/>
           </a:p>
@@ -2251,7 +2251,7 @@
           <a:p>
             <a:fld id="{A69F3118-5675-4AEB-B17B-1E109ACFC119}" type="datetimeFigureOut">
               <a:rPr lang="fr-FR" smtClean="0"/>
-              <a:t>24/03/2025</a:t>
+              <a:t>26/03/2025</a:t>
             </a:fld>
             <a:endParaRPr lang="fr-FR"/>
           </a:p>
@@ -2346,7 +2346,7 @@
           <a:p>
             <a:fld id="{A69F3118-5675-4AEB-B17B-1E109ACFC119}" type="datetimeFigureOut">
               <a:rPr lang="fr-FR" smtClean="0"/>
-              <a:t>24/03/2025</a:t>
+              <a:t>26/03/2025</a:t>
             </a:fld>
             <a:endParaRPr lang="fr-FR"/>
           </a:p>
@@ -2623,7 +2623,7 @@
           <a:p>
             <a:fld id="{A69F3118-5675-4AEB-B17B-1E109ACFC119}" type="datetimeFigureOut">
               <a:rPr lang="fr-FR" smtClean="0"/>
-              <a:t>24/03/2025</a:t>
+              <a:t>26/03/2025</a:t>
             </a:fld>
             <a:endParaRPr lang="fr-FR"/>
           </a:p>
@@ -2880,7 +2880,7 @@
           <a:p>
             <a:fld id="{A69F3118-5675-4AEB-B17B-1E109ACFC119}" type="datetimeFigureOut">
               <a:rPr lang="fr-FR" smtClean="0"/>
-              <a:t>24/03/2025</a:t>
+              <a:t>26/03/2025</a:t>
             </a:fld>
             <a:endParaRPr lang="fr-FR"/>
           </a:p>
@@ -3093,7 +3093,7 @@
           <a:p>
             <a:fld id="{A69F3118-5675-4AEB-B17B-1E109ACFC119}" type="datetimeFigureOut">
               <a:rPr lang="fr-FR" smtClean="0"/>
-              <a:t>24/03/2025</a:t>
+              <a:t>26/03/2025</a:t>
             </a:fld>
             <a:endParaRPr lang="fr-FR"/>
           </a:p>
@@ -3584,7 +3584,7 @@
               <a:rPr lang="fr-FR" dirty="0">
                 <a:cs typeface="Arial" panose="020B0604020202020204" pitchFamily="34" charset="0"/>
               </a:rPr>
-              <a:t>Dans le texte au paragraphe 1 que représentent les cloisons ?</a:t>
+              <a:t>Quel est la différence entre une rainure et une feuillure</a:t>
             </a:r>
           </a:p>
           <a:p>
@@ -3610,7 +3610,7 @@
               <a:rPr lang="fr-FR" dirty="0">
                 <a:cs typeface="Arial" panose="020B0604020202020204" pitchFamily="34" charset="0"/>
               </a:rPr>
-              <a:t>Dans le texte au paragraphe 2 comment appelle-t-on le terme qui désigne la réalisation de deux pièces où « l’une est l’image inverse de l’autre » ?</a:t>
+              <a:t>Dans le texte au paragraphe 1 que représentent « les cloisons » ?</a:t>
             </a:r>
           </a:p>
           <a:p>
@@ -3636,7 +3636,7 @@
               <a:rPr lang="fr-FR" dirty="0">
                 <a:cs typeface="Arial" panose="020B0604020202020204" pitchFamily="34" charset="0"/>
               </a:rPr>
-              <a:t>Que signifie « assembler à blanc » ?</a:t>
+              <a:t>Dans le texte au paragraphe 2 quel est le terme  qui désigne la réalisation de deux pièces où « l’une est l’image inverse de l’autre » ?</a:t>
             </a:r>
           </a:p>
           <a:p>
@@ -3662,7 +3662,7 @@
               <a:rPr lang="fr-FR" dirty="0">
                 <a:cs typeface="Arial" panose="020B0604020202020204" pitchFamily="34" charset="0"/>
               </a:rPr>
-              <a:t>Dans le texte paragraphe 4 que signifie « à titre indicatif » ?</a:t>
+              <a:t>Que signifie « assembler à blanc » ?</a:t>
             </a:r>
           </a:p>
           <a:p>
@@ -3688,7 +3688,7 @@
               <a:rPr lang="fr-FR" dirty="0">
                 <a:cs typeface="Arial" panose="020B0604020202020204" pitchFamily="34" charset="0"/>
               </a:rPr>
-              <a:t>Dans le texte paragraphe 1 que signifie « avoir sous la main » dans la phrase : « C était ce que j’avais sous la main »</a:t>
+              <a:t>Dans le texte paragraphe 4 que signifie « à titre indicatif » ?</a:t>
             </a:r>
           </a:p>
           <a:p>
@@ -3710,9 +3710,12 @@
                 <a:spcPct val="150000"/>
               </a:lnSpc>
             </a:pPr>
-            <a:endParaRPr lang="fr-FR" dirty="0">
-              <a:cs typeface="Arial" panose="020B0604020202020204" pitchFamily="34" charset="0"/>
-            </a:endParaRPr>
+            <a:r>
+              <a:rPr lang="fr-FR" dirty="0">
+                <a:cs typeface="Arial" panose="020B0604020202020204" pitchFamily="34" charset="0"/>
+              </a:rPr>
+              <a:t>Dans le texte paragraphe 1 que signifie « avoir sous la main » dans la phrase : « C était ce que j’avais sous la main »</a:t>
+            </a:r>
           </a:p>
           <a:p>
             <a:pPr marL="72000">
@@ -3721,10 +3724,10 @@
               </a:lnSpc>
             </a:pPr>
             <a:r>
-              <a:rPr lang="fr-FR" b="1" dirty="0">
+              <a:rPr lang="fr-FR" dirty="0">
                 <a:cs typeface="Arial" panose="020B0604020202020204" pitchFamily="34" charset="0"/>
               </a:rPr>
-              <a:t>Analyse du texte</a:t>
+              <a:t>…………………………………………………………………………………………………………………..</a:t>
             </a:r>
           </a:p>
           <a:p>
@@ -3733,9 +3736,34 @@
                 <a:spcPct val="150000"/>
               </a:lnSpc>
             </a:pPr>
-            <a:endParaRPr lang="fr-FR" dirty="0">
+            <a:endParaRPr lang="fr-FR" b="1" dirty="0">
               <a:cs typeface="Arial" panose="020B0604020202020204" pitchFamily="34" charset="0"/>
             </a:endParaRPr>
+          </a:p>
+          <a:p>
+            <a:pPr marL="72000">
+              <a:lnSpc>
+                <a:spcPct val="150000"/>
+              </a:lnSpc>
+            </a:pPr>
+            <a:r>
+              <a:rPr lang="fr-FR" b="1" dirty="0">
+                <a:cs typeface="Arial" panose="020B0604020202020204" pitchFamily="34" charset="0"/>
+              </a:rPr>
+              <a:t>Analyser </a:t>
+            </a:r>
+            <a:r>
+              <a:rPr lang="fr-FR" b="1">
+                <a:cs typeface="Arial" panose="020B0604020202020204" pitchFamily="34" charset="0"/>
+              </a:rPr>
+              <a:t>les verbes </a:t>
+            </a:r>
+            <a:r>
+              <a:rPr lang="fr-FR" b="1" dirty="0">
+                <a:cs typeface="Arial" panose="020B0604020202020204" pitchFamily="34" charset="0"/>
+              </a:rPr>
+              <a:t>du texte</a:t>
+            </a:r>
           </a:p>
           <a:p>
             <a:pPr marL="357750" indent="-285750">
@@ -3751,18 +3779,6 @@
               </a:rPr>
               <a:t>Dans le texte paragraphe 3 souligner les verbes à l’impératif</a:t>
             </a:r>
-          </a:p>
-          <a:p>
-            <a:pPr marL="357750" indent="-285750">
-              <a:lnSpc>
-                <a:spcPct val="150000"/>
-              </a:lnSpc>
-              <a:buFont typeface="Arial" panose="020B0604020202020204" pitchFamily="34" charset="0"/>
-              <a:buChar char="•"/>
-            </a:pPr>
-            <a:endParaRPr lang="fr-FR" dirty="0">
-              <a:cs typeface="Arial" panose="020B0604020202020204" pitchFamily="34" charset="0"/>
-            </a:endParaRPr>
           </a:p>
           <a:p>
             <a:pPr marL="357750" indent="-285750">

--- a/Dossier Co-FR/La boite à épice - interrogation.pptx
+++ b/Dossier Co-FR/La boite à épice - interrogation.pptx
@@ -206,7 +206,7 @@
           <a:p>
             <a:fld id="{175ECC00-C06A-4323-852F-768318D8586A}" type="datetimeFigureOut">
               <a:rPr lang="fr-FR" smtClean="0"/>
-              <a:t>26/03/2025</a:t>
+              <a:t>30/03/2025</a:t>
             </a:fld>
             <a:endParaRPr lang="fr-FR"/>
           </a:p>
@@ -371,7 +371,7 @@
           <a:p>
             <a:fld id="{AE8DAB01-C85E-4F33-91A5-B6D112914A5D}" type="datetimeFigureOut">
               <a:rPr lang="fr-FR" smtClean="0"/>
-              <a:t>26/03/2025</a:t>
+              <a:t>30/03/2025</a:t>
             </a:fld>
             <a:endParaRPr lang="fr-FR"/>
           </a:p>
@@ -770,7 +770,7 @@
           <a:p>
             <a:fld id="{A69F3118-5675-4AEB-B17B-1E109ACFC119}" type="datetimeFigureOut">
               <a:rPr lang="fr-FR" smtClean="0"/>
-              <a:t>26/03/2025</a:t>
+              <a:t>30/03/2025</a:t>
             </a:fld>
             <a:endParaRPr lang="fr-FR"/>
           </a:p>
@@ -940,7 +940,7 @@
           <a:p>
             <a:fld id="{A69F3118-5675-4AEB-B17B-1E109ACFC119}" type="datetimeFigureOut">
               <a:rPr lang="fr-FR" smtClean="0"/>
-              <a:t>26/03/2025</a:t>
+              <a:t>30/03/2025</a:t>
             </a:fld>
             <a:endParaRPr lang="fr-FR"/>
           </a:p>
@@ -1120,7 +1120,7 @@
           <a:p>
             <a:fld id="{A69F3118-5675-4AEB-B17B-1E109ACFC119}" type="datetimeFigureOut">
               <a:rPr lang="fr-FR" smtClean="0"/>
-              <a:t>26/03/2025</a:t>
+              <a:t>30/03/2025</a:t>
             </a:fld>
             <a:endParaRPr lang="fr-FR"/>
           </a:p>
@@ -1290,7 +1290,7 @@
           <a:p>
             <a:fld id="{A69F3118-5675-4AEB-B17B-1E109ACFC119}" type="datetimeFigureOut">
               <a:rPr lang="fr-FR" smtClean="0"/>
-              <a:t>26/03/2025</a:t>
+              <a:t>30/03/2025</a:t>
             </a:fld>
             <a:endParaRPr lang="fr-FR"/>
           </a:p>
@@ -1534,7 +1534,7 @@
           <a:p>
             <a:fld id="{A69F3118-5675-4AEB-B17B-1E109ACFC119}" type="datetimeFigureOut">
               <a:rPr lang="fr-FR" smtClean="0"/>
-              <a:t>26/03/2025</a:t>
+              <a:t>30/03/2025</a:t>
             </a:fld>
             <a:endParaRPr lang="fr-FR"/>
           </a:p>
@@ -1766,7 +1766,7 @@
           <a:p>
             <a:fld id="{A69F3118-5675-4AEB-B17B-1E109ACFC119}" type="datetimeFigureOut">
               <a:rPr lang="fr-FR" smtClean="0"/>
-              <a:t>26/03/2025</a:t>
+              <a:t>30/03/2025</a:t>
             </a:fld>
             <a:endParaRPr lang="fr-FR"/>
           </a:p>
@@ -2133,7 +2133,7 @@
           <a:p>
             <a:fld id="{A69F3118-5675-4AEB-B17B-1E109ACFC119}" type="datetimeFigureOut">
               <a:rPr lang="fr-FR" smtClean="0"/>
-              <a:t>26/03/2025</a:t>
+              <a:t>30/03/2025</a:t>
             </a:fld>
             <a:endParaRPr lang="fr-FR"/>
           </a:p>
@@ -2251,7 +2251,7 @@
           <a:p>
             <a:fld id="{A69F3118-5675-4AEB-B17B-1E109ACFC119}" type="datetimeFigureOut">
               <a:rPr lang="fr-FR" smtClean="0"/>
-              <a:t>26/03/2025</a:t>
+              <a:t>30/03/2025</a:t>
             </a:fld>
             <a:endParaRPr lang="fr-FR"/>
           </a:p>
@@ -2346,7 +2346,7 @@
           <a:p>
             <a:fld id="{A69F3118-5675-4AEB-B17B-1E109ACFC119}" type="datetimeFigureOut">
               <a:rPr lang="fr-FR" smtClean="0"/>
-              <a:t>26/03/2025</a:t>
+              <a:t>30/03/2025</a:t>
             </a:fld>
             <a:endParaRPr lang="fr-FR"/>
           </a:p>
@@ -2623,7 +2623,7 @@
           <a:p>
             <a:fld id="{A69F3118-5675-4AEB-B17B-1E109ACFC119}" type="datetimeFigureOut">
               <a:rPr lang="fr-FR" smtClean="0"/>
-              <a:t>26/03/2025</a:t>
+              <a:t>30/03/2025</a:t>
             </a:fld>
             <a:endParaRPr lang="fr-FR"/>
           </a:p>
@@ -2880,7 +2880,7 @@
           <a:p>
             <a:fld id="{A69F3118-5675-4AEB-B17B-1E109ACFC119}" type="datetimeFigureOut">
               <a:rPr lang="fr-FR" smtClean="0"/>
-              <a:t>26/03/2025</a:t>
+              <a:t>30/03/2025</a:t>
             </a:fld>
             <a:endParaRPr lang="fr-FR"/>
           </a:p>
@@ -3093,7 +3093,7 @@
           <a:p>
             <a:fld id="{A69F3118-5675-4AEB-B17B-1E109ACFC119}" type="datetimeFigureOut">
               <a:rPr lang="fr-FR" smtClean="0"/>
-              <a:t>26/03/2025</a:t>
+              <a:t>30/03/2025</a:t>
             </a:fld>
             <a:endParaRPr lang="fr-FR"/>
           </a:p>
@@ -4809,23 +4809,8 @@
             <a:pPr marL="72000"/>
             <a:r>
               <a:rPr lang="fr-FR" dirty="0"/>
-              <a:t>La vitesse de coupe est un paramètre essentiel en menuiserie et en usinage du bois. Elle influence la qualité de finition, la sécurité et la durabilité des outils. Une vitesse bien réglée permet une coupe nette et limite l’usure prématurée des fers ou des fraises.</a:t>
-            </a:r>
-          </a:p>
-          <a:p>
-            <a:pPr marL="72000"/>
-            <a:endParaRPr lang="fr-FR" dirty="0"/>
-          </a:p>
-          <a:p>
-            <a:pPr marL="72000"/>
-            <a:r>
-              <a:rPr lang="fr-FR" dirty="0"/>
-              <a:t>Calculer la vitesse de coupe pour un outils de 0,160 m et une vitesse de coupe de 4200 tours minute</a:t>
-            </a:r>
-          </a:p>
-          <a:p>
-            <a:pPr marL="72000"/>
-            <a:endParaRPr lang="fr-FR" dirty="0"/>
+              <a:t>Calculer la vitesse de coupe pour un outils de 0,160 m (D) et une vitesse de coupe de 4200 tours minute (S)</a:t>
+            </a:r>
           </a:p>
           <a:p>
             <a:pPr marL="72000"/>
@@ -4842,7 +4827,7 @@
               <a:rPr lang="fr-FR" dirty="0">
                 <a:cs typeface="Arial" panose="020B0604020202020204" pitchFamily="34" charset="0"/>
               </a:rPr>
-              <a:t>…………………………………………………………………………………………………………………..</a:t>
+              <a:t>……………………V =…3,14 x ……… x…………………………………………………………..</a:t>
             </a:r>
           </a:p>
           <a:p>
@@ -4860,7 +4845,7 @@
               <a:rPr lang="fr-FR" dirty="0">
                 <a:cs typeface="Arial" panose="020B0604020202020204" pitchFamily="34" charset="0"/>
               </a:rPr>
-              <a:t>…………………………………………………………………………………………………………………..</a:t>
+              <a:t>…………………………………………60…………………………………………………………………..</a:t>
             </a:r>
           </a:p>
           <a:p>
@@ -4869,9 +4854,17 @@
           </a:p>
           <a:p>
             <a:pPr marL="72000"/>
+            <a:endParaRPr lang="fr-FR" dirty="0"/>
+          </a:p>
+          <a:p>
+            <a:pPr marL="72000"/>
+            <a:endParaRPr lang="fr-FR" dirty="0"/>
+          </a:p>
+          <a:p>
+            <a:pPr marL="72000"/>
             <a:r>
               <a:rPr lang="fr-FR" dirty="0"/>
-              <a:t>Calculer la vitesse de coupe pour un outils de 140 mm et une vitesse de coupe de 4500 tour minute</a:t>
+              <a:t>Calculer la vitesse de coupe pour un outils de 0,140 m et une vitesse de coupe de 4500 tour minute</a:t>
             </a:r>
           </a:p>
           <a:p>
@@ -4920,23 +4913,14 @@
           </a:p>
           <a:p>
             <a:pPr marL="72000"/>
+            <a:endParaRPr lang="fr-FR" dirty="0"/>
+          </a:p>
+          <a:p>
+            <a:pPr marL="72000"/>
             <a:r>
               <a:rPr lang="fr-FR" dirty="0"/>
-              <a:t>Calculer la vitesse de coupe pour un outils de 145 mm et une vitesse de coupe de 4500 tour minute et convertissez la en kilomètre heure (</a:t>
-            </a:r>
-            <a:r>
-              <a:rPr lang="pt-BR" dirty="0"/>
-              <a:t>1 m/s = </a:t>
-            </a:r>
-            <a:r>
-              <a:rPr lang="pt-BR" b="1" dirty="0"/>
-              <a:t>3,6 km/h)</a:t>
-            </a:r>
-            <a:endParaRPr lang="fr-FR" dirty="0"/>
-          </a:p>
-          <a:p>
-            <a:pPr marL="72000"/>
-            <a:endParaRPr lang="fr-FR" dirty="0"/>
+              <a:t>Calculer la vitesse de coupe pour un outils de 145 mm et une vitesse de coupe de 3700 tours minute</a:t>
+            </a:r>
           </a:p>
           <a:p>
             <a:pPr marL="72000"/>
@@ -4973,6 +4957,86 @@
               </a:rPr>
               <a:t>…………………………………………………………………………………………………………………..</a:t>
             </a:r>
+          </a:p>
+          <a:p>
+            <a:pPr marL="72000"/>
+            <a:endParaRPr lang="fr-FR" dirty="0">
+              <a:cs typeface="Arial" panose="020B0604020202020204" pitchFamily="34" charset="0"/>
+            </a:endParaRPr>
+          </a:p>
+          <a:p>
+            <a:pPr marL="72000"/>
+            <a:endParaRPr lang="fr-FR" dirty="0">
+              <a:cs typeface="Arial" panose="020B0604020202020204" pitchFamily="34" charset="0"/>
+            </a:endParaRPr>
+          </a:p>
+          <a:p>
+            <a:pPr marL="72000"/>
+            <a:r>
+              <a:rPr lang="fr-FR" dirty="0">
+                <a:cs typeface="Arial" panose="020B0604020202020204" pitchFamily="34" charset="0"/>
+              </a:rPr>
+              <a:t>Calculer la vitesse de coupe d’un menuisier de 42 ans avec 2 enfants. Ce menuisier doit réaliser une rainure de 8 millimètre avec un outils de rayon 100 mm avec une vitesse d’</a:t>
+            </a:r>
+            <a:r>
+              <a:rPr lang="fr-FR" dirty="0" err="1"/>
+              <a:t>amenage</a:t>
+            </a:r>
+            <a:r>
+              <a:rPr lang="fr-FR" dirty="0"/>
+              <a:t> 0,5 km/s et une vitesse de coupe de 3500 tours minute</a:t>
+            </a:r>
+            <a:endParaRPr lang="fr-FR" dirty="0">
+              <a:cs typeface="Arial" panose="020B0604020202020204" pitchFamily="34" charset="0"/>
+            </a:endParaRPr>
+          </a:p>
+          <a:p>
+            <a:pPr marL="72000"/>
+            <a:r>
+              <a:rPr lang="fr-FR" dirty="0">
+                <a:cs typeface="Arial" panose="020B0604020202020204" pitchFamily="34" charset="0"/>
+              </a:rPr>
+              <a:t>…………………………………………………………………………………………………………………..</a:t>
+            </a:r>
+          </a:p>
+          <a:p>
+            <a:pPr marL="72000"/>
+            <a:r>
+              <a:rPr lang="fr-FR" dirty="0">
+                <a:cs typeface="Arial" panose="020B0604020202020204" pitchFamily="34" charset="0"/>
+              </a:rPr>
+              <a:t>…………………………………………………………………………………………………………………..</a:t>
+            </a:r>
+          </a:p>
+          <a:p>
+            <a:pPr marL="72000"/>
+            <a:r>
+              <a:rPr lang="fr-FR" dirty="0">
+                <a:cs typeface="Arial" panose="020B0604020202020204" pitchFamily="34" charset="0"/>
+              </a:rPr>
+              <a:t>…………………………………………………………………………………………………………………..</a:t>
+            </a:r>
+          </a:p>
+          <a:p>
+            <a:pPr marL="72000"/>
+            <a:r>
+              <a:rPr lang="fr-FR" dirty="0">
+                <a:cs typeface="Arial" panose="020B0604020202020204" pitchFamily="34" charset="0"/>
+              </a:rPr>
+              <a:t>…………………………………………………………………………………………………………………..</a:t>
+            </a:r>
+          </a:p>
+          <a:p>
+            <a:pPr marL="72000"/>
+            <a:endParaRPr lang="fr-FR" dirty="0">
+              <a:cs typeface="Arial" panose="020B0604020202020204" pitchFamily="34" charset="0"/>
+            </a:endParaRPr>
+          </a:p>
+          <a:p>
+            <a:pPr marL="72000"/>
+            <a:endParaRPr lang="fr-FR" dirty="0">
+              <a:cs typeface="Arial" panose="020B0604020202020204" pitchFamily="34" charset="0"/>
+            </a:endParaRPr>
           </a:p>
           <a:p>
             <a:pPr marL="72000"/>
@@ -5244,8 +5308,8 @@
         </p:nvSpPr>
         <p:spPr>
           <a:xfrm>
-            <a:off x="11213630" y="1390649"/>
-            <a:ext cx="3726044" cy="9229231"/>
+            <a:off x="11213630" y="179881"/>
+            <a:ext cx="3726044" cy="10440000"/>
           </a:xfrm>
           <a:prstGeom prst="rect">
             <a:avLst/>
@@ -5271,74 +5335,6 @@
           <a:lstStyle/>
           <a:p>
             <a:endParaRPr lang="fr-FR" sz="1400" dirty="0"/>
-          </a:p>
-        </p:txBody>
-      </p:sp>
-      <p:sp>
-        <p:nvSpPr>
-          <p:cNvPr id="24" name="Rectangle 23"/>
-          <p:cNvSpPr/>
-          <p:nvPr/>
-        </p:nvSpPr>
-        <p:spPr>
-          <a:xfrm>
-            <a:off x="11213630" y="179881"/>
-            <a:ext cx="3726045" cy="1067028"/>
-          </a:xfrm>
-          <a:prstGeom prst="rect">
-            <a:avLst/>
-          </a:prstGeom>
-          <a:ln w="57150"/>
-        </p:spPr>
-        <p:style>
-          <a:lnRef idx="2">
-            <a:schemeClr val="dk1"/>
-          </a:lnRef>
-          <a:fillRef idx="1">
-            <a:schemeClr val="lt1"/>
-          </a:fillRef>
-          <a:effectRef idx="0">
-            <a:schemeClr val="dk1"/>
-          </a:effectRef>
-          <a:fontRef idx="minor">
-            <a:schemeClr val="dk1"/>
-          </a:fontRef>
-        </p:style>
-        <p:txBody>
-          <a:bodyPr rtlCol="0" anchor="ctr"/>
-          <a:lstStyle/>
-          <a:p>
-            <a:pPr algn="ctr"/>
-            <a:r>
-              <a:rPr lang="fr-FR" b="1" spc="300" dirty="0">
-                <a:latin typeface="Comic Sans MS" panose="030F0702030302020204" pitchFamily="66" charset="0"/>
-                <a:ea typeface="JetBrains Mono" panose="02000009000000000000" pitchFamily="49" charset="0"/>
-                <a:cs typeface="JetBrains Mono" panose="02000009000000000000" pitchFamily="49" charset="0"/>
-              </a:rPr>
-              <a:t>M. Du Chevreuil</a:t>
-            </a:r>
-          </a:p>
-          <a:p>
-            <a:pPr algn="ctr"/>
-            <a:r>
-              <a:rPr lang="fr-FR" sz="1600" spc="300" dirty="0">
-                <a:latin typeface="Comic Sans MS" panose="030F0702030302020204" pitchFamily="66" charset="0"/>
-                <a:ea typeface="JetBrains Mono" panose="02000009000000000000" pitchFamily="49" charset="0"/>
-                <a:cs typeface="JetBrains Mono" panose="02000009000000000000" pitchFamily="49" charset="0"/>
-              </a:rPr>
-              <a:t>Professeur en génie </a:t>
-            </a:r>
-          </a:p>
-          <a:p>
-            <a:pPr algn="ctr"/>
-            <a:r>
-              <a:rPr lang="fr-FR" sz="1600" spc="300" dirty="0">
-                <a:latin typeface="Comic Sans MS" panose="030F0702030302020204" pitchFamily="66" charset="0"/>
-                <a:ea typeface="JetBrains Mono" panose="02000009000000000000" pitchFamily="49" charset="0"/>
-                <a:cs typeface="JetBrains Mono" panose="02000009000000000000" pitchFamily="49" charset="0"/>
-              </a:rPr>
-              <a:t>industriel bois</a:t>
-            </a:r>
           </a:p>
         </p:txBody>
       </p:sp>
@@ -5412,6 +5408,93 @@
           <a:xfrm>
             <a:off x="729648" y="1938010"/>
             <a:ext cx="2585866" cy="1279323"/>
+          </a:xfrm>
+          <a:prstGeom prst="rect">
+            <a:avLst/>
+          </a:prstGeom>
+        </p:spPr>
+      </p:pic>
+      <p:cxnSp>
+        <p:nvCxnSpPr>
+          <p:cNvPr id="4" name="Straight Connector 3">
+            <a:extLst>
+              <a:ext uri="{FF2B5EF4-FFF2-40B4-BE49-F238E27FC236}">
+                <a16:creationId xmlns:a16="http://schemas.microsoft.com/office/drawing/2014/main" id="{43437C59-B8F4-4EA9-AA01-1EEA149A46A8}"/>
+              </a:ext>
+            </a:extLst>
+          </p:cNvPr>
+          <p:cNvCxnSpPr/>
+          <p:nvPr/>
+        </p:nvCxnSpPr>
+        <p:spPr>
+          <a:xfrm>
+            <a:off x="5926665" y="1659466"/>
+            <a:ext cx="2150534" cy="0"/>
+          </a:xfrm>
+          <a:prstGeom prst="line">
+            <a:avLst/>
+          </a:prstGeom>
+          <a:ln w="28575"/>
+        </p:spPr>
+        <p:style>
+          <a:lnRef idx="2">
+            <a:schemeClr val="dk1"/>
+          </a:lnRef>
+          <a:fillRef idx="0">
+            <a:schemeClr val="dk1"/>
+          </a:fillRef>
+          <a:effectRef idx="1">
+            <a:schemeClr val="dk1"/>
+          </a:effectRef>
+          <a:fontRef idx="minor">
+            <a:schemeClr val="tx1"/>
+          </a:fontRef>
+        </p:style>
+      </p:cxnSp>
+      <p:pic>
+        <p:nvPicPr>
+          <p:cNvPr id="6" name="Picture 5">
+            <a:extLst>
+              <a:ext uri="{FF2B5EF4-FFF2-40B4-BE49-F238E27FC236}">
+                <a16:creationId xmlns:a16="http://schemas.microsoft.com/office/drawing/2014/main" id="{94D04901-2583-4D56-94E4-18A708B5FCD9}"/>
+              </a:ext>
+            </a:extLst>
+          </p:cNvPr>
+          <p:cNvPicPr>
+            <a:picLocks noChangeAspect="1"/>
+          </p:cNvPicPr>
+          <p:nvPr/>
+        </p:nvPicPr>
+        <p:blipFill rotWithShape="1">
+          <a:blip r:embed="rId3">
+            <a:extLst>
+              <a:ext uri="{BEBA8EAE-BF5A-486C-A8C5-ECC9F3942E4B}">
+                <a14:imgProps xmlns:a14="http://schemas.microsoft.com/office/drawing/2010/main">
+                  <a14:imgLayer r:embed="rId4">
+                    <a14:imgEffect>
+                      <a14:sharpenSoften amount="25000"/>
+                    </a14:imgEffect>
+                    <a14:imgEffect>
+                      <a14:saturation sat="200000"/>
+                    </a14:imgEffect>
+                    <a14:imgEffect>
+                      <a14:brightnessContrast contrast="40000"/>
+                    </a14:imgEffect>
+                  </a14:imgLayer>
+                </a14:imgProps>
+              </a:ext>
+              <a:ext uri="{28A0092B-C50C-407E-A947-70E740481C1C}">
+                <a14:useLocalDpi xmlns:a14="http://schemas.microsoft.com/office/drawing/2010/main" val="0"/>
+              </a:ext>
+            </a:extLst>
+          </a:blip>
+          <a:srcRect l="49612" r="1"/>
+          <a:stretch/>
+        </p:blipFill>
+        <p:spPr>
+          <a:xfrm>
+            <a:off x="11386461" y="319213"/>
+            <a:ext cx="3374128" cy="10161335"/>
           </a:xfrm>
           <a:prstGeom prst="rect">
             <a:avLst/>

--- a/Dossier Co-FR/La boite à épice - interrogation.pptx
+++ b/Dossier Co-FR/La boite à épice - interrogation.pptx
@@ -206,7 +206,7 @@
           <a:p>
             <a:fld id="{175ECC00-C06A-4323-852F-768318D8586A}" type="datetimeFigureOut">
               <a:rPr lang="fr-FR" smtClean="0"/>
-              <a:t>30/03/2025</a:t>
+              <a:t>31/03/2025</a:t>
             </a:fld>
             <a:endParaRPr lang="fr-FR"/>
           </a:p>
@@ -371,7 +371,7 @@
           <a:p>
             <a:fld id="{AE8DAB01-C85E-4F33-91A5-B6D112914A5D}" type="datetimeFigureOut">
               <a:rPr lang="fr-FR" smtClean="0"/>
-              <a:t>30/03/2025</a:t>
+              <a:t>31/03/2025</a:t>
             </a:fld>
             <a:endParaRPr lang="fr-FR"/>
           </a:p>
@@ -770,7 +770,7 @@
           <a:p>
             <a:fld id="{A69F3118-5675-4AEB-B17B-1E109ACFC119}" type="datetimeFigureOut">
               <a:rPr lang="fr-FR" smtClean="0"/>
-              <a:t>30/03/2025</a:t>
+              <a:t>31/03/2025</a:t>
             </a:fld>
             <a:endParaRPr lang="fr-FR"/>
           </a:p>
@@ -940,7 +940,7 @@
           <a:p>
             <a:fld id="{A69F3118-5675-4AEB-B17B-1E109ACFC119}" type="datetimeFigureOut">
               <a:rPr lang="fr-FR" smtClean="0"/>
-              <a:t>30/03/2025</a:t>
+              <a:t>31/03/2025</a:t>
             </a:fld>
             <a:endParaRPr lang="fr-FR"/>
           </a:p>
@@ -1120,7 +1120,7 @@
           <a:p>
             <a:fld id="{A69F3118-5675-4AEB-B17B-1E109ACFC119}" type="datetimeFigureOut">
               <a:rPr lang="fr-FR" smtClean="0"/>
-              <a:t>30/03/2025</a:t>
+              <a:t>31/03/2025</a:t>
             </a:fld>
             <a:endParaRPr lang="fr-FR"/>
           </a:p>
@@ -1290,7 +1290,7 @@
           <a:p>
             <a:fld id="{A69F3118-5675-4AEB-B17B-1E109ACFC119}" type="datetimeFigureOut">
               <a:rPr lang="fr-FR" smtClean="0"/>
-              <a:t>30/03/2025</a:t>
+              <a:t>31/03/2025</a:t>
             </a:fld>
             <a:endParaRPr lang="fr-FR"/>
           </a:p>
@@ -1534,7 +1534,7 @@
           <a:p>
             <a:fld id="{A69F3118-5675-4AEB-B17B-1E109ACFC119}" type="datetimeFigureOut">
               <a:rPr lang="fr-FR" smtClean="0"/>
-              <a:t>30/03/2025</a:t>
+              <a:t>31/03/2025</a:t>
             </a:fld>
             <a:endParaRPr lang="fr-FR"/>
           </a:p>
@@ -1766,7 +1766,7 @@
           <a:p>
             <a:fld id="{A69F3118-5675-4AEB-B17B-1E109ACFC119}" type="datetimeFigureOut">
               <a:rPr lang="fr-FR" smtClean="0"/>
-              <a:t>30/03/2025</a:t>
+              <a:t>31/03/2025</a:t>
             </a:fld>
             <a:endParaRPr lang="fr-FR"/>
           </a:p>
@@ -2133,7 +2133,7 @@
           <a:p>
             <a:fld id="{A69F3118-5675-4AEB-B17B-1E109ACFC119}" type="datetimeFigureOut">
               <a:rPr lang="fr-FR" smtClean="0"/>
-              <a:t>30/03/2025</a:t>
+              <a:t>31/03/2025</a:t>
             </a:fld>
             <a:endParaRPr lang="fr-FR"/>
           </a:p>
@@ -2251,7 +2251,7 @@
           <a:p>
             <a:fld id="{A69F3118-5675-4AEB-B17B-1E109ACFC119}" type="datetimeFigureOut">
               <a:rPr lang="fr-FR" smtClean="0"/>
-              <a:t>30/03/2025</a:t>
+              <a:t>31/03/2025</a:t>
             </a:fld>
             <a:endParaRPr lang="fr-FR"/>
           </a:p>
@@ -2346,7 +2346,7 @@
           <a:p>
             <a:fld id="{A69F3118-5675-4AEB-B17B-1E109ACFC119}" type="datetimeFigureOut">
               <a:rPr lang="fr-FR" smtClean="0"/>
-              <a:t>30/03/2025</a:t>
+              <a:t>31/03/2025</a:t>
             </a:fld>
             <a:endParaRPr lang="fr-FR"/>
           </a:p>
@@ -2623,7 +2623,7 @@
           <a:p>
             <a:fld id="{A69F3118-5675-4AEB-B17B-1E109ACFC119}" type="datetimeFigureOut">
               <a:rPr lang="fr-FR" smtClean="0"/>
-              <a:t>30/03/2025</a:t>
+              <a:t>31/03/2025</a:t>
             </a:fld>
             <a:endParaRPr lang="fr-FR"/>
           </a:p>
@@ -2880,7 +2880,7 @@
           <a:p>
             <a:fld id="{A69F3118-5675-4AEB-B17B-1E109ACFC119}" type="datetimeFigureOut">
               <a:rPr lang="fr-FR" smtClean="0"/>
-              <a:t>30/03/2025</a:t>
+              <a:t>31/03/2025</a:t>
             </a:fld>
             <a:endParaRPr lang="fr-FR"/>
           </a:p>
@@ -3093,7 +3093,7 @@
           <a:p>
             <a:fld id="{A69F3118-5675-4AEB-B17B-1E109ACFC119}" type="datetimeFigureOut">
               <a:rPr lang="fr-FR" smtClean="0"/>
-              <a:t>30/03/2025</a:t>
+              <a:t>31/03/2025</a:t>
             </a:fld>
             <a:endParaRPr lang="fr-FR"/>
           </a:p>
@@ -4807,9 +4807,17 @@
           </a:p>
           <a:p>
             <a:pPr marL="72000"/>
+            <a:endParaRPr lang="fr-FR"/>
+          </a:p>
+          <a:p>
+            <a:pPr marL="72000"/>
+            <a:r>
+              <a:rPr lang="fr-FR"/>
+              <a:t>Calculer </a:t>
+            </a:r>
             <a:r>
               <a:rPr lang="fr-FR" dirty="0"/>
-              <a:t>Calculer la vitesse de coupe pour un outils de 0,160 m (D) et une vitesse de coupe de 4200 tours minute (S)</a:t>
+              <a:t>la vitesse de coupe pour un outils de 0,160 m (D) et une vitesse de coupe de 4200 tours minute (S)</a:t>
             </a:r>
           </a:p>
           <a:p>
@@ -4976,7 +4984,7 @@
               <a:rPr lang="fr-FR" dirty="0">
                 <a:cs typeface="Arial" panose="020B0604020202020204" pitchFamily="34" charset="0"/>
               </a:rPr>
-              <a:t>Calculer la vitesse de coupe d’un menuisier de 42 ans avec 2 enfants. Ce menuisier doit réaliser une rainure de 8 millimètre avec un outils de rayon 100 mm avec une vitesse d’</a:t>
+              <a:t>Calculer la vitesse de coupe d’un menuisier de 42 ans avec 2 enfants. Ce menuisier doit réaliser une rainure de 8 mm sur une pièce de 35 mm de large avec un outils de rayon 100 mm avec une vitesse d’</a:t>
             </a:r>
             <a:r>
               <a:rPr lang="fr-FR" dirty="0" err="1"/>

--- a/Dossier Co-FR/La boite à épice - interrogation.pptx
+++ b/Dossier Co-FR/La boite à épice - interrogation.pptx
@@ -5,16 +5,17 @@
     <p:sldMasterId id="2147483660" r:id="rId1"/>
   </p:sldMasterIdLst>
   <p:notesMasterIdLst>
-    <p:notesMasterId r:id="rId6"/>
+    <p:notesMasterId r:id="rId7"/>
   </p:notesMasterIdLst>
   <p:handoutMasterIdLst>
-    <p:handoutMasterId r:id="rId7"/>
+    <p:handoutMasterId r:id="rId8"/>
   </p:handoutMasterIdLst>
   <p:sldIdLst>
     <p:sldId id="334" r:id="rId2"/>
     <p:sldId id="335" r:id="rId3"/>
     <p:sldId id="336" r:id="rId4"/>
-    <p:sldId id="337" r:id="rId5"/>
+    <p:sldId id="338" r:id="rId5"/>
+    <p:sldId id="339" r:id="rId6"/>
   </p:sldIdLst>
   <p:sldSz cx="15119350" cy="10799763"/>
   <p:notesSz cx="6797675" cy="9926638"/>
@@ -206,7 +207,7 @@
           <a:p>
             <a:fld id="{175ECC00-C06A-4323-852F-768318D8586A}" type="datetimeFigureOut">
               <a:rPr lang="fr-FR" smtClean="0"/>
-              <a:t>31/03/2025</a:t>
+              <a:t>27/04/2025</a:t>
             </a:fld>
             <a:endParaRPr lang="fr-FR"/>
           </a:p>
@@ -371,7 +372,7 @@
           <a:p>
             <a:fld id="{AE8DAB01-C85E-4F33-91A5-B6D112914A5D}" type="datetimeFigureOut">
               <a:rPr lang="fr-FR" smtClean="0"/>
-              <a:t>31/03/2025</a:t>
+              <a:t>27/04/2025</a:t>
             </a:fld>
             <a:endParaRPr lang="fr-FR"/>
           </a:p>
@@ -770,7 +771,7 @@
           <a:p>
             <a:fld id="{A69F3118-5675-4AEB-B17B-1E109ACFC119}" type="datetimeFigureOut">
               <a:rPr lang="fr-FR" smtClean="0"/>
-              <a:t>31/03/2025</a:t>
+              <a:t>27/04/2025</a:t>
             </a:fld>
             <a:endParaRPr lang="fr-FR"/>
           </a:p>
@@ -940,7 +941,7 @@
           <a:p>
             <a:fld id="{A69F3118-5675-4AEB-B17B-1E109ACFC119}" type="datetimeFigureOut">
               <a:rPr lang="fr-FR" smtClean="0"/>
-              <a:t>31/03/2025</a:t>
+              <a:t>27/04/2025</a:t>
             </a:fld>
             <a:endParaRPr lang="fr-FR"/>
           </a:p>
@@ -1120,7 +1121,7 @@
           <a:p>
             <a:fld id="{A69F3118-5675-4AEB-B17B-1E109ACFC119}" type="datetimeFigureOut">
               <a:rPr lang="fr-FR" smtClean="0"/>
-              <a:t>31/03/2025</a:t>
+              <a:t>27/04/2025</a:t>
             </a:fld>
             <a:endParaRPr lang="fr-FR"/>
           </a:p>
@@ -1290,7 +1291,7 @@
           <a:p>
             <a:fld id="{A69F3118-5675-4AEB-B17B-1E109ACFC119}" type="datetimeFigureOut">
               <a:rPr lang="fr-FR" smtClean="0"/>
-              <a:t>31/03/2025</a:t>
+              <a:t>27/04/2025</a:t>
             </a:fld>
             <a:endParaRPr lang="fr-FR"/>
           </a:p>
@@ -1534,7 +1535,7 @@
           <a:p>
             <a:fld id="{A69F3118-5675-4AEB-B17B-1E109ACFC119}" type="datetimeFigureOut">
               <a:rPr lang="fr-FR" smtClean="0"/>
-              <a:t>31/03/2025</a:t>
+              <a:t>27/04/2025</a:t>
             </a:fld>
             <a:endParaRPr lang="fr-FR"/>
           </a:p>
@@ -1766,7 +1767,7 @@
           <a:p>
             <a:fld id="{A69F3118-5675-4AEB-B17B-1E109ACFC119}" type="datetimeFigureOut">
               <a:rPr lang="fr-FR" smtClean="0"/>
-              <a:t>31/03/2025</a:t>
+              <a:t>27/04/2025</a:t>
             </a:fld>
             <a:endParaRPr lang="fr-FR"/>
           </a:p>
@@ -2133,7 +2134,7 @@
           <a:p>
             <a:fld id="{A69F3118-5675-4AEB-B17B-1E109ACFC119}" type="datetimeFigureOut">
               <a:rPr lang="fr-FR" smtClean="0"/>
-              <a:t>31/03/2025</a:t>
+              <a:t>27/04/2025</a:t>
             </a:fld>
             <a:endParaRPr lang="fr-FR"/>
           </a:p>
@@ -2251,7 +2252,7 @@
           <a:p>
             <a:fld id="{A69F3118-5675-4AEB-B17B-1E109ACFC119}" type="datetimeFigureOut">
               <a:rPr lang="fr-FR" smtClean="0"/>
-              <a:t>31/03/2025</a:t>
+              <a:t>27/04/2025</a:t>
             </a:fld>
             <a:endParaRPr lang="fr-FR"/>
           </a:p>
@@ -2346,7 +2347,7 @@
           <a:p>
             <a:fld id="{A69F3118-5675-4AEB-B17B-1E109ACFC119}" type="datetimeFigureOut">
               <a:rPr lang="fr-FR" smtClean="0"/>
-              <a:t>31/03/2025</a:t>
+              <a:t>27/04/2025</a:t>
             </a:fld>
             <a:endParaRPr lang="fr-FR"/>
           </a:p>
@@ -2623,7 +2624,7 @@
           <a:p>
             <a:fld id="{A69F3118-5675-4AEB-B17B-1E109ACFC119}" type="datetimeFigureOut">
               <a:rPr lang="fr-FR" smtClean="0"/>
-              <a:t>31/03/2025</a:t>
+              <a:t>27/04/2025</a:t>
             </a:fld>
             <a:endParaRPr lang="fr-FR"/>
           </a:p>
@@ -2880,7 +2881,7 @@
           <a:p>
             <a:fld id="{A69F3118-5675-4AEB-B17B-1E109ACFC119}" type="datetimeFigureOut">
               <a:rPr lang="fr-FR" smtClean="0"/>
-              <a:t>31/03/2025</a:t>
+              <a:t>27/04/2025</a:t>
             </a:fld>
             <a:endParaRPr lang="fr-FR"/>
           </a:p>
@@ -3093,7 +3094,7 @@
           <a:p>
             <a:fld id="{A69F3118-5675-4AEB-B17B-1E109ACFC119}" type="datetimeFigureOut">
               <a:rPr lang="fr-FR" smtClean="0"/>
-              <a:t>31/03/2025</a:t>
+              <a:t>27/04/2025</a:t>
             </a:fld>
             <a:endParaRPr lang="fr-FR"/>
           </a:p>
@@ -4807,17 +4808,13 @@
           </a:p>
           <a:p>
             <a:pPr marL="72000"/>
-            <a:endParaRPr lang="fr-FR"/>
-          </a:p>
-          <a:p>
-            <a:pPr marL="72000"/>
-            <a:r>
-              <a:rPr lang="fr-FR"/>
-              <a:t>Calculer </a:t>
-            </a:r>
+            <a:endParaRPr lang="fr-FR" dirty="0"/>
+          </a:p>
+          <a:p>
+            <a:pPr marL="72000"/>
             <a:r>
               <a:rPr lang="fr-FR" dirty="0"/>
-              <a:t>la vitesse de coupe pour un outils de 0,160 m (D) et une vitesse de coupe de 4200 tours minute (S)</a:t>
+              <a:t>Calculer la vitesse de coupe pour un outils de 0,160 m (D) et une vitesse de coupe de 4200 tours minute (S)</a:t>
             </a:r>
           </a:p>
           <a:p>
@@ -5574,11 +5571,167 @@
           <a:lstStyle/>
           <a:p>
             <a:pPr marL="72000"/>
+            <a:r>
+              <a:rPr lang="fr-FR" dirty="0"/>
+              <a:t>Calculer la vitesse de chute libre pour un objet avec une accélération gravitationnelle de 9,81 m/s². Cette objet tombe du haut d’un bâtiment de 15 mètres</a:t>
+            </a:r>
+          </a:p>
+          <a:p>
+            <a:pPr marL="72000"/>
+            <a:r>
+              <a:rPr lang="fr-FR" dirty="0"/>
+              <a:t>…………………………………………………………………………………………………………………..</a:t>
+            </a:r>
+          </a:p>
+          <a:p>
+            <a:pPr marL="72000"/>
+            <a:r>
+              <a:rPr lang="fr-FR" dirty="0"/>
+              <a:t>……………………V = √(2 × ……… × ……………………………………………………………..</a:t>
+            </a:r>
+          </a:p>
+          <a:p>
+            <a:pPr marL="72000"/>
+            <a:r>
+              <a:rPr lang="fr-FR" dirty="0"/>
+              <a:t>…………………………………………………………………………………………………………………..</a:t>
+            </a:r>
+          </a:p>
+          <a:p>
+            <a:pPr marL="72000"/>
+            <a:r>
+              <a:rPr lang="fr-FR" dirty="0"/>
+              <a:t>…………………………………………………………………………………………………………………..</a:t>
+            </a:r>
+          </a:p>
+          <a:p>
+            <a:pPr marL="72000"/>
             <a:endParaRPr lang="fr-FR" dirty="0"/>
           </a:p>
           <a:p>
             <a:pPr marL="72000"/>
+            <a:r>
+              <a:rPr lang="fr-FR" dirty="0"/>
+              <a:t>Calculer la vitesse de chute libre de 3 mètres et une accélération gravitationnelle de 9,81 m/s²</a:t>
+            </a:r>
+          </a:p>
+          <a:p>
+            <a:pPr marL="72000"/>
+            <a:r>
+              <a:rPr lang="fr-FR" dirty="0"/>
+              <a:t>…………………………………………………………………………………………………………………..</a:t>
+            </a:r>
+          </a:p>
+          <a:p>
+            <a:pPr marL="72000"/>
+            <a:r>
+              <a:rPr lang="fr-FR" dirty="0"/>
+              <a:t>…………………………………………………………………………………………………………………..</a:t>
+            </a:r>
+          </a:p>
+          <a:p>
+            <a:pPr marL="72000"/>
+            <a:r>
+              <a:rPr lang="fr-FR" dirty="0"/>
+              <a:t>…………………………………………………………………………………………………………………..</a:t>
+            </a:r>
+          </a:p>
+          <a:p>
+            <a:pPr marL="72000"/>
+            <a:r>
+              <a:rPr lang="fr-FR" dirty="0"/>
+              <a:t>…………………………………………………………………………………………………………………..</a:t>
+            </a:r>
+          </a:p>
+          <a:p>
+            <a:pPr marL="72000"/>
             <a:endParaRPr lang="fr-FR" dirty="0"/>
+          </a:p>
+          <a:p>
+            <a:pPr marL="72000"/>
+            <a:endParaRPr lang="fr-FR" dirty="0"/>
+          </a:p>
+          <a:p>
+            <a:pPr marL="72000"/>
+            <a:endParaRPr lang="fr-FR" dirty="0"/>
+          </a:p>
+          <a:p>
+            <a:pPr marL="72000"/>
+            <a:r>
+              <a:rPr lang="fr-FR" dirty="0"/>
+              <a:t>Calculer la vitesse de chute libre pour un objet de 145 g et une accélération gravitationnelle de 9,81 m/s² lorsqu’il tombe de 600 centimètres</a:t>
+            </a:r>
+          </a:p>
+          <a:p>
+            <a:pPr marL="72000"/>
+            <a:r>
+              <a:rPr lang="fr-FR" dirty="0"/>
+              <a:t>…………………………………………………………………………………………………………………..</a:t>
+            </a:r>
+          </a:p>
+          <a:p>
+            <a:pPr marL="72000"/>
+            <a:r>
+              <a:rPr lang="fr-FR" dirty="0"/>
+              <a:t>…………………………………………………………………………………………………………………..</a:t>
+            </a:r>
+          </a:p>
+          <a:p>
+            <a:pPr marL="72000"/>
+            <a:r>
+              <a:rPr lang="fr-FR" dirty="0"/>
+              <a:t>…………………………………………………………………………………………………………………..</a:t>
+            </a:r>
+          </a:p>
+          <a:p>
+            <a:pPr marL="72000"/>
+            <a:r>
+              <a:rPr lang="fr-FR" dirty="0"/>
+              <a:t>…………………………………………………………………………………………………………………..</a:t>
+            </a:r>
+          </a:p>
+          <a:p>
+            <a:pPr marL="72000"/>
+            <a:endParaRPr lang="fr-FR" dirty="0"/>
+          </a:p>
+          <a:p>
+            <a:pPr marL="72000"/>
+            <a:endParaRPr lang="fr-FR" dirty="0"/>
+          </a:p>
+          <a:p>
+            <a:pPr marL="72000"/>
+            <a:r>
+              <a:rPr lang="fr-FR" dirty="0"/>
+              <a:t>Calculer la vitesse de chute libre d’un parachutiste de 42 ans ayant 2 enfants. Ce parachutiste saute d’un avion à 3000 m d’altitude avec une masse de 80 kg, portant des vêtements de 2kilos et une accélération gravitationnelle de 9,81 m/s². Donner les résultats en kilomètre heure si 1 m/s est égale à 3,6 kilomètre heure.</a:t>
+            </a:r>
+          </a:p>
+          <a:p>
+            <a:pPr marL="72000"/>
+            <a:r>
+              <a:rPr lang="fr-FR" dirty="0"/>
+              <a:t>…………………………………………………………………………………………………………………..</a:t>
+            </a:r>
+          </a:p>
+          <a:p>
+            <a:pPr marL="72000"/>
+            <a:r>
+              <a:rPr lang="fr-FR" dirty="0"/>
+              <a:t>…………………………………………………………………………………………………………………..</a:t>
+            </a:r>
+          </a:p>
+          <a:p>
+            <a:pPr marL="72000"/>
+            <a:r>
+              <a:rPr lang="fr-FR" dirty="0"/>
+              <a:t>…………………………………………………………………………………………………………………..</a:t>
+            </a:r>
+          </a:p>
+          <a:p>
+            <a:pPr marL="72000"/>
+            <a:r>
+              <a:rPr lang="fr-FR" dirty="0"/>
+              <a:t>…………………………………………………………………………………………………………………..</a:t>
+            </a:r>
           </a:p>
         </p:txBody>
       </p:sp>
@@ -5613,7 +5766,7 @@
           </a:fontRef>
         </p:style>
         <p:txBody>
-          <a:bodyPr rtlCol="0" anchor="t"/>
+          <a:bodyPr rtlCol="0" anchor="ctr"/>
           <a:lstStyle/>
           <a:p>
             <a:pPr marL="72000"/>
@@ -5664,87 +5817,33 @@
             <a:pPr marL="72000"/>
             <a:r>
               <a:rPr lang="fr-FR" sz="1600" b="1" dirty="0"/>
-              <a:t>V</a:t>
+              <a:t>V = </a:t>
             </a:r>
             <a:r>
               <a:rPr lang="fr-FR" sz="1600" dirty="0"/>
-              <a:t> : vitesse de coupe (ou vitesse linéaire) en mètres par seconde (</a:t>
-            </a:r>
+              <a:t>vitesse finale (en m/s)</a:t>
+            </a:r>
+          </a:p>
+          <a:p>
+            <a:pPr marL="72000"/>
             <a:r>
               <a:rPr lang="fr-FR" sz="1600" b="1" dirty="0"/>
-              <a:t>m/s</a:t>
+              <a:t>g = </a:t>
             </a:r>
             <a:r>
               <a:rPr lang="fr-FR" sz="1600" dirty="0"/>
-              <a:t>)</a:t>
+              <a:t>accélération gravitationnelle (9,81 sur Terre)</a:t>
             </a:r>
           </a:p>
           <a:p>
             <a:pPr marL="72000"/>
             <a:r>
               <a:rPr lang="fr-FR" sz="1600" b="1" dirty="0"/>
-              <a:t>π</a:t>
+              <a:t>h = </a:t>
             </a:r>
             <a:r>
               <a:rPr lang="fr-FR" sz="1600" dirty="0"/>
-              <a:t> : constante mathématique (</a:t>
-            </a:r>
-            <a:r>
-              <a:rPr lang="fr-FR" sz="1600" b="1" dirty="0"/>
-              <a:t>3,14</a:t>
-            </a:r>
-            <a:r>
-              <a:rPr lang="fr-FR" sz="1600" dirty="0"/>
-              <a:t>)</a:t>
-            </a:r>
-          </a:p>
-          <a:p>
-            <a:pPr marL="72000"/>
-            <a:r>
-              <a:rPr lang="fr-FR" sz="1600" b="1" dirty="0"/>
-              <a:t>D</a:t>
-            </a:r>
-            <a:r>
-              <a:rPr lang="fr-FR" sz="1600" dirty="0"/>
-              <a:t> : diamètre de l’outil en mètres (</a:t>
-            </a:r>
-            <a:r>
-              <a:rPr lang="fr-FR" sz="1600" b="1" dirty="0"/>
-              <a:t>m</a:t>
-            </a:r>
-            <a:r>
-              <a:rPr lang="fr-FR" sz="1600" dirty="0"/>
-              <a:t>)</a:t>
-            </a:r>
-          </a:p>
-          <a:p>
-            <a:pPr marL="72000"/>
-            <a:r>
-              <a:rPr lang="fr-FR" sz="1600" b="1" dirty="0"/>
-              <a:t>S</a:t>
-            </a:r>
-            <a:r>
-              <a:rPr lang="fr-FR" sz="1600" dirty="0"/>
-              <a:t> : fréquence de rotation en tours par minute (</a:t>
-            </a:r>
-            <a:r>
-              <a:rPr lang="fr-FR" sz="1600" b="1" dirty="0"/>
-              <a:t>tr/min</a:t>
-            </a:r>
-            <a:r>
-              <a:rPr lang="fr-FR" sz="1600" dirty="0"/>
-              <a:t>)</a:t>
-            </a:r>
-          </a:p>
-          <a:p>
-            <a:pPr marL="72000"/>
-            <a:r>
-              <a:rPr lang="fr-FR" sz="1600" b="1" dirty="0"/>
-              <a:t>60</a:t>
-            </a:r>
-            <a:r>
-              <a:rPr lang="fr-FR" sz="1600" dirty="0"/>
-              <a:t> : conversion des minutes en secondes</a:t>
+              <a:t>hauteur de chute (en mètres)</a:t>
             </a:r>
           </a:p>
           <a:p>
@@ -5753,66 +5852,7 @@
           </a:p>
           <a:p>
             <a:pPr marL="72000"/>
-            <a:r>
-              <a:rPr lang="fr-FR" sz="1600" dirty="0"/>
-              <a:t>La vitesse de coupe V correspond à la vitesse à laquelle le tranchant de l’outil se déplace à la périphérie du diamètre.</a:t>
-            </a:r>
-          </a:p>
-          <a:p>
-            <a:pPr marL="72000"/>
-            <a:endParaRPr lang="fr-FR" sz="1600" dirty="0"/>
-          </a:p>
-          <a:p>
-            <a:pPr marL="72000"/>
-            <a:r>
-              <a:rPr lang="fr-FR" sz="1600" b="1" dirty="0"/>
-              <a:t>Explication : </a:t>
-            </a:r>
-          </a:p>
-          <a:p>
-            <a:pPr marL="72000"/>
             <a:endParaRPr lang="fr-FR" sz="1600" b="1" dirty="0"/>
-          </a:p>
-          <a:p>
-            <a:pPr marL="72000"/>
-            <a:r>
-              <a:rPr lang="fr-FR" sz="1600" b="1" dirty="0"/>
-              <a:t>Le produit π×D </a:t>
-            </a:r>
-            <a:r>
-              <a:rPr lang="fr-FR" sz="1600" dirty="0"/>
-              <a:t>donne la circonférence de l’outil, c’est-à-dire la distance parcourue par un point situé sur le bord de l’outil en un tour.</a:t>
-            </a:r>
-          </a:p>
-          <a:p>
-            <a:pPr marL="72000"/>
-            <a:r>
-              <a:rPr lang="fr-FR" sz="1600" b="1" dirty="0"/>
-              <a:t>En multipliant cette circonférence par la fréquence de rotation S</a:t>
-            </a:r>
-            <a:r>
-              <a:rPr lang="fr-FR" sz="1600" dirty="0"/>
-              <a:t>, on obtient la distance parcourue par le tranchant en une minute.</a:t>
-            </a:r>
-          </a:p>
-          <a:p>
-            <a:pPr marL="72000"/>
-            <a:r>
-              <a:rPr lang="fr-FR" sz="1600" b="1" dirty="0"/>
-              <a:t>Enfin, la division par 60</a:t>
-            </a:r>
-            <a:r>
-              <a:rPr lang="fr-FR" sz="1600" dirty="0"/>
-              <a:t> permet d’obtenir cette valeur en mètres par seconde (</a:t>
-            </a:r>
-            <a:r>
-              <a:rPr lang="fr-FR" sz="1600" b="1" dirty="0"/>
-              <a:t>m/s</a:t>
-            </a:r>
-            <a:r>
-              <a:rPr lang="fr-FR" sz="1600" dirty="0"/>
-              <a:t>), qui est l’unité standard pour la vitesse de coupe.</a:t>
-            </a:r>
           </a:p>
           <a:p>
             <a:pPr marL="72000"/>
@@ -5846,8 +5886,8 @@
         </p:nvSpPr>
         <p:spPr>
           <a:xfrm>
-            <a:off x="11213630" y="1390649"/>
-            <a:ext cx="3726044" cy="9229231"/>
+            <a:off x="11213630" y="179881"/>
+            <a:ext cx="3726044" cy="10440000"/>
           </a:xfrm>
           <a:prstGeom prst="rect">
             <a:avLst/>
@@ -5873,74 +5913,6 @@
           <a:lstStyle/>
           <a:p>
             <a:endParaRPr lang="fr-FR" sz="1400" dirty="0"/>
-          </a:p>
-        </p:txBody>
-      </p:sp>
-      <p:sp>
-        <p:nvSpPr>
-          <p:cNvPr id="24" name="Rectangle 23"/>
-          <p:cNvSpPr/>
-          <p:nvPr/>
-        </p:nvSpPr>
-        <p:spPr>
-          <a:xfrm>
-            <a:off x="11213630" y="179881"/>
-            <a:ext cx="3726045" cy="1067028"/>
-          </a:xfrm>
-          <a:prstGeom prst="rect">
-            <a:avLst/>
-          </a:prstGeom>
-          <a:ln w="57150"/>
-        </p:spPr>
-        <p:style>
-          <a:lnRef idx="2">
-            <a:schemeClr val="dk1"/>
-          </a:lnRef>
-          <a:fillRef idx="1">
-            <a:schemeClr val="lt1"/>
-          </a:fillRef>
-          <a:effectRef idx="0">
-            <a:schemeClr val="dk1"/>
-          </a:effectRef>
-          <a:fontRef idx="minor">
-            <a:schemeClr val="dk1"/>
-          </a:fontRef>
-        </p:style>
-        <p:txBody>
-          <a:bodyPr rtlCol="0" anchor="ctr"/>
-          <a:lstStyle/>
-          <a:p>
-            <a:pPr algn="ctr"/>
-            <a:r>
-              <a:rPr lang="fr-FR" b="1" spc="300" dirty="0">
-                <a:latin typeface="Comic Sans MS" panose="030F0702030302020204" pitchFamily="66" charset="0"/>
-                <a:ea typeface="JetBrains Mono" panose="02000009000000000000" pitchFamily="49" charset="0"/>
-                <a:cs typeface="JetBrains Mono" panose="02000009000000000000" pitchFamily="49" charset="0"/>
-              </a:rPr>
-              <a:t>M. Du Chevreuil</a:t>
-            </a:r>
-          </a:p>
-          <a:p>
-            <a:pPr algn="ctr"/>
-            <a:r>
-              <a:rPr lang="fr-FR" sz="1600" spc="300" dirty="0">
-                <a:latin typeface="Comic Sans MS" panose="030F0702030302020204" pitchFamily="66" charset="0"/>
-                <a:ea typeface="JetBrains Mono" panose="02000009000000000000" pitchFamily="49" charset="0"/>
-                <a:cs typeface="JetBrains Mono" panose="02000009000000000000" pitchFamily="49" charset="0"/>
-              </a:rPr>
-              <a:t>Professeur en génie </a:t>
-            </a:r>
-          </a:p>
-          <a:p>
-            <a:pPr algn="ctr"/>
-            <a:r>
-              <a:rPr lang="fr-FR" sz="1600" spc="300" dirty="0">
-                <a:latin typeface="Comic Sans MS" panose="030F0702030302020204" pitchFamily="66" charset="0"/>
-                <a:ea typeface="JetBrains Mono" panose="02000009000000000000" pitchFamily="49" charset="0"/>
-                <a:cs typeface="JetBrains Mono" panose="02000009000000000000" pitchFamily="49" charset="0"/>
-              </a:rPr>
-              <a:t>industriel bois</a:t>
-            </a:r>
           </a:p>
         </p:txBody>
       </p:sp>
@@ -5985,17 +5957,79 @@
                 <a:ea typeface="JetBrains Mono" panose="02000009000000000000" pitchFamily="49" charset="0"/>
                 <a:cs typeface="JetBrains Mono" panose="02000009000000000000" pitchFamily="49" charset="0"/>
               </a:rPr>
-              <a:t>Correction</a:t>
+              <a:t>Sujet : </a:t>
+            </a:r>
+            <a:r>
+              <a:rPr lang="fr-FR" b="1" dirty="0"/>
+              <a:t>vitesse en chute libre</a:t>
+            </a:r>
+            <a:r>
+              <a:rPr lang="fr-FR" b="1" dirty="0">
+                <a:latin typeface="Comic Sans MS" panose="030F0702030302020204" pitchFamily="66" charset="0"/>
+                <a:ea typeface="JetBrains Mono" panose="02000009000000000000" pitchFamily="49" charset="0"/>
+                <a:cs typeface="JetBrains Mono" panose="02000009000000000000" pitchFamily="49" charset="0"/>
+              </a:rPr>
+              <a:t> </a:t>
             </a:r>
           </a:p>
         </p:txBody>
       </p:sp>
       <p:pic>
         <p:nvPicPr>
-          <p:cNvPr id="2" name="Picture 1">
+          <p:cNvPr id="6" name="Picture 5">
             <a:extLst>
               <a:ext uri="{FF2B5EF4-FFF2-40B4-BE49-F238E27FC236}">
-                <a16:creationId xmlns:a16="http://schemas.microsoft.com/office/drawing/2014/main" id="{EFC5D97B-D204-4C78-B6EA-507468CFBBC6}"/>
+                <a16:creationId xmlns:a16="http://schemas.microsoft.com/office/drawing/2014/main" id="{94D04901-2583-4D56-94E4-18A708B5FCD9}"/>
+              </a:ext>
+            </a:extLst>
+          </p:cNvPr>
+          <p:cNvPicPr>
+            <a:picLocks noChangeAspect="1"/>
+          </p:cNvPicPr>
+          <p:nvPr/>
+        </p:nvPicPr>
+        <p:blipFill rotWithShape="1">
+          <a:blip r:embed="rId2">
+            <a:extLst>
+              <a:ext uri="{BEBA8EAE-BF5A-486C-A8C5-ECC9F3942E4B}">
+                <a14:imgProps xmlns:a14="http://schemas.microsoft.com/office/drawing/2010/main">
+                  <a14:imgLayer r:embed="rId3">
+                    <a14:imgEffect>
+                      <a14:sharpenSoften amount="25000"/>
+                    </a14:imgEffect>
+                    <a14:imgEffect>
+                      <a14:saturation sat="200000"/>
+                    </a14:imgEffect>
+                    <a14:imgEffect>
+                      <a14:brightnessContrast contrast="40000"/>
+                    </a14:imgEffect>
+                  </a14:imgLayer>
+                </a14:imgProps>
+              </a:ext>
+              <a:ext uri="{28A0092B-C50C-407E-A947-70E740481C1C}">
+                <a14:useLocalDpi xmlns:a14="http://schemas.microsoft.com/office/drawing/2010/main" val="0"/>
+              </a:ext>
+            </a:extLst>
+          </a:blip>
+          <a:srcRect l="49612" r="1"/>
+          <a:stretch/>
+        </p:blipFill>
+        <p:spPr>
+          <a:xfrm>
+            <a:off x="11386461" y="319213"/>
+            <a:ext cx="3374128" cy="10161335"/>
+          </a:xfrm>
+          <a:prstGeom prst="rect">
+            <a:avLst/>
+          </a:prstGeom>
+        </p:spPr>
+      </p:pic>
+      <p:pic>
+        <p:nvPicPr>
+          <p:cNvPr id="22" name="Picture 21">
+            <a:extLst>
+              <a:ext uri="{FF2B5EF4-FFF2-40B4-BE49-F238E27FC236}">
+                <a16:creationId xmlns:a16="http://schemas.microsoft.com/office/drawing/2014/main" id="{FA8D5E42-7D1F-4B75-9B2D-5B3495051196}"/>
               </a:ext>
             </a:extLst>
           </p:cNvPr>
@@ -6005,15 +6039,595 @@
           <p:nvPr/>
         </p:nvPicPr>
         <p:blipFill>
-          <a:blip r:embed="rId2"/>
+          <a:blip r:embed="rId4">
+            <a:extLst>
+              <a:ext uri="{BEBA8EAE-BF5A-486C-A8C5-ECC9F3942E4B}">
+                <a14:imgProps xmlns:a14="http://schemas.microsoft.com/office/drawing/2010/main">
+                  <a14:imgLayer r:embed="rId5">
+                    <a14:imgEffect>
+                      <a14:sharpenSoften amount="50000"/>
+                    </a14:imgEffect>
+                  </a14:imgLayer>
+                </a14:imgProps>
+              </a:ext>
+            </a:extLst>
+          </a:blip>
           <a:stretch>
             <a:fillRect/>
           </a:stretch>
         </p:blipFill>
         <p:spPr>
           <a:xfrm>
-            <a:off x="729648" y="1938010"/>
-            <a:ext cx="2585866" cy="1279323"/>
+            <a:off x="358761" y="4665109"/>
+            <a:ext cx="3117209" cy="734771"/>
+          </a:xfrm>
+          <a:prstGeom prst="rect">
+            <a:avLst/>
+          </a:prstGeom>
+        </p:spPr>
+      </p:pic>
+    </p:spTree>
+    <p:extLst>
+      <p:ext uri="{BB962C8B-B14F-4D97-AF65-F5344CB8AC3E}">
+        <p14:creationId xmlns:p14="http://schemas.microsoft.com/office/powerpoint/2010/main" val="2046605215"/>
+      </p:ext>
+    </p:extLst>
+  </p:cSld>
+  <p:clrMapOvr>
+    <a:masterClrMapping/>
+  </p:clrMapOvr>
+</p:sld>
+</file>
+
+<file path=ppt/slides/slide5.xml><?xml version="1.0" encoding="utf-8"?>
+<p:sld xmlns:a="http://schemas.openxmlformats.org/drawingml/2006/main" xmlns:r="http://schemas.openxmlformats.org/officeDocument/2006/relationships" xmlns:p="http://schemas.openxmlformats.org/presentationml/2006/main">
+  <p:cSld>
+    <p:spTree>
+      <p:nvGrpSpPr>
+        <p:cNvPr id="1" name=""/>
+        <p:cNvGrpSpPr/>
+        <p:nvPr/>
+      </p:nvGrpSpPr>
+      <p:grpSpPr>
+        <a:xfrm>
+          <a:off x="0" y="0"/>
+          <a:ext cx="0" cy="0"/>
+          <a:chOff x="0" y="0"/>
+          <a:chExt cx="0" cy="0"/>
+        </a:xfrm>
+      </p:grpSpPr>
+      <p:sp>
+        <p:nvSpPr>
+          <p:cNvPr id="17" name="Rectangle 16"/>
+          <p:cNvSpPr/>
+          <p:nvPr/>
+        </p:nvSpPr>
+        <p:spPr>
+          <a:xfrm>
+            <a:off x="4039557" y="179880"/>
+            <a:ext cx="7040235" cy="10440000"/>
+          </a:xfrm>
+          <a:prstGeom prst="rect">
+            <a:avLst/>
+          </a:prstGeom>
+          <a:ln w="57150"/>
+        </p:spPr>
+        <p:style>
+          <a:lnRef idx="2">
+            <a:schemeClr val="dk1"/>
+          </a:lnRef>
+          <a:fillRef idx="1">
+            <a:schemeClr val="lt1"/>
+          </a:fillRef>
+          <a:effectRef idx="0">
+            <a:schemeClr val="dk1"/>
+          </a:effectRef>
+          <a:fontRef idx="minor">
+            <a:schemeClr val="dk1"/>
+          </a:fontRef>
+        </p:style>
+        <p:txBody>
+          <a:bodyPr rtlCol="0" anchor="ctr"/>
+          <a:lstStyle/>
+          <a:p>
+            <a:pPr marL="72000"/>
+            <a:r>
+              <a:rPr lang="fr-FR" dirty="0"/>
+              <a:t>Calculer le couple moteur pour une puissance de 5,5 kW et une vitesse de rotation de 1450 tr/min.</a:t>
+            </a:r>
+          </a:p>
+          <a:p>
+            <a:pPr marL="72000"/>
+            <a:r>
+              <a:rPr lang="fr-FR" dirty="0"/>
+              <a:t>…………………………………………………………………………………………………………………..</a:t>
+            </a:r>
+          </a:p>
+          <a:p>
+            <a:pPr marL="72000"/>
+            <a:r>
+              <a:rPr lang="fr-FR" dirty="0"/>
+              <a:t>……………………V =  ……… × 9550……………………………………………………………..</a:t>
+            </a:r>
+          </a:p>
+          <a:p>
+            <a:pPr marL="72000"/>
+            <a:r>
+              <a:rPr lang="fr-FR" dirty="0"/>
+              <a:t>…………………………………………………………………………………………………………………..</a:t>
+            </a:r>
+          </a:p>
+          <a:p>
+            <a:pPr marL="72000"/>
+            <a:r>
+              <a:rPr lang="fr-FR" dirty="0"/>
+              <a:t>…………………………………………………………………………………………………………………..</a:t>
+            </a:r>
+          </a:p>
+          <a:p>
+            <a:pPr marL="72000"/>
+            <a:endParaRPr lang="fr-FR" dirty="0"/>
+          </a:p>
+          <a:p>
+            <a:pPr marL="72000"/>
+            <a:endParaRPr lang="fr-FR" dirty="0"/>
+          </a:p>
+          <a:p>
+            <a:pPr marL="72000"/>
+            <a:endParaRPr lang="fr-FR" dirty="0"/>
+          </a:p>
+          <a:p>
+            <a:pPr marL="72000"/>
+            <a:r>
+              <a:rPr lang="fr-FR" dirty="0"/>
+              <a:t>Calculer le couple moteur pour une puissance de 3,2 kW et une vitesse de rotation de 2800 tr/min</a:t>
+            </a:r>
+          </a:p>
+          <a:p>
+            <a:pPr marL="72000"/>
+            <a:r>
+              <a:rPr lang="fr-FR" dirty="0"/>
+              <a:t>…………………………………………………………………………………………………………………..</a:t>
+            </a:r>
+          </a:p>
+          <a:p>
+            <a:pPr marL="72000"/>
+            <a:r>
+              <a:rPr lang="fr-FR" dirty="0"/>
+              <a:t>…………………………………………………………………………………………………………………..</a:t>
+            </a:r>
+          </a:p>
+          <a:p>
+            <a:pPr marL="72000"/>
+            <a:r>
+              <a:rPr lang="fr-FR" dirty="0"/>
+              <a:t>…………………………………………………………………………………………………………………..</a:t>
+            </a:r>
+          </a:p>
+          <a:p>
+            <a:pPr marL="72000"/>
+            <a:r>
+              <a:rPr lang="fr-FR" dirty="0"/>
+              <a:t>…………………………………………………………………………………………………………………..</a:t>
+            </a:r>
+          </a:p>
+          <a:p>
+            <a:pPr marL="72000"/>
+            <a:endParaRPr lang="fr-FR" dirty="0"/>
+          </a:p>
+          <a:p>
+            <a:pPr marL="72000"/>
+            <a:endParaRPr lang="fr-FR" dirty="0"/>
+          </a:p>
+          <a:p>
+            <a:pPr marL="72000"/>
+            <a:endParaRPr lang="fr-FR" dirty="0"/>
+          </a:p>
+          <a:p>
+            <a:pPr marL="72000"/>
+            <a:r>
+              <a:rPr lang="fr-FR" dirty="0"/>
+              <a:t>Calculer le couple moteur pour une puissance de 7,5 kW et une vitesse de rotation de 1500 tr/min.</a:t>
+            </a:r>
+          </a:p>
+          <a:p>
+            <a:pPr marL="72000"/>
+            <a:r>
+              <a:rPr lang="fr-FR" dirty="0"/>
+              <a:t>…………………………………………………………………………………………………………………..</a:t>
+            </a:r>
+          </a:p>
+          <a:p>
+            <a:pPr marL="72000"/>
+            <a:r>
+              <a:rPr lang="fr-FR" dirty="0"/>
+              <a:t>…………………………………………………………………………………………………………………..</a:t>
+            </a:r>
+          </a:p>
+          <a:p>
+            <a:pPr marL="72000"/>
+            <a:r>
+              <a:rPr lang="fr-FR" dirty="0"/>
+              <a:t>…………………………………………………………………………………………………………………..</a:t>
+            </a:r>
+          </a:p>
+          <a:p>
+            <a:pPr marL="72000"/>
+            <a:r>
+              <a:rPr lang="fr-FR" dirty="0"/>
+              <a:t>…………………………………………………………………………………………………………………..</a:t>
+            </a:r>
+          </a:p>
+          <a:p>
+            <a:pPr marL="72000"/>
+            <a:endParaRPr lang="fr-FR" dirty="0"/>
+          </a:p>
+          <a:p>
+            <a:pPr marL="72000"/>
+            <a:endParaRPr lang="fr-FR" dirty="0"/>
+          </a:p>
+          <a:p>
+            <a:pPr marL="72000"/>
+            <a:endParaRPr lang="fr-FR" dirty="0"/>
+          </a:p>
+          <a:p>
+            <a:pPr marL="72000"/>
+            <a:r>
+              <a:rPr lang="fr-FR" dirty="0"/>
+              <a:t>Calculer le couple moteur de 450 chevaux d'un mécanicien de 37 ans ayant 3 enfants, qui travaille sur un moteur électrique de 4,2 kW tournant à 2950 tr/min tout en mangeant un sandwich de 3 kilos.</a:t>
+            </a:r>
+          </a:p>
+          <a:p>
+            <a:pPr marL="72000"/>
+            <a:r>
+              <a:rPr lang="fr-FR" dirty="0"/>
+              <a:t>…………………………………………………………………………………………………………………..</a:t>
+            </a:r>
+          </a:p>
+          <a:p>
+            <a:pPr marL="72000"/>
+            <a:r>
+              <a:rPr lang="fr-FR" dirty="0"/>
+              <a:t>…………………………………………………………………………………………………………………..</a:t>
+            </a:r>
+          </a:p>
+          <a:p>
+            <a:pPr marL="72000"/>
+            <a:r>
+              <a:rPr lang="fr-FR" dirty="0"/>
+              <a:t>…………………………………………………………………………………………………………………..</a:t>
+            </a:r>
+          </a:p>
+          <a:p>
+            <a:pPr marL="72000"/>
+            <a:r>
+              <a:rPr lang="fr-FR" dirty="0"/>
+              <a:t>…………………………………………………………………………………………………………………..</a:t>
+            </a:r>
+          </a:p>
+        </p:txBody>
+      </p:sp>
+      <p:sp>
+        <p:nvSpPr>
+          <p:cNvPr id="18" name="Rectangle 17"/>
+          <p:cNvSpPr/>
+          <p:nvPr/>
+        </p:nvSpPr>
+        <p:spPr>
+          <a:xfrm>
+            <a:off x="142517" y="1390649"/>
+            <a:ext cx="3763202" cy="9229231"/>
+          </a:xfrm>
+          <a:prstGeom prst="rect">
+            <a:avLst/>
+          </a:prstGeom>
+          <a:ln w="57150"/>
+        </p:spPr>
+        <p:style>
+          <a:lnRef idx="2">
+            <a:schemeClr val="dk1"/>
+          </a:lnRef>
+          <a:fillRef idx="1">
+            <a:schemeClr val="lt1"/>
+          </a:fillRef>
+          <a:effectRef idx="0">
+            <a:schemeClr val="dk1"/>
+          </a:effectRef>
+          <a:fontRef idx="minor">
+            <a:schemeClr val="dk1"/>
+          </a:fontRef>
+        </p:style>
+        <p:txBody>
+          <a:bodyPr rtlCol="0" anchor="t"/>
+          <a:lstStyle/>
+          <a:p>
+            <a:pPr marL="72000"/>
+            <a:endParaRPr lang="fr-FR" sz="1600" dirty="0">
+              <a:cs typeface="Arial" panose="020B0604020202020204" pitchFamily="34" charset="0"/>
+            </a:endParaRPr>
+          </a:p>
+          <a:p>
+            <a:pPr marL="72000"/>
+            <a:r>
+              <a:rPr lang="fr-FR" sz="1600" b="1" dirty="0">
+                <a:cs typeface="Arial" panose="020B0604020202020204" pitchFamily="34" charset="0"/>
+              </a:rPr>
+              <a:t>La formule :</a:t>
+            </a:r>
+          </a:p>
+          <a:p>
+            <a:pPr marL="72000"/>
+            <a:endParaRPr lang="fr-FR" sz="1600" dirty="0">
+              <a:cs typeface="Arial" panose="020B0604020202020204" pitchFamily="34" charset="0"/>
+            </a:endParaRPr>
+          </a:p>
+          <a:p>
+            <a:pPr marL="72000"/>
+            <a:endParaRPr lang="fr-FR" sz="1600" dirty="0">
+              <a:cs typeface="Arial" panose="020B0604020202020204" pitchFamily="34" charset="0"/>
+            </a:endParaRPr>
+          </a:p>
+          <a:p>
+            <a:pPr marL="72000"/>
+            <a:endParaRPr lang="fr-FR" sz="1600" dirty="0">
+              <a:cs typeface="Arial" panose="020B0604020202020204" pitchFamily="34" charset="0"/>
+            </a:endParaRPr>
+          </a:p>
+          <a:p>
+            <a:pPr marL="72000"/>
+            <a:endParaRPr lang="fr-FR" sz="1600" dirty="0">
+              <a:cs typeface="Arial" panose="020B0604020202020204" pitchFamily="34" charset="0"/>
+            </a:endParaRPr>
+          </a:p>
+          <a:p>
+            <a:pPr marL="72000"/>
+            <a:endParaRPr lang="fr-FR" sz="1600" dirty="0">
+              <a:cs typeface="Arial" panose="020B0604020202020204" pitchFamily="34" charset="0"/>
+            </a:endParaRPr>
+          </a:p>
+          <a:p>
+            <a:pPr marL="72000"/>
+            <a:endParaRPr lang="fr-FR" sz="1600" dirty="0">
+              <a:cs typeface="Arial" panose="020B0604020202020204" pitchFamily="34" charset="0"/>
+            </a:endParaRPr>
+          </a:p>
+          <a:p>
+            <a:pPr marL="72000"/>
+            <a:r>
+              <a:rPr lang="fr-FR" sz="1600" b="1" dirty="0"/>
+              <a:t>C : </a:t>
+            </a:r>
+            <a:r>
+              <a:rPr lang="fr-FR" sz="1600" dirty="0"/>
+              <a:t>couple moteur en Newton-mètre (Nm)</a:t>
+            </a:r>
+          </a:p>
+          <a:p>
+            <a:pPr marL="72000"/>
+            <a:r>
+              <a:rPr lang="fr-FR" sz="1600" b="1" dirty="0"/>
+              <a:t>P : </a:t>
+            </a:r>
+            <a:r>
+              <a:rPr lang="fr-FR" sz="1600" dirty="0"/>
+              <a:t>puissance en kilowatts (kW)</a:t>
+            </a:r>
+          </a:p>
+          <a:p>
+            <a:pPr marL="72000"/>
+            <a:r>
+              <a:rPr lang="fr-FR" sz="1600" b="1" dirty="0"/>
+              <a:t>N : </a:t>
+            </a:r>
+            <a:r>
+              <a:rPr lang="fr-FR" sz="1600" dirty="0"/>
+              <a:t>vitesse de rotation en tours par minute (tr/min)</a:t>
+            </a:r>
+          </a:p>
+          <a:p>
+            <a:pPr marL="72000"/>
+            <a:r>
+              <a:rPr lang="fr-FR" sz="1600" b="1" dirty="0"/>
+              <a:t>9550 </a:t>
+            </a:r>
+            <a:r>
+              <a:rPr lang="fr-FR" sz="1600" dirty="0"/>
+              <a:t>: constante liée aux unités (conversion pour avoir Nm)</a:t>
+            </a:r>
+          </a:p>
+          <a:p>
+            <a:pPr marL="72000"/>
+            <a:endParaRPr lang="fr-FR" sz="1600" dirty="0"/>
+          </a:p>
+          <a:p>
+            <a:pPr marL="72000"/>
+            <a:r>
+              <a:rPr lang="fr-FR" sz="1600" b="1" dirty="0"/>
+              <a:t>Explication :</a:t>
+            </a:r>
+          </a:p>
+          <a:p>
+            <a:pPr marL="72000"/>
+            <a:endParaRPr lang="fr-FR" sz="1600" b="1" dirty="0"/>
+          </a:p>
+          <a:p>
+            <a:pPr marL="72000"/>
+            <a:r>
+              <a:rPr lang="fr-FR" sz="1600" dirty="0"/>
+              <a:t>Le couple moteur correspond à la force de rotation produite par un moteur sur son axe.</a:t>
+            </a:r>
+          </a:p>
+          <a:p>
+            <a:pPr marL="72000"/>
+            <a:r>
+              <a:rPr lang="fr-FR" sz="1600" dirty="0"/>
+              <a:t>La formule lie la puissance délivrée et la vitesse de rotation pour déterminer la force disponible au niveau de l'arbre moteur.</a:t>
+            </a:r>
+          </a:p>
+          <a:p>
+            <a:pPr marL="72000"/>
+            <a:r>
+              <a:rPr lang="fr-FR" sz="1600" dirty="0"/>
+              <a:t>La puissance multipliée par 9550 donne une valeur intermédiaire adaptée aux unités utilisées (kW et tr/min).</a:t>
+            </a:r>
+          </a:p>
+          <a:p>
+            <a:pPr marL="72000"/>
+            <a:endParaRPr lang="fr-FR" sz="1600" dirty="0">
+              <a:cs typeface="Arial" panose="020B0604020202020204" pitchFamily="34" charset="0"/>
+            </a:endParaRPr>
+          </a:p>
+          <a:p>
+            <a:pPr marL="72000"/>
+            <a:endParaRPr lang="fr-FR" sz="1600" dirty="0">
+              <a:cs typeface="Arial" panose="020B0604020202020204" pitchFamily="34" charset="0"/>
+            </a:endParaRPr>
+          </a:p>
+          <a:p>
+            <a:pPr marL="72000"/>
+            <a:endParaRPr lang="fr-FR" sz="1600" dirty="0">
+              <a:cs typeface="Arial" panose="020B0604020202020204" pitchFamily="34" charset="0"/>
+            </a:endParaRPr>
+          </a:p>
+        </p:txBody>
+      </p:sp>
+      <p:sp>
+        <p:nvSpPr>
+          <p:cNvPr id="19" name="Rectangle 18"/>
+          <p:cNvSpPr/>
+          <p:nvPr/>
+        </p:nvSpPr>
+        <p:spPr>
+          <a:xfrm>
+            <a:off x="11213630" y="179881"/>
+            <a:ext cx="3726044" cy="10440000"/>
+          </a:xfrm>
+          <a:prstGeom prst="rect">
+            <a:avLst/>
+          </a:prstGeom>
+          <a:ln w="57150"/>
+        </p:spPr>
+        <p:style>
+          <a:lnRef idx="2">
+            <a:schemeClr val="dk1"/>
+          </a:lnRef>
+          <a:fillRef idx="1">
+            <a:schemeClr val="lt1"/>
+          </a:fillRef>
+          <a:effectRef idx="0">
+            <a:schemeClr val="dk1"/>
+          </a:effectRef>
+          <a:fontRef idx="minor">
+            <a:schemeClr val="dk1"/>
+          </a:fontRef>
+        </p:style>
+        <p:txBody>
+          <a:bodyPr rtlCol="0" anchor="b"/>
+          <a:lstStyle/>
+          <a:p>
+            <a:endParaRPr lang="fr-FR" sz="1400" dirty="0"/>
+          </a:p>
+        </p:txBody>
+      </p:sp>
+      <p:sp>
+        <p:nvSpPr>
+          <p:cNvPr id="25" name="Rectangle 24"/>
+          <p:cNvSpPr/>
+          <p:nvPr/>
+        </p:nvSpPr>
+        <p:spPr>
+          <a:xfrm>
+            <a:off x="142517" y="179881"/>
+            <a:ext cx="3763201" cy="1067028"/>
+          </a:xfrm>
+          <a:prstGeom prst="rect">
+            <a:avLst/>
+          </a:prstGeom>
+          <a:ln w="57150"/>
+        </p:spPr>
+        <p:style>
+          <a:lnRef idx="2">
+            <a:schemeClr val="dk1"/>
+          </a:lnRef>
+          <a:fillRef idx="1">
+            <a:schemeClr val="lt1"/>
+          </a:fillRef>
+          <a:effectRef idx="0">
+            <a:schemeClr val="dk1"/>
+          </a:effectRef>
+          <a:fontRef idx="minor">
+            <a:schemeClr val="dk1"/>
+          </a:fontRef>
+        </p:style>
+        <p:txBody>
+          <a:bodyPr rtlCol="0" anchor="ctr"/>
+          <a:lstStyle/>
+          <a:p>
+            <a:pPr algn="ctr"/>
+            <a:r>
+              <a:rPr lang="fr-FR" b="1" dirty="0">
+                <a:latin typeface="Comic Sans MS" panose="030F0702030302020204" pitchFamily="66" charset="0"/>
+                <a:ea typeface="JetBrains Mono" panose="02000009000000000000" pitchFamily="49" charset="0"/>
+                <a:cs typeface="JetBrains Mono" panose="02000009000000000000" pitchFamily="49" charset="0"/>
+              </a:rPr>
+              <a:t>Sujet : </a:t>
+            </a:r>
+            <a:r>
+              <a:rPr lang="fr-FR" b="1" dirty="0"/>
+              <a:t>Le couple moteur </a:t>
+            </a:r>
+            <a:endParaRPr lang="fr-FR" b="1" dirty="0">
+              <a:latin typeface="Comic Sans MS" panose="030F0702030302020204" pitchFamily="66" charset="0"/>
+              <a:ea typeface="JetBrains Mono" panose="02000009000000000000" pitchFamily="49" charset="0"/>
+              <a:cs typeface="JetBrains Mono" panose="02000009000000000000" pitchFamily="49" charset="0"/>
+            </a:endParaRPr>
+          </a:p>
+        </p:txBody>
+      </p:sp>
+      <p:pic>
+        <p:nvPicPr>
+          <p:cNvPr id="6" name="Picture 5">
+            <a:extLst>
+              <a:ext uri="{FF2B5EF4-FFF2-40B4-BE49-F238E27FC236}">
+                <a16:creationId xmlns:a16="http://schemas.microsoft.com/office/drawing/2014/main" id="{94D04901-2583-4D56-94E4-18A708B5FCD9}"/>
+              </a:ext>
+            </a:extLst>
+          </p:cNvPr>
+          <p:cNvPicPr>
+            <a:picLocks noChangeAspect="1"/>
+          </p:cNvPicPr>
+          <p:nvPr/>
+        </p:nvPicPr>
+        <p:blipFill rotWithShape="1">
+          <a:blip r:embed="rId2">
+            <a:extLst>
+              <a:ext uri="{BEBA8EAE-BF5A-486C-A8C5-ECC9F3942E4B}">
+                <a14:imgProps xmlns:a14="http://schemas.microsoft.com/office/drawing/2010/main">
+                  <a14:imgLayer r:embed="rId3">
+                    <a14:imgEffect>
+                      <a14:sharpenSoften amount="25000"/>
+                    </a14:imgEffect>
+                    <a14:imgEffect>
+                      <a14:saturation sat="200000"/>
+                    </a14:imgEffect>
+                    <a14:imgEffect>
+                      <a14:brightnessContrast contrast="40000"/>
+                    </a14:imgEffect>
+                  </a14:imgLayer>
+                </a14:imgProps>
+              </a:ext>
+              <a:ext uri="{28A0092B-C50C-407E-A947-70E740481C1C}">
+                <a14:useLocalDpi xmlns:a14="http://schemas.microsoft.com/office/drawing/2010/main" val="0"/>
+              </a:ext>
+            </a:extLst>
+          </a:blip>
+          <a:srcRect l="49612" r="1"/>
+          <a:stretch/>
+        </p:blipFill>
+        <p:spPr>
+          <a:xfrm>
+            <a:off x="11386461" y="319213"/>
+            <a:ext cx="3374128" cy="10161335"/>
           </a:xfrm>
           <a:prstGeom prst="rect">
             <a:avLst/>
@@ -6022,10 +6636,10 @@
       </p:pic>
       <p:pic>
         <p:nvPicPr>
-          <p:cNvPr id="3" name="Picture 2">
+          <p:cNvPr id="2" name="Picture 1">
             <a:extLst>
               <a:ext uri="{FF2B5EF4-FFF2-40B4-BE49-F238E27FC236}">
-                <a16:creationId xmlns:a16="http://schemas.microsoft.com/office/drawing/2014/main" id="{238B08E4-D7A0-4152-BBCA-C475E1A0AFBD}"/>
+                <a16:creationId xmlns:a16="http://schemas.microsoft.com/office/drawing/2014/main" id="{30BD3123-38F8-41AF-A5A4-14632F589FC3}"/>
               </a:ext>
             </a:extLst>
           </p:cNvPr>
@@ -6035,25 +6649,62 @@
           <p:nvPr/>
         </p:nvPicPr>
         <p:blipFill>
-          <a:blip r:embed="rId3"/>
+          <a:blip r:embed="rId4"/>
           <a:stretch>
             <a:fillRect/>
           </a:stretch>
         </p:blipFill>
         <p:spPr>
           <a:xfrm>
-            <a:off x="4296938" y="731222"/>
-            <a:ext cx="6525471" cy="3692897"/>
+            <a:off x="803152" y="2203131"/>
+            <a:ext cx="2441930" cy="1098869"/>
           </a:xfrm>
           <a:prstGeom prst="rect">
             <a:avLst/>
           </a:prstGeom>
         </p:spPr>
       </p:pic>
+      <p:cxnSp>
+        <p:nvCxnSpPr>
+          <p:cNvPr id="9" name="Straight Connector 8">
+            <a:extLst>
+              <a:ext uri="{FF2B5EF4-FFF2-40B4-BE49-F238E27FC236}">
+                <a16:creationId xmlns:a16="http://schemas.microsoft.com/office/drawing/2014/main" id="{20BDAA89-9D72-4769-9A68-CC1A98C4F9C6}"/>
+              </a:ext>
+            </a:extLst>
+          </p:cNvPr>
+          <p:cNvCxnSpPr/>
+          <p:nvPr/>
+        </p:nvCxnSpPr>
+        <p:spPr>
+          <a:xfrm>
+            <a:off x="5266265" y="1761066"/>
+            <a:ext cx="2150534" cy="0"/>
+          </a:xfrm>
+          <a:prstGeom prst="line">
+            <a:avLst/>
+          </a:prstGeom>
+          <a:ln w="28575"/>
+        </p:spPr>
+        <p:style>
+          <a:lnRef idx="2">
+            <a:schemeClr val="dk1"/>
+          </a:lnRef>
+          <a:fillRef idx="0">
+            <a:schemeClr val="dk1"/>
+          </a:fillRef>
+          <a:effectRef idx="1">
+            <a:schemeClr val="dk1"/>
+          </a:effectRef>
+          <a:fontRef idx="minor">
+            <a:schemeClr val="tx1"/>
+          </a:fontRef>
+        </p:style>
+      </p:cxnSp>
     </p:spTree>
     <p:extLst>
       <p:ext uri="{BB962C8B-B14F-4D97-AF65-F5344CB8AC3E}">
-        <p14:creationId xmlns:p14="http://schemas.microsoft.com/office/powerpoint/2010/main" val="2358302310"/>
+        <p14:creationId xmlns:p14="http://schemas.microsoft.com/office/powerpoint/2010/main" val="257297443"/>
       </p:ext>
     </p:extLst>
   </p:cSld>

--- a/Dossier Co-FR/La boite à épice - interrogation.pptx
+++ b/Dossier Co-FR/La boite à épice - interrogation.pptx
@@ -5,17 +5,16 @@
     <p:sldMasterId id="2147483660" r:id="rId1"/>
   </p:sldMasterIdLst>
   <p:notesMasterIdLst>
-    <p:notesMasterId r:id="rId7"/>
+    <p:notesMasterId r:id="rId6"/>
   </p:notesMasterIdLst>
   <p:handoutMasterIdLst>
-    <p:handoutMasterId r:id="rId8"/>
+    <p:handoutMasterId r:id="rId7"/>
   </p:handoutMasterIdLst>
   <p:sldIdLst>
     <p:sldId id="334" r:id="rId2"/>
     <p:sldId id="335" r:id="rId3"/>
     <p:sldId id="336" r:id="rId4"/>
-    <p:sldId id="338" r:id="rId5"/>
-    <p:sldId id="339" r:id="rId6"/>
+    <p:sldId id="340" r:id="rId5"/>
   </p:sldIdLst>
   <p:sldSz cx="15119350" cy="10799763"/>
   <p:notesSz cx="6797675" cy="9926638"/>
@@ -207,7 +206,7 @@
           <a:p>
             <a:fld id="{175ECC00-C06A-4323-852F-768318D8586A}" type="datetimeFigureOut">
               <a:rPr lang="fr-FR" smtClean="0"/>
-              <a:t>27/04/2025</a:t>
+              <a:t>03/05/2025</a:t>
             </a:fld>
             <a:endParaRPr lang="fr-FR"/>
           </a:p>
@@ -372,7 +371,7 @@
           <a:p>
             <a:fld id="{AE8DAB01-C85E-4F33-91A5-B6D112914A5D}" type="datetimeFigureOut">
               <a:rPr lang="fr-FR" smtClean="0"/>
-              <a:t>27/04/2025</a:t>
+              <a:t>03/05/2025</a:t>
             </a:fld>
             <a:endParaRPr lang="fr-FR"/>
           </a:p>
@@ -771,7 +770,7 @@
           <a:p>
             <a:fld id="{A69F3118-5675-4AEB-B17B-1E109ACFC119}" type="datetimeFigureOut">
               <a:rPr lang="fr-FR" smtClean="0"/>
-              <a:t>27/04/2025</a:t>
+              <a:t>03/05/2025</a:t>
             </a:fld>
             <a:endParaRPr lang="fr-FR"/>
           </a:p>
@@ -941,7 +940,7 @@
           <a:p>
             <a:fld id="{A69F3118-5675-4AEB-B17B-1E109ACFC119}" type="datetimeFigureOut">
               <a:rPr lang="fr-FR" smtClean="0"/>
-              <a:t>27/04/2025</a:t>
+              <a:t>03/05/2025</a:t>
             </a:fld>
             <a:endParaRPr lang="fr-FR"/>
           </a:p>
@@ -1121,7 +1120,7 @@
           <a:p>
             <a:fld id="{A69F3118-5675-4AEB-B17B-1E109ACFC119}" type="datetimeFigureOut">
               <a:rPr lang="fr-FR" smtClean="0"/>
-              <a:t>27/04/2025</a:t>
+              <a:t>03/05/2025</a:t>
             </a:fld>
             <a:endParaRPr lang="fr-FR"/>
           </a:p>
@@ -1291,7 +1290,7 @@
           <a:p>
             <a:fld id="{A69F3118-5675-4AEB-B17B-1E109ACFC119}" type="datetimeFigureOut">
               <a:rPr lang="fr-FR" smtClean="0"/>
-              <a:t>27/04/2025</a:t>
+              <a:t>03/05/2025</a:t>
             </a:fld>
             <a:endParaRPr lang="fr-FR"/>
           </a:p>
@@ -1535,7 +1534,7 @@
           <a:p>
             <a:fld id="{A69F3118-5675-4AEB-B17B-1E109ACFC119}" type="datetimeFigureOut">
               <a:rPr lang="fr-FR" smtClean="0"/>
-              <a:t>27/04/2025</a:t>
+              <a:t>03/05/2025</a:t>
             </a:fld>
             <a:endParaRPr lang="fr-FR"/>
           </a:p>
@@ -1767,7 +1766,7 @@
           <a:p>
             <a:fld id="{A69F3118-5675-4AEB-B17B-1E109ACFC119}" type="datetimeFigureOut">
               <a:rPr lang="fr-FR" smtClean="0"/>
-              <a:t>27/04/2025</a:t>
+              <a:t>03/05/2025</a:t>
             </a:fld>
             <a:endParaRPr lang="fr-FR"/>
           </a:p>
@@ -2134,7 +2133,7 @@
           <a:p>
             <a:fld id="{A69F3118-5675-4AEB-B17B-1E109ACFC119}" type="datetimeFigureOut">
               <a:rPr lang="fr-FR" smtClean="0"/>
-              <a:t>27/04/2025</a:t>
+              <a:t>03/05/2025</a:t>
             </a:fld>
             <a:endParaRPr lang="fr-FR"/>
           </a:p>
@@ -2252,7 +2251,7 @@
           <a:p>
             <a:fld id="{A69F3118-5675-4AEB-B17B-1E109ACFC119}" type="datetimeFigureOut">
               <a:rPr lang="fr-FR" smtClean="0"/>
-              <a:t>27/04/2025</a:t>
+              <a:t>03/05/2025</a:t>
             </a:fld>
             <a:endParaRPr lang="fr-FR"/>
           </a:p>
@@ -2347,7 +2346,7 @@
           <a:p>
             <a:fld id="{A69F3118-5675-4AEB-B17B-1E109ACFC119}" type="datetimeFigureOut">
               <a:rPr lang="fr-FR" smtClean="0"/>
-              <a:t>27/04/2025</a:t>
+              <a:t>03/05/2025</a:t>
             </a:fld>
             <a:endParaRPr lang="fr-FR"/>
           </a:p>
@@ -2624,7 +2623,7 @@
           <a:p>
             <a:fld id="{A69F3118-5675-4AEB-B17B-1E109ACFC119}" type="datetimeFigureOut">
               <a:rPr lang="fr-FR" smtClean="0"/>
-              <a:t>27/04/2025</a:t>
+              <a:t>03/05/2025</a:t>
             </a:fld>
             <a:endParaRPr lang="fr-FR"/>
           </a:p>
@@ -2881,7 +2880,7 @@
           <a:p>
             <a:fld id="{A69F3118-5675-4AEB-B17B-1E109ACFC119}" type="datetimeFigureOut">
               <a:rPr lang="fr-FR" smtClean="0"/>
-              <a:t>27/04/2025</a:t>
+              <a:t>03/05/2025</a:t>
             </a:fld>
             <a:endParaRPr lang="fr-FR"/>
           </a:p>
@@ -3094,7 +3093,7 @@
           <a:p>
             <a:fld id="{A69F3118-5675-4AEB-B17B-1E109ACFC119}" type="datetimeFigureOut">
               <a:rPr lang="fr-FR" smtClean="0"/>
-              <a:t>27/04/2025</a:t>
+              <a:t>03/05/2025</a:t>
             </a:fld>
             <a:endParaRPr lang="fr-FR"/>
           </a:p>
@@ -5567,41 +5566,105 @@
           </a:fontRef>
         </p:style>
         <p:txBody>
-          <a:bodyPr rtlCol="0" anchor="ctr"/>
+          <a:bodyPr rtlCol="0" anchor="b"/>
           <a:lstStyle/>
           <a:p>
             <a:pPr marL="72000"/>
+            <a:endParaRPr lang="fr-FR" b="1" dirty="0"/>
+          </a:p>
+          <a:p>
+            <a:pPr marL="72000"/>
             <a:r>
               <a:rPr lang="fr-FR" dirty="0"/>
-              <a:t>Calculer la vitesse de chute libre pour un objet avec une accélération gravitationnelle de 9,81 m/s². Cette objet tombe du haut d’un bâtiment de 15 mètres</a:t>
-            </a:r>
+              <a:t>1. Remplir le tableau ci-dessus </a:t>
+            </a:r>
+          </a:p>
+          <a:p>
+            <a:pPr marL="72000"/>
+            <a:endParaRPr lang="fr-FR" dirty="0"/>
           </a:p>
           <a:p>
             <a:pPr marL="72000"/>
             <a:r>
               <a:rPr lang="fr-FR" dirty="0"/>
-              <a:t>…………………………………………………………………………………………………………………..</a:t>
+              <a:t>2. La longueur totale de tous les bouts de bois.</a:t>
             </a:r>
           </a:p>
           <a:p>
             <a:pPr marL="72000"/>
             <a:r>
               <a:rPr lang="fr-FR" dirty="0"/>
-              <a:t>……………………V = √(2 × ……… × ……………………………………………………………..</a:t>
+              <a:t>………………………………………………………………………………………………………………….</a:t>
             </a:r>
           </a:p>
           <a:p>
             <a:pPr marL="72000"/>
             <a:r>
               <a:rPr lang="fr-FR" dirty="0"/>
-              <a:t>…………………………………………………………………………………………………………………..</a:t>
+              <a:t>………………………………………………………………………………………………………………….</a:t>
             </a:r>
           </a:p>
           <a:p>
             <a:pPr marL="72000"/>
             <a:r>
               <a:rPr lang="fr-FR" dirty="0"/>
-              <a:t>…………………………………………………………………………………………………………………..</a:t>
+              <a:t>3. La longueur moyenne d’un bout de bois.</a:t>
+            </a:r>
+          </a:p>
+          <a:p>
+            <a:pPr marL="72000"/>
+            <a:r>
+              <a:rPr lang="fr-FR" dirty="0"/>
+              <a:t>………………………………………………………………………………………………………………….</a:t>
+            </a:r>
+          </a:p>
+          <a:p>
+            <a:pPr marL="72000"/>
+            <a:r>
+              <a:rPr lang="fr-FR" dirty="0"/>
+              <a:t>………………………………………………………………………………………………………………….</a:t>
+            </a:r>
+          </a:p>
+          <a:p>
+            <a:pPr marL="72000"/>
+            <a:r>
+              <a:rPr lang="fr-FR" dirty="0"/>
+              <a:t>4. Si le menuisier veut assembler des morceaux pour faire des planches de 30 cm, combien de combinaisons possibles peut-il faire avec les morceaux disponibles ?</a:t>
+            </a:r>
+          </a:p>
+          <a:p>
+            <a:pPr marL="72000"/>
+            <a:r>
+              <a:rPr lang="fr-FR" dirty="0"/>
+              <a:t>………………………………………………………………………………………………………………….</a:t>
+            </a:r>
+          </a:p>
+          <a:p>
+            <a:pPr marL="72000"/>
+            <a:r>
+              <a:rPr lang="fr-FR" dirty="0"/>
+              <a:t>………………………………………………………………………………………………………………….</a:t>
+            </a:r>
+          </a:p>
+          <a:p>
+            <a:pPr marL="72000"/>
+            <a:r>
+              <a:rPr lang="fr-FR" dirty="0"/>
+              <a:t>5. Si le bois est vendu 0,50 € le centimètre, quel est le coût total de tous les bouts de bois ?</a:t>
+            </a:r>
+          </a:p>
+          <a:p>
+            <a:pPr marL="72000"/>
+            <a:r>
+              <a:rPr lang="fr-FR" dirty="0"/>
+              <a:t>………………………………………………………………………………………………………………….</a:t>
+            </a:r>
+          </a:p>
+          <a:p>
+            <a:pPr marL="72000"/>
+            <a:r>
+              <a:rPr lang="fr-FR" dirty="0"/>
+              <a:t>………………………………………………………………………………………………………………….</a:t>
             </a:r>
           </a:p>
           <a:p>
@@ -5610,128 +5673,7 @@
           </a:p>
           <a:p>
             <a:pPr marL="72000"/>
-            <a:r>
-              <a:rPr lang="fr-FR" dirty="0"/>
-              <a:t>Calculer la vitesse de chute libre de 3 mètres et une accélération gravitationnelle de 9,81 m/s²</a:t>
-            </a:r>
-          </a:p>
-          <a:p>
-            <a:pPr marL="72000"/>
-            <a:r>
-              <a:rPr lang="fr-FR" dirty="0"/>
-              <a:t>…………………………………………………………………………………………………………………..</a:t>
-            </a:r>
-          </a:p>
-          <a:p>
-            <a:pPr marL="72000"/>
-            <a:r>
-              <a:rPr lang="fr-FR" dirty="0"/>
-              <a:t>…………………………………………………………………………………………………………………..</a:t>
-            </a:r>
-          </a:p>
-          <a:p>
-            <a:pPr marL="72000"/>
-            <a:r>
-              <a:rPr lang="fr-FR" dirty="0"/>
-              <a:t>…………………………………………………………………………………………………………………..</a:t>
-            </a:r>
-          </a:p>
-          <a:p>
-            <a:pPr marL="72000"/>
-            <a:r>
-              <a:rPr lang="fr-FR" dirty="0"/>
-              <a:t>…………………………………………………………………………………………………………………..</a:t>
-            </a:r>
-          </a:p>
-          <a:p>
-            <a:pPr marL="72000"/>
-            <a:endParaRPr lang="fr-FR" dirty="0"/>
-          </a:p>
-          <a:p>
-            <a:pPr marL="72000"/>
-            <a:endParaRPr lang="fr-FR" dirty="0"/>
-          </a:p>
-          <a:p>
-            <a:pPr marL="72000"/>
-            <a:endParaRPr lang="fr-FR" dirty="0"/>
-          </a:p>
-          <a:p>
-            <a:pPr marL="72000"/>
-            <a:r>
-              <a:rPr lang="fr-FR" dirty="0"/>
-              <a:t>Calculer la vitesse de chute libre pour un objet de 145 g et une accélération gravitationnelle de 9,81 m/s² lorsqu’il tombe de 600 centimètres</a:t>
-            </a:r>
-          </a:p>
-          <a:p>
-            <a:pPr marL="72000"/>
-            <a:r>
-              <a:rPr lang="fr-FR" dirty="0"/>
-              <a:t>…………………………………………………………………………………………………………………..</a:t>
-            </a:r>
-          </a:p>
-          <a:p>
-            <a:pPr marL="72000"/>
-            <a:r>
-              <a:rPr lang="fr-FR" dirty="0"/>
-              <a:t>…………………………………………………………………………………………………………………..</a:t>
-            </a:r>
-          </a:p>
-          <a:p>
-            <a:pPr marL="72000"/>
-            <a:r>
-              <a:rPr lang="fr-FR" dirty="0"/>
-              <a:t>…………………………………………………………………………………………………………………..</a:t>
-            </a:r>
-          </a:p>
-          <a:p>
-            <a:pPr marL="72000"/>
-            <a:r>
-              <a:rPr lang="fr-FR" dirty="0"/>
-              <a:t>…………………………………………………………………………………………………………………..</a:t>
-            </a:r>
-          </a:p>
-          <a:p>
-            <a:pPr marL="72000"/>
-            <a:endParaRPr lang="fr-FR" dirty="0"/>
-          </a:p>
-          <a:p>
-            <a:pPr marL="72000"/>
-            <a:endParaRPr lang="fr-FR" dirty="0"/>
-          </a:p>
-          <a:p>
-            <a:pPr marL="72000"/>
-            <a:r>
-              <a:rPr lang="fr-FR" dirty="0"/>
-              <a:t>Calculer la vitesse de chute libre d’un parachutiste de 42 ans ayant 2 enfants. Ce parachutiste saute d’un avion à 3000 m d’altitude avec une masse de 80 kg, portant des vêtements de 2kilos et une accélération gravitationnelle de 9,81 m/s². Donner les résultats en kilomètre heure si 1 m/s est égale à 3,6 kilomètre heure.</a:t>
-            </a:r>
-          </a:p>
-          <a:p>
-            <a:pPr marL="72000"/>
-            <a:r>
-              <a:rPr lang="fr-FR" dirty="0"/>
-              <a:t>…………………………………………………………………………………………………………………..</a:t>
-            </a:r>
-          </a:p>
-          <a:p>
-            <a:pPr marL="72000"/>
-            <a:r>
-              <a:rPr lang="fr-FR" dirty="0"/>
-              <a:t>…………………………………………………………………………………………………………………..</a:t>
-            </a:r>
-          </a:p>
-          <a:p>
-            <a:pPr marL="72000"/>
-            <a:r>
-              <a:rPr lang="fr-FR" dirty="0"/>
-              <a:t>…………………………………………………………………………………………………………………..</a:t>
-            </a:r>
-          </a:p>
-          <a:p>
-            <a:pPr marL="72000"/>
-            <a:r>
-              <a:rPr lang="fr-FR" dirty="0"/>
-              <a:t>…………………………………………………………………………………………………………………..</a:t>
-            </a:r>
+            <a:endParaRPr lang="fr-FR" b="1" dirty="0"/>
           </a:p>
         </p:txBody>
       </p:sp>
@@ -5777,98 +5719,44 @@
           <a:p>
             <a:pPr marL="72000"/>
             <a:r>
+              <a:rPr lang="fr-FR" b="1" dirty="0"/>
+              <a:t>Énoncé :</a:t>
+            </a:r>
+          </a:p>
+          <a:p>
+            <a:pPr marL="72000"/>
+            <a:br>
+              <a:rPr lang="fr-FR" sz="1600" dirty="0"/>
+            </a:br>
+            <a:r>
+              <a:rPr lang="fr-FR" dirty="0"/>
+              <a:t>Un menuisier a coupé des bouts de bois de différentes longueurs (en cm) :</a:t>
+            </a:r>
+          </a:p>
+          <a:p>
+            <a:pPr marL="72000"/>
+            <a:br>
+              <a:rPr lang="fr-FR" sz="1600" dirty="0"/>
+            </a:br>
+            <a:r>
+              <a:rPr lang="fr-FR" dirty="0"/>
+              <a:t>12, 15, 18, 12, 20, 15, 10, 18, 15, 12, 14, 16, 18, 10, 15</a:t>
+            </a:r>
+          </a:p>
+          <a:p>
+            <a:pPr marL="72000"/>
+            <a:endParaRPr lang="fr-FR" sz="1600" dirty="0">
+              <a:cs typeface="Arial" panose="020B0604020202020204" pitchFamily="34" charset="0"/>
+            </a:endParaRPr>
+          </a:p>
+          <a:p>
+            <a:pPr marL="72000"/>
+            <a:r>
               <a:rPr lang="fr-FR" sz="1600" b="1" dirty="0">
                 <a:cs typeface="Arial" panose="020B0604020202020204" pitchFamily="34" charset="0"/>
               </a:rPr>
-              <a:t>La formule :</a:t>
-            </a:r>
-          </a:p>
-          <a:p>
-            <a:pPr marL="72000"/>
-            <a:endParaRPr lang="fr-FR" sz="1600" dirty="0">
-              <a:cs typeface="Arial" panose="020B0604020202020204" pitchFamily="34" charset="0"/>
-            </a:endParaRPr>
-          </a:p>
-          <a:p>
-            <a:pPr marL="72000"/>
-            <a:endParaRPr lang="fr-FR" sz="1600" dirty="0">
-              <a:cs typeface="Arial" panose="020B0604020202020204" pitchFamily="34" charset="0"/>
-            </a:endParaRPr>
-          </a:p>
-          <a:p>
-            <a:pPr marL="72000"/>
-            <a:endParaRPr lang="fr-FR" sz="1600" dirty="0">
-              <a:cs typeface="Arial" panose="020B0604020202020204" pitchFamily="34" charset="0"/>
-            </a:endParaRPr>
-          </a:p>
-          <a:p>
-            <a:pPr marL="72000"/>
-            <a:endParaRPr lang="fr-FR" sz="1600" dirty="0">
-              <a:cs typeface="Arial" panose="020B0604020202020204" pitchFamily="34" charset="0"/>
-            </a:endParaRPr>
-          </a:p>
-          <a:p>
-            <a:pPr marL="72000"/>
-            <a:endParaRPr lang="fr-FR" sz="1600" dirty="0">
-              <a:cs typeface="Arial" panose="020B0604020202020204" pitchFamily="34" charset="0"/>
-            </a:endParaRPr>
-          </a:p>
-          <a:p>
-            <a:pPr marL="72000"/>
-            <a:r>
-              <a:rPr lang="fr-FR" sz="1600" b="1" dirty="0"/>
-              <a:t>V = </a:t>
-            </a:r>
-            <a:r>
-              <a:rPr lang="fr-FR" sz="1600" dirty="0"/>
-              <a:t>vitesse finale (en m/s)</a:t>
-            </a:r>
-          </a:p>
-          <a:p>
-            <a:pPr marL="72000"/>
-            <a:r>
-              <a:rPr lang="fr-FR" sz="1600" b="1" dirty="0"/>
-              <a:t>g = </a:t>
-            </a:r>
-            <a:r>
-              <a:rPr lang="fr-FR" sz="1600" dirty="0"/>
-              <a:t>accélération gravitationnelle (9,81 sur Terre)</a:t>
-            </a:r>
-          </a:p>
-          <a:p>
-            <a:pPr marL="72000"/>
-            <a:r>
-              <a:rPr lang="fr-FR" sz="1600" b="1" dirty="0"/>
-              <a:t>h = </a:t>
-            </a:r>
-            <a:r>
-              <a:rPr lang="fr-FR" sz="1600" dirty="0"/>
-              <a:t>hauteur de chute (en mètres)</a:t>
-            </a:r>
-          </a:p>
-          <a:p>
-            <a:pPr marL="72000"/>
-            <a:endParaRPr lang="fr-FR" sz="1600" dirty="0"/>
-          </a:p>
-          <a:p>
-            <a:pPr marL="72000"/>
-            <a:endParaRPr lang="fr-FR" sz="1600" b="1" dirty="0"/>
-          </a:p>
-          <a:p>
-            <a:pPr marL="72000"/>
-            <a:endParaRPr lang="fr-FR" sz="1600" dirty="0"/>
-          </a:p>
-          <a:p>
-            <a:pPr marL="72000"/>
-            <a:endParaRPr lang="fr-FR" sz="1600" dirty="0">
-              <a:cs typeface="Arial" panose="020B0604020202020204" pitchFamily="34" charset="0"/>
-            </a:endParaRPr>
-          </a:p>
-          <a:p>
-            <a:pPr marL="72000"/>
-            <a:endParaRPr lang="fr-FR" sz="1600" dirty="0">
-              <a:cs typeface="Arial" panose="020B0604020202020204" pitchFamily="34" charset="0"/>
-            </a:endParaRPr>
+              <a:t>Remplir le tableau et répondre aux questions suivantes</a:t>
+            </a:r>
           </a:p>
           <a:p>
             <a:pPr marL="72000"/>
@@ -5961,16 +5849,13 @@
             </a:r>
             <a:r>
               <a:rPr lang="fr-FR" b="1" dirty="0"/>
-              <a:t>vitesse en chute libre</a:t>
-            </a:r>
-            <a:r>
-              <a:rPr lang="fr-FR" b="1" dirty="0">
-                <a:latin typeface="Comic Sans MS" panose="030F0702030302020204" pitchFamily="66" charset="0"/>
-                <a:ea typeface="JetBrains Mono" panose="02000009000000000000" pitchFamily="49" charset="0"/>
-                <a:cs typeface="JetBrains Mono" panose="02000009000000000000" pitchFamily="49" charset="0"/>
-              </a:rPr>
-              <a:t> </a:t>
-            </a:r>
+              <a:t>Le couple moteur </a:t>
+            </a:r>
+            <a:endParaRPr lang="fr-FR" b="1" dirty="0">
+              <a:latin typeface="Comic Sans MS" panose="030F0702030302020204" pitchFamily="66" charset="0"/>
+              <a:ea typeface="JetBrains Mono" panose="02000009000000000000" pitchFamily="49" charset="0"/>
+              <a:cs typeface="JetBrains Mono" panose="02000009000000000000" pitchFamily="49" charset="0"/>
+            </a:endParaRPr>
           </a:p>
         </p:txBody>
       </p:sp>
@@ -6024,687 +5909,581 @@
           </a:prstGeom>
         </p:spPr>
       </p:pic>
-      <p:pic>
-        <p:nvPicPr>
-          <p:cNvPr id="22" name="Picture 21">
+      <p:graphicFrame>
+        <p:nvGraphicFramePr>
+          <p:cNvPr id="3" name="Table 2">
             <a:extLst>
               <a:ext uri="{FF2B5EF4-FFF2-40B4-BE49-F238E27FC236}">
-                <a16:creationId xmlns:a16="http://schemas.microsoft.com/office/drawing/2014/main" id="{FA8D5E42-7D1F-4B75-9B2D-5B3495051196}"/>
+                <a16:creationId xmlns:a16="http://schemas.microsoft.com/office/drawing/2014/main" id="{36D36A4C-F804-4CFD-8A4F-6D9788C20045}"/>
               </a:ext>
             </a:extLst>
           </p:cNvPr>
-          <p:cNvPicPr>
-            <a:picLocks noChangeAspect="1"/>
-          </p:cNvPicPr>
-          <p:nvPr/>
-        </p:nvPicPr>
-        <p:blipFill>
-          <a:blip r:embed="rId4">
-            <a:extLst>
-              <a:ext uri="{BEBA8EAE-BF5A-486C-A8C5-ECC9F3942E4B}">
-                <a14:imgProps xmlns:a14="http://schemas.microsoft.com/office/drawing/2010/main">
-                  <a14:imgLayer r:embed="rId5">
-                    <a14:imgEffect>
-                      <a14:sharpenSoften amount="50000"/>
-                    </a14:imgEffect>
-                  </a14:imgLayer>
-                </a14:imgProps>
-              </a:ext>
-            </a:extLst>
-          </a:blip>
-          <a:stretch>
-            <a:fillRect/>
-          </a:stretch>
-        </p:blipFill>
-        <p:spPr>
-          <a:xfrm>
-            <a:off x="358761" y="4665109"/>
-            <a:ext cx="3117209" cy="734771"/>
-          </a:xfrm>
-          <a:prstGeom prst="rect">
-            <a:avLst/>
-          </a:prstGeom>
-        </p:spPr>
-      </p:pic>
+          <p:cNvGraphicFramePr>
+            <a:graphicFrameLocks noGrp="1"/>
+          </p:cNvGraphicFramePr>
+          <p:nvPr>
+            <p:extLst/>
+          </p:nvPr>
+        </p:nvGraphicFramePr>
+        <p:xfrm>
+          <a:off x="4078549" y="678962"/>
+          <a:ext cx="6955996" cy="3337560"/>
+        </p:xfrm>
+        <a:graphic>
+          <a:graphicData uri="http://schemas.openxmlformats.org/drawingml/2006/table">
+            <a:tbl>
+              <a:tblPr firstRow="1" bandRow="1">
+                <a:tableStyleId>{5940675A-B579-460E-94D1-54222C63F5DA}</a:tableStyleId>
+              </a:tblPr>
+              <a:tblGrid>
+                <a:gridCol w="1738999">
+                  <a:extLst>
+                    <a:ext uri="{9D8B030D-6E8A-4147-A177-3AD203B41FA5}">
+                      <a16:colId xmlns:a16="http://schemas.microsoft.com/office/drawing/2014/main" val="891234603"/>
+                    </a:ext>
+                  </a:extLst>
+                </a:gridCol>
+                <a:gridCol w="1738999">
+                  <a:extLst>
+                    <a:ext uri="{9D8B030D-6E8A-4147-A177-3AD203B41FA5}">
+                      <a16:colId xmlns:a16="http://schemas.microsoft.com/office/drawing/2014/main" val="3242993496"/>
+                    </a:ext>
+                  </a:extLst>
+                </a:gridCol>
+                <a:gridCol w="1738999">
+                  <a:extLst>
+                    <a:ext uri="{9D8B030D-6E8A-4147-A177-3AD203B41FA5}">
+                      <a16:colId xmlns:a16="http://schemas.microsoft.com/office/drawing/2014/main" val="2039734908"/>
+                    </a:ext>
+                  </a:extLst>
+                </a:gridCol>
+                <a:gridCol w="1738999">
+                  <a:extLst>
+                    <a:ext uri="{9D8B030D-6E8A-4147-A177-3AD203B41FA5}">
+                      <a16:colId xmlns:a16="http://schemas.microsoft.com/office/drawing/2014/main" val="879502144"/>
+                    </a:ext>
+                  </a:extLst>
+                </a:gridCol>
+              </a:tblGrid>
+              <a:tr h="370840">
+                <a:tc>
+                  <a:txBody>
+                    <a:bodyPr/>
+                    <a:lstStyle/>
+                    <a:p>
+                      <a:pPr algn="ctr"/>
+                      <a:r>
+                        <a:rPr lang="fr-FR" sz="1800" dirty="0"/>
+                        <a:t>Longueur</a:t>
+                      </a:r>
+                    </a:p>
+                  </a:txBody>
+                  <a:tcPr>
+                    <a:solidFill>
+                      <a:schemeClr val="bg2"/>
+                    </a:solidFill>
+                  </a:tcPr>
+                </a:tc>
+                <a:tc>
+                  <a:txBody>
+                    <a:bodyPr/>
+                    <a:lstStyle/>
+                    <a:p>
+                      <a:pPr algn="ctr"/>
+                      <a:r>
+                        <a:rPr lang="fr-FR" sz="1800" dirty="0"/>
+                        <a:t>Quantité</a:t>
+                      </a:r>
+                    </a:p>
+                  </a:txBody>
+                  <a:tcPr>
+                    <a:solidFill>
+                      <a:schemeClr val="bg2"/>
+                    </a:solidFill>
+                  </a:tcPr>
+                </a:tc>
+                <a:tc>
+                  <a:txBody>
+                    <a:bodyPr/>
+                    <a:lstStyle/>
+                    <a:p>
+                      <a:pPr algn="ctr"/>
+                      <a:r>
+                        <a:rPr lang="fr-FR" sz="1800" dirty="0"/>
+                        <a:t>fréquence</a:t>
+                      </a:r>
+                    </a:p>
+                  </a:txBody>
+                  <a:tcPr>
+                    <a:solidFill>
+                      <a:schemeClr val="bg2"/>
+                    </a:solidFill>
+                  </a:tcPr>
+                </a:tc>
+                <a:tc>
+                  <a:txBody>
+                    <a:bodyPr/>
+                    <a:lstStyle/>
+                    <a:p>
+                      <a:pPr algn="ctr"/>
+                      <a:r>
+                        <a:rPr lang="fr-FR" sz="1800" dirty="0"/>
+                        <a:t>Pourcentage</a:t>
+                      </a:r>
+                    </a:p>
+                  </a:txBody>
+                  <a:tcPr>
+                    <a:solidFill>
+                      <a:schemeClr val="bg2"/>
+                    </a:solidFill>
+                  </a:tcPr>
+                </a:tc>
+                <a:extLst>
+                  <a:ext uri="{0D108BD9-81ED-4DB2-BD59-A6C34878D82A}">
+                    <a16:rowId xmlns:a16="http://schemas.microsoft.com/office/drawing/2014/main" val="70831072"/>
+                  </a:ext>
+                </a:extLst>
+              </a:tr>
+              <a:tr h="370840">
+                <a:tc>
+                  <a:txBody>
+                    <a:bodyPr/>
+                    <a:lstStyle/>
+                    <a:p>
+                      <a:pPr algn="ctr"/>
+                      <a:r>
+                        <a:rPr lang="fr-FR" sz="1800" dirty="0"/>
+                        <a:t>10</a:t>
+                      </a:r>
+                    </a:p>
+                  </a:txBody>
+                  <a:tcPr/>
+                </a:tc>
+                <a:tc>
+                  <a:txBody>
+                    <a:bodyPr/>
+                    <a:lstStyle/>
+                    <a:p>
+                      <a:pPr algn="ctr"/>
+                      <a:endParaRPr lang="fr-FR" sz="1800" dirty="0"/>
+                    </a:p>
+                  </a:txBody>
+                  <a:tcPr/>
+                </a:tc>
+                <a:tc>
+                  <a:txBody>
+                    <a:bodyPr/>
+                    <a:lstStyle/>
+                    <a:p>
+                      <a:pPr algn="ctr"/>
+                      <a:endParaRPr lang="fr-FR" sz="1800" dirty="0"/>
+                    </a:p>
+                  </a:txBody>
+                  <a:tcPr/>
+                </a:tc>
+                <a:tc>
+                  <a:txBody>
+                    <a:bodyPr/>
+                    <a:lstStyle/>
+                    <a:p>
+                      <a:pPr algn="ctr"/>
+                      <a:endParaRPr lang="fr-FR" sz="1800" dirty="0"/>
+                    </a:p>
+                  </a:txBody>
+                  <a:tcPr/>
+                </a:tc>
+                <a:extLst>
+                  <a:ext uri="{0D108BD9-81ED-4DB2-BD59-A6C34878D82A}">
+                    <a16:rowId xmlns:a16="http://schemas.microsoft.com/office/drawing/2014/main" val="3362828943"/>
+                  </a:ext>
+                </a:extLst>
+              </a:tr>
+              <a:tr h="370840">
+                <a:tc>
+                  <a:txBody>
+                    <a:bodyPr/>
+                    <a:lstStyle/>
+                    <a:p>
+                      <a:pPr algn="ctr"/>
+                      <a:r>
+                        <a:rPr lang="fr-FR" sz="1800" dirty="0"/>
+                        <a:t>12</a:t>
+                      </a:r>
+                    </a:p>
+                  </a:txBody>
+                  <a:tcPr/>
+                </a:tc>
+                <a:tc>
+                  <a:txBody>
+                    <a:bodyPr/>
+                    <a:lstStyle/>
+                    <a:p>
+                      <a:pPr algn="ctr"/>
+                      <a:endParaRPr lang="fr-FR" sz="1800" dirty="0"/>
+                    </a:p>
+                  </a:txBody>
+                  <a:tcPr/>
+                </a:tc>
+                <a:tc>
+                  <a:txBody>
+                    <a:bodyPr/>
+                    <a:lstStyle/>
+                    <a:p>
+                      <a:pPr algn="ctr"/>
+                      <a:endParaRPr lang="fr-FR" sz="1800" dirty="0"/>
+                    </a:p>
+                  </a:txBody>
+                  <a:tcPr/>
+                </a:tc>
+                <a:tc>
+                  <a:txBody>
+                    <a:bodyPr/>
+                    <a:lstStyle/>
+                    <a:p>
+                      <a:pPr algn="ctr"/>
+                      <a:endParaRPr lang="fr-FR" sz="1800" dirty="0"/>
+                    </a:p>
+                  </a:txBody>
+                  <a:tcPr/>
+                </a:tc>
+                <a:extLst>
+                  <a:ext uri="{0D108BD9-81ED-4DB2-BD59-A6C34878D82A}">
+                    <a16:rowId xmlns:a16="http://schemas.microsoft.com/office/drawing/2014/main" val="1554285069"/>
+                  </a:ext>
+                </a:extLst>
+              </a:tr>
+              <a:tr h="370840">
+                <a:tc>
+                  <a:txBody>
+                    <a:bodyPr/>
+                    <a:lstStyle/>
+                    <a:p>
+                      <a:pPr algn="ctr"/>
+                      <a:r>
+                        <a:rPr lang="fr-FR" sz="1800" dirty="0"/>
+                        <a:t>14</a:t>
+                      </a:r>
+                    </a:p>
+                  </a:txBody>
+                  <a:tcPr/>
+                </a:tc>
+                <a:tc>
+                  <a:txBody>
+                    <a:bodyPr/>
+                    <a:lstStyle/>
+                    <a:p>
+                      <a:pPr algn="ctr"/>
+                      <a:endParaRPr lang="fr-FR" sz="1800" dirty="0"/>
+                    </a:p>
+                  </a:txBody>
+                  <a:tcPr/>
+                </a:tc>
+                <a:tc>
+                  <a:txBody>
+                    <a:bodyPr/>
+                    <a:lstStyle/>
+                    <a:p>
+                      <a:pPr algn="ctr"/>
+                      <a:endParaRPr lang="fr-FR" sz="1800" dirty="0"/>
+                    </a:p>
+                  </a:txBody>
+                  <a:tcPr/>
+                </a:tc>
+                <a:tc>
+                  <a:txBody>
+                    <a:bodyPr/>
+                    <a:lstStyle/>
+                    <a:p>
+                      <a:pPr algn="ctr"/>
+                      <a:endParaRPr lang="fr-FR" sz="1800" dirty="0"/>
+                    </a:p>
+                  </a:txBody>
+                  <a:tcPr/>
+                </a:tc>
+                <a:extLst>
+                  <a:ext uri="{0D108BD9-81ED-4DB2-BD59-A6C34878D82A}">
+                    <a16:rowId xmlns:a16="http://schemas.microsoft.com/office/drawing/2014/main" val="791116875"/>
+                  </a:ext>
+                </a:extLst>
+              </a:tr>
+              <a:tr h="370840">
+                <a:tc>
+                  <a:txBody>
+                    <a:bodyPr/>
+                    <a:lstStyle/>
+                    <a:p>
+                      <a:pPr algn="ctr"/>
+                      <a:r>
+                        <a:rPr lang="fr-FR" sz="1800" dirty="0"/>
+                        <a:t>15</a:t>
+                      </a:r>
+                    </a:p>
+                  </a:txBody>
+                  <a:tcPr/>
+                </a:tc>
+                <a:tc>
+                  <a:txBody>
+                    <a:bodyPr/>
+                    <a:lstStyle/>
+                    <a:p>
+                      <a:pPr algn="ctr"/>
+                      <a:endParaRPr lang="fr-FR" sz="1800" dirty="0"/>
+                    </a:p>
+                  </a:txBody>
+                  <a:tcPr/>
+                </a:tc>
+                <a:tc>
+                  <a:txBody>
+                    <a:bodyPr/>
+                    <a:lstStyle/>
+                    <a:p>
+                      <a:pPr algn="ctr"/>
+                      <a:endParaRPr lang="fr-FR" sz="1800" dirty="0"/>
+                    </a:p>
+                  </a:txBody>
+                  <a:tcPr/>
+                </a:tc>
+                <a:tc>
+                  <a:txBody>
+                    <a:bodyPr/>
+                    <a:lstStyle/>
+                    <a:p>
+                      <a:pPr algn="ctr"/>
+                      <a:endParaRPr lang="fr-FR" sz="1800" dirty="0"/>
+                    </a:p>
+                  </a:txBody>
+                  <a:tcPr/>
+                </a:tc>
+                <a:extLst>
+                  <a:ext uri="{0D108BD9-81ED-4DB2-BD59-A6C34878D82A}">
+                    <a16:rowId xmlns:a16="http://schemas.microsoft.com/office/drawing/2014/main" val="2277767399"/>
+                  </a:ext>
+                </a:extLst>
+              </a:tr>
+              <a:tr h="370840">
+                <a:tc>
+                  <a:txBody>
+                    <a:bodyPr/>
+                    <a:lstStyle/>
+                    <a:p>
+                      <a:pPr algn="ctr"/>
+                      <a:r>
+                        <a:rPr lang="fr-FR" sz="1800" dirty="0"/>
+                        <a:t>16</a:t>
+                      </a:r>
+                    </a:p>
+                  </a:txBody>
+                  <a:tcPr/>
+                </a:tc>
+                <a:tc>
+                  <a:txBody>
+                    <a:bodyPr/>
+                    <a:lstStyle/>
+                    <a:p>
+                      <a:pPr algn="ctr"/>
+                      <a:endParaRPr lang="fr-FR" sz="1800" dirty="0"/>
+                    </a:p>
+                  </a:txBody>
+                  <a:tcPr/>
+                </a:tc>
+                <a:tc>
+                  <a:txBody>
+                    <a:bodyPr/>
+                    <a:lstStyle/>
+                    <a:p>
+                      <a:pPr algn="ctr"/>
+                      <a:endParaRPr lang="fr-FR" sz="1800" dirty="0"/>
+                    </a:p>
+                  </a:txBody>
+                  <a:tcPr/>
+                </a:tc>
+                <a:tc>
+                  <a:txBody>
+                    <a:bodyPr/>
+                    <a:lstStyle/>
+                    <a:p>
+                      <a:pPr algn="ctr"/>
+                      <a:endParaRPr lang="fr-FR" sz="1800" dirty="0"/>
+                    </a:p>
+                  </a:txBody>
+                  <a:tcPr/>
+                </a:tc>
+                <a:extLst>
+                  <a:ext uri="{0D108BD9-81ED-4DB2-BD59-A6C34878D82A}">
+                    <a16:rowId xmlns:a16="http://schemas.microsoft.com/office/drawing/2014/main" val="1671397337"/>
+                  </a:ext>
+                </a:extLst>
+              </a:tr>
+              <a:tr h="370840">
+                <a:tc>
+                  <a:txBody>
+                    <a:bodyPr/>
+                    <a:lstStyle/>
+                    <a:p>
+                      <a:pPr algn="ctr"/>
+                      <a:r>
+                        <a:rPr lang="fr-FR" sz="1800" dirty="0"/>
+                        <a:t>18</a:t>
+                      </a:r>
+                    </a:p>
+                  </a:txBody>
+                  <a:tcPr/>
+                </a:tc>
+                <a:tc>
+                  <a:txBody>
+                    <a:bodyPr/>
+                    <a:lstStyle/>
+                    <a:p>
+                      <a:pPr algn="ctr"/>
+                      <a:endParaRPr lang="fr-FR" sz="1800" dirty="0"/>
+                    </a:p>
+                  </a:txBody>
+                  <a:tcPr/>
+                </a:tc>
+                <a:tc>
+                  <a:txBody>
+                    <a:bodyPr/>
+                    <a:lstStyle/>
+                    <a:p>
+                      <a:pPr algn="ctr"/>
+                      <a:endParaRPr lang="fr-FR" sz="1800" dirty="0"/>
+                    </a:p>
+                  </a:txBody>
+                  <a:tcPr/>
+                </a:tc>
+                <a:tc>
+                  <a:txBody>
+                    <a:bodyPr/>
+                    <a:lstStyle/>
+                    <a:p>
+                      <a:pPr algn="ctr"/>
+                      <a:endParaRPr lang="fr-FR" sz="1800" dirty="0"/>
+                    </a:p>
+                  </a:txBody>
+                  <a:tcPr/>
+                </a:tc>
+                <a:extLst>
+                  <a:ext uri="{0D108BD9-81ED-4DB2-BD59-A6C34878D82A}">
+                    <a16:rowId xmlns:a16="http://schemas.microsoft.com/office/drawing/2014/main" val="153290460"/>
+                  </a:ext>
+                </a:extLst>
+              </a:tr>
+              <a:tr h="370840">
+                <a:tc>
+                  <a:txBody>
+                    <a:bodyPr/>
+                    <a:lstStyle/>
+                    <a:p>
+                      <a:pPr algn="ctr"/>
+                      <a:r>
+                        <a:rPr lang="fr-FR" sz="1800" dirty="0"/>
+                        <a:t>20</a:t>
+                      </a:r>
+                    </a:p>
+                  </a:txBody>
+                  <a:tcPr/>
+                </a:tc>
+                <a:tc>
+                  <a:txBody>
+                    <a:bodyPr/>
+                    <a:lstStyle/>
+                    <a:p>
+                      <a:pPr algn="ctr"/>
+                      <a:endParaRPr lang="fr-FR" sz="1800" dirty="0"/>
+                    </a:p>
+                  </a:txBody>
+                  <a:tcPr/>
+                </a:tc>
+                <a:tc>
+                  <a:txBody>
+                    <a:bodyPr/>
+                    <a:lstStyle/>
+                    <a:p>
+                      <a:pPr algn="ctr"/>
+                      <a:endParaRPr lang="fr-FR" sz="1800" dirty="0"/>
+                    </a:p>
+                  </a:txBody>
+                  <a:tcPr/>
+                </a:tc>
+                <a:tc>
+                  <a:txBody>
+                    <a:bodyPr/>
+                    <a:lstStyle/>
+                    <a:p>
+                      <a:pPr algn="ctr"/>
+                      <a:endParaRPr lang="fr-FR" sz="1800" dirty="0"/>
+                    </a:p>
+                  </a:txBody>
+                  <a:tcPr/>
+                </a:tc>
+                <a:extLst>
+                  <a:ext uri="{0D108BD9-81ED-4DB2-BD59-A6C34878D82A}">
+                    <a16:rowId xmlns:a16="http://schemas.microsoft.com/office/drawing/2014/main" val="2053615990"/>
+                  </a:ext>
+                </a:extLst>
+              </a:tr>
+              <a:tr h="370840">
+                <a:tc>
+                  <a:txBody>
+                    <a:bodyPr/>
+                    <a:lstStyle/>
+                    <a:p>
+                      <a:pPr algn="r"/>
+                      <a:r>
+                        <a:rPr lang="fr-FR" sz="1800" dirty="0"/>
+                        <a:t>Total :</a:t>
+                      </a:r>
+                    </a:p>
+                  </a:txBody>
+                  <a:tcPr/>
+                </a:tc>
+                <a:tc>
+                  <a:txBody>
+                    <a:bodyPr/>
+                    <a:lstStyle/>
+                    <a:p>
+                      <a:pPr algn="ctr"/>
+                      <a:endParaRPr lang="fr-FR" sz="1800" dirty="0"/>
+                    </a:p>
+                  </a:txBody>
+                  <a:tcPr/>
+                </a:tc>
+                <a:tc>
+                  <a:txBody>
+                    <a:bodyPr/>
+                    <a:lstStyle/>
+                    <a:p>
+                      <a:pPr algn="ctr"/>
+                      <a:endParaRPr lang="fr-FR" sz="1800" dirty="0"/>
+                    </a:p>
+                  </a:txBody>
+                  <a:tcPr/>
+                </a:tc>
+                <a:tc>
+                  <a:txBody>
+                    <a:bodyPr/>
+                    <a:lstStyle/>
+                    <a:p>
+                      <a:pPr algn="ctr"/>
+                      <a:endParaRPr lang="fr-FR" sz="1800" dirty="0"/>
+                    </a:p>
+                  </a:txBody>
+                  <a:tcPr/>
+                </a:tc>
+                <a:extLst>
+                  <a:ext uri="{0D108BD9-81ED-4DB2-BD59-A6C34878D82A}">
+                    <a16:rowId xmlns:a16="http://schemas.microsoft.com/office/drawing/2014/main" val="891660528"/>
+                  </a:ext>
+                </a:extLst>
+              </a:tr>
+            </a:tbl>
+          </a:graphicData>
+        </a:graphic>
+      </p:graphicFrame>
     </p:spTree>
     <p:extLst>
       <p:ext uri="{BB962C8B-B14F-4D97-AF65-F5344CB8AC3E}">
-        <p14:creationId xmlns:p14="http://schemas.microsoft.com/office/powerpoint/2010/main" val="2046605215"/>
-      </p:ext>
-    </p:extLst>
-  </p:cSld>
-  <p:clrMapOvr>
-    <a:masterClrMapping/>
-  </p:clrMapOvr>
-</p:sld>
-</file>
-
-<file path=ppt/slides/slide5.xml><?xml version="1.0" encoding="utf-8"?>
-<p:sld xmlns:a="http://schemas.openxmlformats.org/drawingml/2006/main" xmlns:r="http://schemas.openxmlformats.org/officeDocument/2006/relationships" xmlns:p="http://schemas.openxmlformats.org/presentationml/2006/main">
-  <p:cSld>
-    <p:spTree>
-      <p:nvGrpSpPr>
-        <p:cNvPr id="1" name=""/>
-        <p:cNvGrpSpPr/>
-        <p:nvPr/>
-      </p:nvGrpSpPr>
-      <p:grpSpPr>
-        <a:xfrm>
-          <a:off x="0" y="0"/>
-          <a:ext cx="0" cy="0"/>
-          <a:chOff x="0" y="0"/>
-          <a:chExt cx="0" cy="0"/>
-        </a:xfrm>
-      </p:grpSpPr>
-      <p:sp>
-        <p:nvSpPr>
-          <p:cNvPr id="17" name="Rectangle 16"/>
-          <p:cNvSpPr/>
-          <p:nvPr/>
-        </p:nvSpPr>
-        <p:spPr>
-          <a:xfrm>
-            <a:off x="4039557" y="179880"/>
-            <a:ext cx="7040235" cy="10440000"/>
-          </a:xfrm>
-          <a:prstGeom prst="rect">
-            <a:avLst/>
-          </a:prstGeom>
-          <a:ln w="57150"/>
-        </p:spPr>
-        <p:style>
-          <a:lnRef idx="2">
-            <a:schemeClr val="dk1"/>
-          </a:lnRef>
-          <a:fillRef idx="1">
-            <a:schemeClr val="lt1"/>
-          </a:fillRef>
-          <a:effectRef idx="0">
-            <a:schemeClr val="dk1"/>
-          </a:effectRef>
-          <a:fontRef idx="minor">
-            <a:schemeClr val="dk1"/>
-          </a:fontRef>
-        </p:style>
-        <p:txBody>
-          <a:bodyPr rtlCol="0" anchor="ctr"/>
-          <a:lstStyle/>
-          <a:p>
-            <a:pPr marL="72000"/>
-            <a:r>
-              <a:rPr lang="fr-FR" dirty="0"/>
-              <a:t>Calculer le couple moteur pour une puissance de 5,5 kW et une vitesse de rotation de 1450 tr/min.</a:t>
-            </a:r>
-          </a:p>
-          <a:p>
-            <a:pPr marL="72000"/>
-            <a:r>
-              <a:rPr lang="fr-FR" dirty="0"/>
-              <a:t>…………………………………………………………………………………………………………………..</a:t>
-            </a:r>
-          </a:p>
-          <a:p>
-            <a:pPr marL="72000"/>
-            <a:r>
-              <a:rPr lang="fr-FR" dirty="0"/>
-              <a:t>……………………V =  ……… × 9550……………………………………………………………..</a:t>
-            </a:r>
-          </a:p>
-          <a:p>
-            <a:pPr marL="72000"/>
-            <a:r>
-              <a:rPr lang="fr-FR" dirty="0"/>
-              <a:t>…………………………………………………………………………………………………………………..</a:t>
-            </a:r>
-          </a:p>
-          <a:p>
-            <a:pPr marL="72000"/>
-            <a:r>
-              <a:rPr lang="fr-FR" dirty="0"/>
-              <a:t>…………………………………………………………………………………………………………………..</a:t>
-            </a:r>
-          </a:p>
-          <a:p>
-            <a:pPr marL="72000"/>
-            <a:endParaRPr lang="fr-FR" dirty="0"/>
-          </a:p>
-          <a:p>
-            <a:pPr marL="72000"/>
-            <a:endParaRPr lang="fr-FR" dirty="0"/>
-          </a:p>
-          <a:p>
-            <a:pPr marL="72000"/>
-            <a:endParaRPr lang="fr-FR" dirty="0"/>
-          </a:p>
-          <a:p>
-            <a:pPr marL="72000"/>
-            <a:r>
-              <a:rPr lang="fr-FR" dirty="0"/>
-              <a:t>Calculer le couple moteur pour une puissance de 3,2 kW et une vitesse de rotation de 2800 tr/min</a:t>
-            </a:r>
-          </a:p>
-          <a:p>
-            <a:pPr marL="72000"/>
-            <a:r>
-              <a:rPr lang="fr-FR" dirty="0"/>
-              <a:t>…………………………………………………………………………………………………………………..</a:t>
-            </a:r>
-          </a:p>
-          <a:p>
-            <a:pPr marL="72000"/>
-            <a:r>
-              <a:rPr lang="fr-FR" dirty="0"/>
-              <a:t>…………………………………………………………………………………………………………………..</a:t>
-            </a:r>
-          </a:p>
-          <a:p>
-            <a:pPr marL="72000"/>
-            <a:r>
-              <a:rPr lang="fr-FR" dirty="0"/>
-              <a:t>…………………………………………………………………………………………………………………..</a:t>
-            </a:r>
-          </a:p>
-          <a:p>
-            <a:pPr marL="72000"/>
-            <a:r>
-              <a:rPr lang="fr-FR" dirty="0"/>
-              <a:t>…………………………………………………………………………………………………………………..</a:t>
-            </a:r>
-          </a:p>
-          <a:p>
-            <a:pPr marL="72000"/>
-            <a:endParaRPr lang="fr-FR" dirty="0"/>
-          </a:p>
-          <a:p>
-            <a:pPr marL="72000"/>
-            <a:endParaRPr lang="fr-FR" dirty="0"/>
-          </a:p>
-          <a:p>
-            <a:pPr marL="72000"/>
-            <a:endParaRPr lang="fr-FR" dirty="0"/>
-          </a:p>
-          <a:p>
-            <a:pPr marL="72000"/>
-            <a:r>
-              <a:rPr lang="fr-FR" dirty="0"/>
-              <a:t>Calculer le couple moteur pour une puissance de 7,5 kW et une vitesse de rotation de 1500 tr/min.</a:t>
-            </a:r>
-          </a:p>
-          <a:p>
-            <a:pPr marL="72000"/>
-            <a:r>
-              <a:rPr lang="fr-FR" dirty="0"/>
-              <a:t>…………………………………………………………………………………………………………………..</a:t>
-            </a:r>
-          </a:p>
-          <a:p>
-            <a:pPr marL="72000"/>
-            <a:r>
-              <a:rPr lang="fr-FR" dirty="0"/>
-              <a:t>…………………………………………………………………………………………………………………..</a:t>
-            </a:r>
-          </a:p>
-          <a:p>
-            <a:pPr marL="72000"/>
-            <a:r>
-              <a:rPr lang="fr-FR" dirty="0"/>
-              <a:t>…………………………………………………………………………………………………………………..</a:t>
-            </a:r>
-          </a:p>
-          <a:p>
-            <a:pPr marL="72000"/>
-            <a:r>
-              <a:rPr lang="fr-FR" dirty="0"/>
-              <a:t>…………………………………………………………………………………………………………………..</a:t>
-            </a:r>
-          </a:p>
-          <a:p>
-            <a:pPr marL="72000"/>
-            <a:endParaRPr lang="fr-FR" dirty="0"/>
-          </a:p>
-          <a:p>
-            <a:pPr marL="72000"/>
-            <a:endParaRPr lang="fr-FR" dirty="0"/>
-          </a:p>
-          <a:p>
-            <a:pPr marL="72000"/>
-            <a:endParaRPr lang="fr-FR" dirty="0"/>
-          </a:p>
-          <a:p>
-            <a:pPr marL="72000"/>
-            <a:r>
-              <a:rPr lang="fr-FR" dirty="0"/>
-              <a:t>Calculer le couple moteur de 450 chevaux d'un mécanicien de 37 ans ayant 3 enfants, qui travaille sur un moteur électrique de 4,2 kW tournant à 2950 tr/min tout en mangeant un sandwich de 3 kilos.</a:t>
-            </a:r>
-          </a:p>
-          <a:p>
-            <a:pPr marL="72000"/>
-            <a:r>
-              <a:rPr lang="fr-FR" dirty="0"/>
-              <a:t>…………………………………………………………………………………………………………………..</a:t>
-            </a:r>
-          </a:p>
-          <a:p>
-            <a:pPr marL="72000"/>
-            <a:r>
-              <a:rPr lang="fr-FR" dirty="0"/>
-              <a:t>…………………………………………………………………………………………………………………..</a:t>
-            </a:r>
-          </a:p>
-          <a:p>
-            <a:pPr marL="72000"/>
-            <a:r>
-              <a:rPr lang="fr-FR" dirty="0"/>
-              <a:t>…………………………………………………………………………………………………………………..</a:t>
-            </a:r>
-          </a:p>
-          <a:p>
-            <a:pPr marL="72000"/>
-            <a:r>
-              <a:rPr lang="fr-FR" dirty="0"/>
-              <a:t>…………………………………………………………………………………………………………………..</a:t>
-            </a:r>
-          </a:p>
-        </p:txBody>
-      </p:sp>
-      <p:sp>
-        <p:nvSpPr>
-          <p:cNvPr id="18" name="Rectangle 17"/>
-          <p:cNvSpPr/>
-          <p:nvPr/>
-        </p:nvSpPr>
-        <p:spPr>
-          <a:xfrm>
-            <a:off x="142517" y="1390649"/>
-            <a:ext cx="3763202" cy="9229231"/>
-          </a:xfrm>
-          <a:prstGeom prst="rect">
-            <a:avLst/>
-          </a:prstGeom>
-          <a:ln w="57150"/>
-        </p:spPr>
-        <p:style>
-          <a:lnRef idx="2">
-            <a:schemeClr val="dk1"/>
-          </a:lnRef>
-          <a:fillRef idx="1">
-            <a:schemeClr val="lt1"/>
-          </a:fillRef>
-          <a:effectRef idx="0">
-            <a:schemeClr val="dk1"/>
-          </a:effectRef>
-          <a:fontRef idx="minor">
-            <a:schemeClr val="dk1"/>
-          </a:fontRef>
-        </p:style>
-        <p:txBody>
-          <a:bodyPr rtlCol="0" anchor="t"/>
-          <a:lstStyle/>
-          <a:p>
-            <a:pPr marL="72000"/>
-            <a:endParaRPr lang="fr-FR" sz="1600" dirty="0">
-              <a:cs typeface="Arial" panose="020B0604020202020204" pitchFamily="34" charset="0"/>
-            </a:endParaRPr>
-          </a:p>
-          <a:p>
-            <a:pPr marL="72000"/>
-            <a:r>
-              <a:rPr lang="fr-FR" sz="1600" b="1" dirty="0">
-                <a:cs typeface="Arial" panose="020B0604020202020204" pitchFamily="34" charset="0"/>
-              </a:rPr>
-              <a:t>La formule :</a:t>
-            </a:r>
-          </a:p>
-          <a:p>
-            <a:pPr marL="72000"/>
-            <a:endParaRPr lang="fr-FR" sz="1600" dirty="0">
-              <a:cs typeface="Arial" panose="020B0604020202020204" pitchFamily="34" charset="0"/>
-            </a:endParaRPr>
-          </a:p>
-          <a:p>
-            <a:pPr marL="72000"/>
-            <a:endParaRPr lang="fr-FR" sz="1600" dirty="0">
-              <a:cs typeface="Arial" panose="020B0604020202020204" pitchFamily="34" charset="0"/>
-            </a:endParaRPr>
-          </a:p>
-          <a:p>
-            <a:pPr marL="72000"/>
-            <a:endParaRPr lang="fr-FR" sz="1600" dirty="0">
-              <a:cs typeface="Arial" panose="020B0604020202020204" pitchFamily="34" charset="0"/>
-            </a:endParaRPr>
-          </a:p>
-          <a:p>
-            <a:pPr marL="72000"/>
-            <a:endParaRPr lang="fr-FR" sz="1600" dirty="0">
-              <a:cs typeface="Arial" panose="020B0604020202020204" pitchFamily="34" charset="0"/>
-            </a:endParaRPr>
-          </a:p>
-          <a:p>
-            <a:pPr marL="72000"/>
-            <a:endParaRPr lang="fr-FR" sz="1600" dirty="0">
-              <a:cs typeface="Arial" panose="020B0604020202020204" pitchFamily="34" charset="0"/>
-            </a:endParaRPr>
-          </a:p>
-          <a:p>
-            <a:pPr marL="72000"/>
-            <a:endParaRPr lang="fr-FR" sz="1600" dirty="0">
-              <a:cs typeface="Arial" panose="020B0604020202020204" pitchFamily="34" charset="0"/>
-            </a:endParaRPr>
-          </a:p>
-          <a:p>
-            <a:pPr marL="72000"/>
-            <a:r>
-              <a:rPr lang="fr-FR" sz="1600" b="1" dirty="0"/>
-              <a:t>C : </a:t>
-            </a:r>
-            <a:r>
-              <a:rPr lang="fr-FR" sz="1600" dirty="0"/>
-              <a:t>couple moteur en Newton-mètre (Nm)</a:t>
-            </a:r>
-          </a:p>
-          <a:p>
-            <a:pPr marL="72000"/>
-            <a:r>
-              <a:rPr lang="fr-FR" sz="1600" b="1" dirty="0"/>
-              <a:t>P : </a:t>
-            </a:r>
-            <a:r>
-              <a:rPr lang="fr-FR" sz="1600" dirty="0"/>
-              <a:t>puissance en kilowatts (kW)</a:t>
-            </a:r>
-          </a:p>
-          <a:p>
-            <a:pPr marL="72000"/>
-            <a:r>
-              <a:rPr lang="fr-FR" sz="1600" b="1" dirty="0"/>
-              <a:t>N : </a:t>
-            </a:r>
-            <a:r>
-              <a:rPr lang="fr-FR" sz="1600" dirty="0"/>
-              <a:t>vitesse de rotation en tours par minute (tr/min)</a:t>
-            </a:r>
-          </a:p>
-          <a:p>
-            <a:pPr marL="72000"/>
-            <a:r>
-              <a:rPr lang="fr-FR" sz="1600" b="1" dirty="0"/>
-              <a:t>9550 </a:t>
-            </a:r>
-            <a:r>
-              <a:rPr lang="fr-FR" sz="1600" dirty="0"/>
-              <a:t>: constante liée aux unités (conversion pour avoir Nm)</a:t>
-            </a:r>
-          </a:p>
-          <a:p>
-            <a:pPr marL="72000"/>
-            <a:endParaRPr lang="fr-FR" sz="1600" dirty="0"/>
-          </a:p>
-          <a:p>
-            <a:pPr marL="72000"/>
-            <a:r>
-              <a:rPr lang="fr-FR" sz="1600" b="1" dirty="0"/>
-              <a:t>Explication :</a:t>
-            </a:r>
-          </a:p>
-          <a:p>
-            <a:pPr marL="72000"/>
-            <a:endParaRPr lang="fr-FR" sz="1600" b="1" dirty="0"/>
-          </a:p>
-          <a:p>
-            <a:pPr marL="72000"/>
-            <a:r>
-              <a:rPr lang="fr-FR" sz="1600" dirty="0"/>
-              <a:t>Le couple moteur correspond à la force de rotation produite par un moteur sur son axe.</a:t>
-            </a:r>
-          </a:p>
-          <a:p>
-            <a:pPr marL="72000"/>
-            <a:r>
-              <a:rPr lang="fr-FR" sz="1600" dirty="0"/>
-              <a:t>La formule lie la puissance délivrée et la vitesse de rotation pour déterminer la force disponible au niveau de l'arbre moteur.</a:t>
-            </a:r>
-          </a:p>
-          <a:p>
-            <a:pPr marL="72000"/>
-            <a:r>
-              <a:rPr lang="fr-FR" sz="1600" dirty="0"/>
-              <a:t>La puissance multipliée par 9550 donne une valeur intermédiaire adaptée aux unités utilisées (kW et tr/min).</a:t>
-            </a:r>
-          </a:p>
-          <a:p>
-            <a:pPr marL="72000"/>
-            <a:endParaRPr lang="fr-FR" sz="1600" dirty="0">
-              <a:cs typeface="Arial" panose="020B0604020202020204" pitchFamily="34" charset="0"/>
-            </a:endParaRPr>
-          </a:p>
-          <a:p>
-            <a:pPr marL="72000"/>
-            <a:endParaRPr lang="fr-FR" sz="1600" dirty="0">
-              <a:cs typeface="Arial" panose="020B0604020202020204" pitchFamily="34" charset="0"/>
-            </a:endParaRPr>
-          </a:p>
-          <a:p>
-            <a:pPr marL="72000"/>
-            <a:endParaRPr lang="fr-FR" sz="1600" dirty="0">
-              <a:cs typeface="Arial" panose="020B0604020202020204" pitchFamily="34" charset="0"/>
-            </a:endParaRPr>
-          </a:p>
-        </p:txBody>
-      </p:sp>
-      <p:sp>
-        <p:nvSpPr>
-          <p:cNvPr id="19" name="Rectangle 18"/>
-          <p:cNvSpPr/>
-          <p:nvPr/>
-        </p:nvSpPr>
-        <p:spPr>
-          <a:xfrm>
-            <a:off x="11213630" y="179881"/>
-            <a:ext cx="3726044" cy="10440000"/>
-          </a:xfrm>
-          <a:prstGeom prst="rect">
-            <a:avLst/>
-          </a:prstGeom>
-          <a:ln w="57150"/>
-        </p:spPr>
-        <p:style>
-          <a:lnRef idx="2">
-            <a:schemeClr val="dk1"/>
-          </a:lnRef>
-          <a:fillRef idx="1">
-            <a:schemeClr val="lt1"/>
-          </a:fillRef>
-          <a:effectRef idx="0">
-            <a:schemeClr val="dk1"/>
-          </a:effectRef>
-          <a:fontRef idx="minor">
-            <a:schemeClr val="dk1"/>
-          </a:fontRef>
-        </p:style>
-        <p:txBody>
-          <a:bodyPr rtlCol="0" anchor="b"/>
-          <a:lstStyle/>
-          <a:p>
-            <a:endParaRPr lang="fr-FR" sz="1400" dirty="0"/>
-          </a:p>
-        </p:txBody>
-      </p:sp>
-      <p:sp>
-        <p:nvSpPr>
-          <p:cNvPr id="25" name="Rectangle 24"/>
-          <p:cNvSpPr/>
-          <p:nvPr/>
-        </p:nvSpPr>
-        <p:spPr>
-          <a:xfrm>
-            <a:off x="142517" y="179881"/>
-            <a:ext cx="3763201" cy="1067028"/>
-          </a:xfrm>
-          <a:prstGeom prst="rect">
-            <a:avLst/>
-          </a:prstGeom>
-          <a:ln w="57150"/>
-        </p:spPr>
-        <p:style>
-          <a:lnRef idx="2">
-            <a:schemeClr val="dk1"/>
-          </a:lnRef>
-          <a:fillRef idx="1">
-            <a:schemeClr val="lt1"/>
-          </a:fillRef>
-          <a:effectRef idx="0">
-            <a:schemeClr val="dk1"/>
-          </a:effectRef>
-          <a:fontRef idx="minor">
-            <a:schemeClr val="dk1"/>
-          </a:fontRef>
-        </p:style>
-        <p:txBody>
-          <a:bodyPr rtlCol="0" anchor="ctr"/>
-          <a:lstStyle/>
-          <a:p>
-            <a:pPr algn="ctr"/>
-            <a:r>
-              <a:rPr lang="fr-FR" b="1" dirty="0">
-                <a:latin typeface="Comic Sans MS" panose="030F0702030302020204" pitchFamily="66" charset="0"/>
-                <a:ea typeface="JetBrains Mono" panose="02000009000000000000" pitchFamily="49" charset="0"/>
-                <a:cs typeface="JetBrains Mono" panose="02000009000000000000" pitchFamily="49" charset="0"/>
-              </a:rPr>
-              <a:t>Sujet : </a:t>
-            </a:r>
-            <a:r>
-              <a:rPr lang="fr-FR" b="1" dirty="0"/>
-              <a:t>Le couple moteur </a:t>
-            </a:r>
-            <a:endParaRPr lang="fr-FR" b="1" dirty="0">
-              <a:latin typeface="Comic Sans MS" panose="030F0702030302020204" pitchFamily="66" charset="0"/>
-              <a:ea typeface="JetBrains Mono" panose="02000009000000000000" pitchFamily="49" charset="0"/>
-              <a:cs typeface="JetBrains Mono" panose="02000009000000000000" pitchFamily="49" charset="0"/>
-            </a:endParaRPr>
-          </a:p>
-        </p:txBody>
-      </p:sp>
-      <p:pic>
-        <p:nvPicPr>
-          <p:cNvPr id="6" name="Picture 5">
-            <a:extLst>
-              <a:ext uri="{FF2B5EF4-FFF2-40B4-BE49-F238E27FC236}">
-                <a16:creationId xmlns:a16="http://schemas.microsoft.com/office/drawing/2014/main" id="{94D04901-2583-4D56-94E4-18A708B5FCD9}"/>
-              </a:ext>
-            </a:extLst>
-          </p:cNvPr>
-          <p:cNvPicPr>
-            <a:picLocks noChangeAspect="1"/>
-          </p:cNvPicPr>
-          <p:nvPr/>
-        </p:nvPicPr>
-        <p:blipFill rotWithShape="1">
-          <a:blip r:embed="rId2">
-            <a:extLst>
-              <a:ext uri="{BEBA8EAE-BF5A-486C-A8C5-ECC9F3942E4B}">
-                <a14:imgProps xmlns:a14="http://schemas.microsoft.com/office/drawing/2010/main">
-                  <a14:imgLayer r:embed="rId3">
-                    <a14:imgEffect>
-                      <a14:sharpenSoften amount="25000"/>
-                    </a14:imgEffect>
-                    <a14:imgEffect>
-                      <a14:saturation sat="200000"/>
-                    </a14:imgEffect>
-                    <a14:imgEffect>
-                      <a14:brightnessContrast contrast="40000"/>
-                    </a14:imgEffect>
-                  </a14:imgLayer>
-                </a14:imgProps>
-              </a:ext>
-              <a:ext uri="{28A0092B-C50C-407E-A947-70E740481C1C}">
-                <a14:useLocalDpi xmlns:a14="http://schemas.microsoft.com/office/drawing/2010/main" val="0"/>
-              </a:ext>
-            </a:extLst>
-          </a:blip>
-          <a:srcRect l="49612" r="1"/>
-          <a:stretch/>
-        </p:blipFill>
-        <p:spPr>
-          <a:xfrm>
-            <a:off x="11386461" y="319213"/>
-            <a:ext cx="3374128" cy="10161335"/>
-          </a:xfrm>
-          <a:prstGeom prst="rect">
-            <a:avLst/>
-          </a:prstGeom>
-        </p:spPr>
-      </p:pic>
-      <p:pic>
-        <p:nvPicPr>
-          <p:cNvPr id="2" name="Picture 1">
-            <a:extLst>
-              <a:ext uri="{FF2B5EF4-FFF2-40B4-BE49-F238E27FC236}">
-                <a16:creationId xmlns:a16="http://schemas.microsoft.com/office/drawing/2014/main" id="{30BD3123-38F8-41AF-A5A4-14632F589FC3}"/>
-              </a:ext>
-            </a:extLst>
-          </p:cNvPr>
-          <p:cNvPicPr>
-            <a:picLocks noChangeAspect="1"/>
-          </p:cNvPicPr>
-          <p:nvPr/>
-        </p:nvPicPr>
-        <p:blipFill>
-          <a:blip r:embed="rId4"/>
-          <a:stretch>
-            <a:fillRect/>
-          </a:stretch>
-        </p:blipFill>
-        <p:spPr>
-          <a:xfrm>
-            <a:off x="803152" y="2203131"/>
-            <a:ext cx="2441930" cy="1098869"/>
-          </a:xfrm>
-          <a:prstGeom prst="rect">
-            <a:avLst/>
-          </a:prstGeom>
-        </p:spPr>
-      </p:pic>
-      <p:cxnSp>
-        <p:nvCxnSpPr>
-          <p:cNvPr id="9" name="Straight Connector 8">
-            <a:extLst>
-              <a:ext uri="{FF2B5EF4-FFF2-40B4-BE49-F238E27FC236}">
-                <a16:creationId xmlns:a16="http://schemas.microsoft.com/office/drawing/2014/main" id="{20BDAA89-9D72-4769-9A68-CC1A98C4F9C6}"/>
-              </a:ext>
-            </a:extLst>
-          </p:cNvPr>
-          <p:cNvCxnSpPr/>
-          <p:nvPr/>
-        </p:nvCxnSpPr>
-        <p:spPr>
-          <a:xfrm>
-            <a:off x="5266265" y="1761066"/>
-            <a:ext cx="2150534" cy="0"/>
-          </a:xfrm>
-          <a:prstGeom prst="line">
-            <a:avLst/>
-          </a:prstGeom>
-          <a:ln w="28575"/>
-        </p:spPr>
-        <p:style>
-          <a:lnRef idx="2">
-            <a:schemeClr val="dk1"/>
-          </a:lnRef>
-          <a:fillRef idx="0">
-            <a:schemeClr val="dk1"/>
-          </a:fillRef>
-          <a:effectRef idx="1">
-            <a:schemeClr val="dk1"/>
-          </a:effectRef>
-          <a:fontRef idx="minor">
-            <a:schemeClr val="tx1"/>
-          </a:fontRef>
-        </p:style>
-      </p:cxnSp>
-    </p:spTree>
-    <p:extLst>
-      <p:ext uri="{BB962C8B-B14F-4D97-AF65-F5344CB8AC3E}">
-        <p14:creationId xmlns:p14="http://schemas.microsoft.com/office/powerpoint/2010/main" val="257297443"/>
+        <p14:creationId xmlns:p14="http://schemas.microsoft.com/office/powerpoint/2010/main" val="2727694446"/>
       </p:ext>
     </p:extLst>
   </p:cSld>

--- a/Dossier Co-FR/La boite à épice - interrogation.pptx
+++ b/Dossier Co-FR/La boite à épice - interrogation.pptx
@@ -5,16 +5,17 @@
     <p:sldMasterId id="2147483660" r:id="rId1"/>
   </p:sldMasterIdLst>
   <p:notesMasterIdLst>
-    <p:notesMasterId r:id="rId6"/>
+    <p:notesMasterId r:id="rId7"/>
   </p:notesMasterIdLst>
   <p:handoutMasterIdLst>
-    <p:handoutMasterId r:id="rId7"/>
+    <p:handoutMasterId r:id="rId8"/>
   </p:handoutMasterIdLst>
   <p:sldIdLst>
     <p:sldId id="334" r:id="rId2"/>
     <p:sldId id="335" r:id="rId3"/>
     <p:sldId id="336" r:id="rId4"/>
     <p:sldId id="340" r:id="rId5"/>
+    <p:sldId id="341" r:id="rId6"/>
   </p:sldIdLst>
   <p:sldSz cx="15119350" cy="10799763"/>
   <p:notesSz cx="6797675" cy="9926638"/>
@@ -206,7 +207,7 @@
           <a:p>
             <a:fld id="{175ECC00-C06A-4323-852F-768318D8586A}" type="datetimeFigureOut">
               <a:rPr lang="fr-FR" smtClean="0"/>
-              <a:t>03/05/2025</a:t>
+              <a:t>12/05/2025</a:t>
             </a:fld>
             <a:endParaRPr lang="fr-FR"/>
           </a:p>
@@ -371,7 +372,7 @@
           <a:p>
             <a:fld id="{AE8DAB01-C85E-4F33-91A5-B6D112914A5D}" type="datetimeFigureOut">
               <a:rPr lang="fr-FR" smtClean="0"/>
-              <a:t>03/05/2025</a:t>
+              <a:t>12/05/2025</a:t>
             </a:fld>
             <a:endParaRPr lang="fr-FR"/>
           </a:p>
@@ -770,7 +771,7 @@
           <a:p>
             <a:fld id="{A69F3118-5675-4AEB-B17B-1E109ACFC119}" type="datetimeFigureOut">
               <a:rPr lang="fr-FR" smtClean="0"/>
-              <a:t>03/05/2025</a:t>
+              <a:t>12/05/2025</a:t>
             </a:fld>
             <a:endParaRPr lang="fr-FR"/>
           </a:p>
@@ -940,7 +941,7 @@
           <a:p>
             <a:fld id="{A69F3118-5675-4AEB-B17B-1E109ACFC119}" type="datetimeFigureOut">
               <a:rPr lang="fr-FR" smtClean="0"/>
-              <a:t>03/05/2025</a:t>
+              <a:t>12/05/2025</a:t>
             </a:fld>
             <a:endParaRPr lang="fr-FR"/>
           </a:p>
@@ -1120,7 +1121,7 @@
           <a:p>
             <a:fld id="{A69F3118-5675-4AEB-B17B-1E109ACFC119}" type="datetimeFigureOut">
               <a:rPr lang="fr-FR" smtClean="0"/>
-              <a:t>03/05/2025</a:t>
+              <a:t>12/05/2025</a:t>
             </a:fld>
             <a:endParaRPr lang="fr-FR"/>
           </a:p>
@@ -1290,7 +1291,7 @@
           <a:p>
             <a:fld id="{A69F3118-5675-4AEB-B17B-1E109ACFC119}" type="datetimeFigureOut">
               <a:rPr lang="fr-FR" smtClean="0"/>
-              <a:t>03/05/2025</a:t>
+              <a:t>12/05/2025</a:t>
             </a:fld>
             <a:endParaRPr lang="fr-FR"/>
           </a:p>
@@ -1534,7 +1535,7 @@
           <a:p>
             <a:fld id="{A69F3118-5675-4AEB-B17B-1E109ACFC119}" type="datetimeFigureOut">
               <a:rPr lang="fr-FR" smtClean="0"/>
-              <a:t>03/05/2025</a:t>
+              <a:t>12/05/2025</a:t>
             </a:fld>
             <a:endParaRPr lang="fr-FR"/>
           </a:p>
@@ -1766,7 +1767,7 @@
           <a:p>
             <a:fld id="{A69F3118-5675-4AEB-B17B-1E109ACFC119}" type="datetimeFigureOut">
               <a:rPr lang="fr-FR" smtClean="0"/>
-              <a:t>03/05/2025</a:t>
+              <a:t>12/05/2025</a:t>
             </a:fld>
             <a:endParaRPr lang="fr-FR"/>
           </a:p>
@@ -2133,7 +2134,7 @@
           <a:p>
             <a:fld id="{A69F3118-5675-4AEB-B17B-1E109ACFC119}" type="datetimeFigureOut">
               <a:rPr lang="fr-FR" smtClean="0"/>
-              <a:t>03/05/2025</a:t>
+              <a:t>12/05/2025</a:t>
             </a:fld>
             <a:endParaRPr lang="fr-FR"/>
           </a:p>
@@ -2251,7 +2252,7 @@
           <a:p>
             <a:fld id="{A69F3118-5675-4AEB-B17B-1E109ACFC119}" type="datetimeFigureOut">
               <a:rPr lang="fr-FR" smtClean="0"/>
-              <a:t>03/05/2025</a:t>
+              <a:t>12/05/2025</a:t>
             </a:fld>
             <a:endParaRPr lang="fr-FR"/>
           </a:p>
@@ -2346,7 +2347,7 @@
           <a:p>
             <a:fld id="{A69F3118-5675-4AEB-B17B-1E109ACFC119}" type="datetimeFigureOut">
               <a:rPr lang="fr-FR" smtClean="0"/>
-              <a:t>03/05/2025</a:t>
+              <a:t>12/05/2025</a:t>
             </a:fld>
             <a:endParaRPr lang="fr-FR"/>
           </a:p>
@@ -2623,7 +2624,7 @@
           <a:p>
             <a:fld id="{A69F3118-5675-4AEB-B17B-1E109ACFC119}" type="datetimeFigureOut">
               <a:rPr lang="fr-FR" smtClean="0"/>
-              <a:t>03/05/2025</a:t>
+              <a:t>12/05/2025</a:t>
             </a:fld>
             <a:endParaRPr lang="fr-FR"/>
           </a:p>
@@ -2880,7 +2881,7 @@
           <a:p>
             <a:fld id="{A69F3118-5675-4AEB-B17B-1E109ACFC119}" type="datetimeFigureOut">
               <a:rPr lang="fr-FR" smtClean="0"/>
-              <a:t>03/05/2025</a:t>
+              <a:t>12/05/2025</a:t>
             </a:fld>
             <a:endParaRPr lang="fr-FR"/>
           </a:p>
@@ -3093,7 +3094,7 @@
           <a:p>
             <a:fld id="{A69F3118-5675-4AEB-B17B-1E109ACFC119}" type="datetimeFigureOut">
               <a:rPr lang="fr-FR" smtClean="0"/>
-              <a:t>03/05/2025</a:t>
+              <a:t>12/05/2025</a:t>
             </a:fld>
             <a:endParaRPr lang="fr-FR"/>
           </a:p>
@@ -5650,7 +5651,7 @@
             <a:pPr marL="72000"/>
             <a:r>
               <a:rPr lang="fr-FR" dirty="0"/>
-              <a:t>5. Si le bois est vendu 0,50 € le centimètre, quel est le coût total de tous les bouts de bois ?</a:t>
+              <a:t>5. Si le bois est vendu 0,42 € le centimètre, quel est le coût total de tous les bouts de bois ?</a:t>
             </a:r>
           </a:p>
           <a:p>
@@ -5666,6 +5667,10 @@
               <a:rPr lang="fr-FR" dirty="0"/>
               <a:t>………………………………………………………………………………………………………………….</a:t>
             </a:r>
+          </a:p>
+          <a:p>
+            <a:pPr marL="72000"/>
+            <a:endParaRPr lang="fr-FR" dirty="0"/>
           </a:p>
           <a:p>
             <a:pPr marL="72000"/>
@@ -5740,7 +5745,7 @@
             </a:br>
             <a:r>
               <a:rPr lang="fr-FR" dirty="0"/>
-              <a:t>12, 15, 18, 12, 20, 15, 10, 18, 15, 12, 14, 16, 18, 10, 15</a:t>
+              <a:t>12, 15, 18, 12, 20, 15, 10, 18, 15, 12, 14, 16, 18, 10, 15, 20, 12, 15, 18, 12, 20</a:t>
             </a:r>
           </a:p>
           <a:p>
@@ -6484,6 +6489,156 @@
     <p:extLst>
       <p:ext uri="{BB962C8B-B14F-4D97-AF65-F5344CB8AC3E}">
         <p14:creationId xmlns:p14="http://schemas.microsoft.com/office/powerpoint/2010/main" val="2727694446"/>
+      </p:ext>
+    </p:extLst>
+  </p:cSld>
+  <p:clrMapOvr>
+    <a:masterClrMapping/>
+  </p:clrMapOvr>
+</p:sld>
+</file>
+
+<file path=ppt/slides/slide5.xml><?xml version="1.0" encoding="utf-8"?>
+<p:sld xmlns:a="http://schemas.openxmlformats.org/drawingml/2006/main" xmlns:r="http://schemas.openxmlformats.org/officeDocument/2006/relationships" xmlns:p="http://schemas.openxmlformats.org/presentationml/2006/main">
+  <p:cSld>
+    <p:spTree>
+      <p:nvGrpSpPr>
+        <p:cNvPr id="1" name=""/>
+        <p:cNvGrpSpPr/>
+        <p:nvPr/>
+      </p:nvGrpSpPr>
+      <p:grpSpPr>
+        <a:xfrm>
+          <a:off x="0" y="0"/>
+          <a:ext cx="0" cy="0"/>
+          <a:chOff x="0" y="0"/>
+          <a:chExt cx="0" cy="0"/>
+        </a:xfrm>
+      </p:grpSpPr>
+      <p:pic>
+        <p:nvPicPr>
+          <p:cNvPr id="2" name="Picture 1">
+            <a:extLst>
+              <a:ext uri="{FF2B5EF4-FFF2-40B4-BE49-F238E27FC236}">
+                <a16:creationId xmlns:a16="http://schemas.microsoft.com/office/drawing/2014/main" id="{D2E7A1CD-34A0-4DBD-B13B-98EC236FCF4C}"/>
+              </a:ext>
+            </a:extLst>
+          </p:cNvPr>
+          <p:cNvPicPr>
+            <a:picLocks noChangeAspect="1"/>
+          </p:cNvPicPr>
+          <p:nvPr/>
+        </p:nvPicPr>
+        <p:blipFill>
+          <a:blip r:embed="rId2"/>
+          <a:stretch>
+            <a:fillRect/>
+          </a:stretch>
+        </p:blipFill>
+        <p:spPr>
+          <a:xfrm>
+            <a:off x="198052" y="273793"/>
+            <a:ext cx="8367707" cy="5337297"/>
+          </a:xfrm>
+          <a:prstGeom prst="rect">
+            <a:avLst/>
+          </a:prstGeom>
+        </p:spPr>
+      </p:pic>
+      <p:pic>
+        <p:nvPicPr>
+          <p:cNvPr id="4" name="Picture 3">
+            <a:extLst>
+              <a:ext uri="{FF2B5EF4-FFF2-40B4-BE49-F238E27FC236}">
+                <a16:creationId xmlns:a16="http://schemas.microsoft.com/office/drawing/2014/main" id="{D9D181F9-F56C-49F0-9F50-D3F91715332E}"/>
+              </a:ext>
+            </a:extLst>
+          </p:cNvPr>
+          <p:cNvPicPr>
+            <a:picLocks noChangeAspect="1"/>
+          </p:cNvPicPr>
+          <p:nvPr/>
+        </p:nvPicPr>
+        <p:blipFill>
+          <a:blip r:embed="rId3"/>
+          <a:stretch>
+            <a:fillRect/>
+          </a:stretch>
+        </p:blipFill>
+        <p:spPr>
+          <a:xfrm>
+            <a:off x="198052" y="5893583"/>
+            <a:ext cx="7773485" cy="4277322"/>
+          </a:xfrm>
+          <a:prstGeom prst="rect">
+            <a:avLst/>
+          </a:prstGeom>
+        </p:spPr>
+      </p:pic>
+      <p:pic>
+        <p:nvPicPr>
+          <p:cNvPr id="5" name="Picture 4">
+            <a:extLst>
+              <a:ext uri="{FF2B5EF4-FFF2-40B4-BE49-F238E27FC236}">
+                <a16:creationId xmlns:a16="http://schemas.microsoft.com/office/drawing/2014/main" id="{A739CCAE-1443-43B5-8094-879F168E4D5F}"/>
+              </a:ext>
+            </a:extLst>
+          </p:cNvPr>
+          <p:cNvPicPr>
+            <a:picLocks noChangeAspect="1"/>
+          </p:cNvPicPr>
+          <p:nvPr/>
+        </p:nvPicPr>
+        <p:blipFill>
+          <a:blip r:embed="rId4"/>
+          <a:stretch>
+            <a:fillRect/>
+          </a:stretch>
+        </p:blipFill>
+        <p:spPr>
+          <a:xfrm>
+            <a:off x="7241358" y="3318184"/>
+            <a:ext cx="7563906" cy="5468113"/>
+          </a:xfrm>
+          <a:prstGeom prst="rect">
+            <a:avLst/>
+          </a:prstGeom>
+        </p:spPr>
+      </p:pic>
+      <p:pic>
+        <p:nvPicPr>
+          <p:cNvPr id="7" name="Picture 6">
+            <a:extLst>
+              <a:ext uri="{FF2B5EF4-FFF2-40B4-BE49-F238E27FC236}">
+                <a16:creationId xmlns:a16="http://schemas.microsoft.com/office/drawing/2014/main" id="{786A54D8-DEA7-47EF-9773-26C314D810F2}"/>
+              </a:ext>
+            </a:extLst>
+          </p:cNvPr>
+          <p:cNvPicPr>
+            <a:picLocks noChangeAspect="1"/>
+          </p:cNvPicPr>
+          <p:nvPr/>
+        </p:nvPicPr>
+        <p:blipFill>
+          <a:blip r:embed="rId5"/>
+          <a:stretch>
+            <a:fillRect/>
+          </a:stretch>
+        </p:blipFill>
+        <p:spPr>
+          <a:xfrm>
+            <a:off x="9342221" y="8446639"/>
+            <a:ext cx="5163271" cy="1724266"/>
+          </a:xfrm>
+          <a:prstGeom prst="rect">
+            <a:avLst/>
+          </a:prstGeom>
+        </p:spPr>
+      </p:pic>
+    </p:spTree>
+    <p:extLst>
+      <p:ext uri="{BB962C8B-B14F-4D97-AF65-F5344CB8AC3E}">
+        <p14:creationId xmlns:p14="http://schemas.microsoft.com/office/powerpoint/2010/main" val="2006294276"/>
       </p:ext>
     </p:extLst>
   </p:cSld>
